--- a/images_ppt.pptx
+++ b/images_ppt.pptx
@@ -7,6 +7,16 @@
   <p:sldIdLst>
     <p:sldId id="256" r:id="rId2"/>
     <p:sldId id="257" r:id="rId3"/>
+    <p:sldId id="291" r:id="rId4"/>
+    <p:sldId id="292" r:id="rId5"/>
+    <p:sldId id="293" r:id="rId6"/>
+    <p:sldId id="294" r:id="rId7"/>
+    <p:sldId id="295" r:id="rId8"/>
+    <p:sldId id="296" r:id="rId9"/>
+    <p:sldId id="308" r:id="rId10"/>
+    <p:sldId id="309" r:id="rId11"/>
+    <p:sldId id="317" r:id="rId12"/>
+    <p:sldId id="346" r:id="rId13"/>
   </p:sldIdLst>
   <p:sldSz cx="12192000" cy="6858000"/>
   <p:notesSz cx="6858000" cy="9144000"/>
@@ -740,6 +750,88 @@
 </p:sldLayout>
 </file>
 
+<file path=ppt/slideLayouts/slideLayout12.xml><?xml version="1.0" encoding="utf-8"?>
+<p:sldLayout xmlns:a="http://schemas.openxmlformats.org/drawingml/2006/main" xmlns:r="http://schemas.openxmlformats.org/officeDocument/2006/relationships" xmlns:p="http://schemas.openxmlformats.org/presentationml/2006/main" type="tx">
+  <p:cSld name="Title - Top">
+    <p:spTree>
+      <p:nvGrpSpPr>
+        <p:cNvPr id="1" name=""/>
+        <p:cNvGrpSpPr/>
+        <p:nvPr/>
+      </p:nvGrpSpPr>
+      <p:grpSpPr>
+        <a:xfrm>
+          <a:off x="0" y="0"/>
+          <a:ext cx="0" cy="0"/>
+          <a:chOff x="0" y="0"/>
+          <a:chExt cx="0" cy="0"/>
+        </a:xfrm>
+      </p:grpSpPr>
+      <p:sp>
+        <p:nvSpPr>
+          <p:cNvPr id="50" name="Shape 50"/>
+          <p:cNvSpPr>
+            <a:spLocks noGrp="1"/>
+          </p:cNvSpPr>
+          <p:nvPr>
+            <p:ph type="title"/>
+          </p:nvPr>
+        </p:nvSpPr>
+        <p:spPr>
+          <a:prstGeom prst="rect">
+            <a:avLst/>
+          </a:prstGeom>
+        </p:spPr>
+        <p:txBody>
+          <a:bodyPr/>
+          <a:lstStyle/>
+          <a:p>
+            <a:r>
+              <a:t>Title Text</a:t>
+            </a:r>
+          </a:p>
+        </p:txBody>
+      </p:sp>
+      <p:sp>
+        <p:nvSpPr>
+          <p:cNvPr id="51" name="Shape 51"/>
+          <p:cNvSpPr>
+            <a:spLocks noGrp="1"/>
+          </p:cNvSpPr>
+          <p:nvPr>
+            <p:ph type="sldNum" sz="quarter" idx="2"/>
+          </p:nvPr>
+        </p:nvSpPr>
+        <p:spPr>
+          <a:prstGeom prst="rect">
+            <a:avLst/>
+          </a:prstGeom>
+        </p:spPr>
+        <p:txBody>
+          <a:bodyPr/>
+          <a:lstStyle/>
+          <a:p>
+            <a:fld id="{86CB4B4D-7CA3-9044-876B-883B54F8677D}" type="slidenum">
+              <a:t>‹#›</a:t>
+            </a:fld>
+            <a:endParaRPr/>
+          </a:p>
+        </p:txBody>
+      </p:sp>
+    </p:spTree>
+    <p:extLst>
+      <p:ext uri="{BB962C8B-B14F-4D97-AF65-F5344CB8AC3E}">
+        <p14:creationId xmlns:p14="http://schemas.microsoft.com/office/powerpoint/2010/main" val="2127836912"/>
+      </p:ext>
+    </p:extLst>
+  </p:cSld>
+  <p:clrMapOvr>
+    <a:masterClrMapping/>
+  </p:clrMapOvr>
+  <p:transition spd="med"/>
+</p:sldLayout>
+</file>
+
 <file path=ppt/slideLayouts/slideLayout2.xml><?xml version="1.0" encoding="utf-8"?>
 <p:sldLayout xmlns:a="http://schemas.openxmlformats.org/drawingml/2006/main" xmlns:r="http://schemas.openxmlformats.org/officeDocument/2006/relationships" xmlns:p="http://schemas.openxmlformats.org/presentationml/2006/main" type="obj" preserve="1">
   <p:cSld name="Title and Content">
@@ -3042,6 +3134,7 @@
     <p:sldLayoutId id="2147483657" r:id="rId9"/>
     <p:sldLayoutId id="2147483658" r:id="rId10"/>
     <p:sldLayoutId id="2147483659" r:id="rId11"/>
+    <p:sldLayoutId id="2147483660" r:id="rId12"/>
   </p:sldLayoutIdLst>
   <p:txStyles>
     <p:titleStyle>
@@ -4434,6 +4527,476 @@
 </p:sld>
 </file>
 
+<file path=ppt/slides/slide10.xml><?xml version="1.0" encoding="utf-8"?>
+<p:sld xmlns:a="http://schemas.openxmlformats.org/drawingml/2006/main" xmlns:r="http://schemas.openxmlformats.org/officeDocument/2006/relationships" xmlns:p="http://schemas.openxmlformats.org/presentationml/2006/main">
+  <p:cSld>
+    <p:spTree>
+      <p:nvGrpSpPr>
+        <p:cNvPr id="1" name=""/>
+        <p:cNvGrpSpPr/>
+        <p:nvPr/>
+      </p:nvGrpSpPr>
+      <p:grpSpPr>
+        <a:xfrm>
+          <a:off x="0" y="0"/>
+          <a:ext cx="0" cy="0"/>
+          <a:chOff x="0" y="0"/>
+          <a:chExt cx="0" cy="0"/>
+        </a:xfrm>
+      </p:grpSpPr>
+      <p:sp>
+        <p:nvSpPr>
+          <p:cNvPr id="2" name="Rectangle 1">
+            <a:extLst>
+              <a:ext uri="{FF2B5EF4-FFF2-40B4-BE49-F238E27FC236}">
+                <a16:creationId xmlns:a16="http://schemas.microsoft.com/office/drawing/2014/main" id="{78FD03E9-406E-4B1E-BC87-F0388DF5AB45}"/>
+              </a:ext>
+            </a:extLst>
+          </p:cNvPr>
+          <p:cNvSpPr>
+            <a:spLocks noChangeArrowheads="1"/>
+          </p:cNvSpPr>
+          <p:nvPr/>
+        </p:nvSpPr>
+        <p:spPr bwMode="auto">
+          <a:xfrm>
+            <a:off x="0" y="246124"/>
+            <a:ext cx="2822331" cy="800219"/>
+          </a:xfrm>
+          <a:prstGeom prst="rect">
+            <a:avLst/>
+          </a:prstGeom>
+          <a:noFill/>
+          <a:ln>
+            <a:noFill/>
+          </a:ln>
+          <a:effectLst/>
+          <a:extLst>
+            <a:ext uri="{909E8E84-426E-40DD-AFC4-6F175D3DCCD1}">
+              <a14:hiddenFill xmlns:a14="http://schemas.microsoft.com/office/drawing/2010/main">
+                <a:solidFill>
+                  <a:schemeClr val="accent1"/>
+                </a:solidFill>
+              </a14:hiddenFill>
+            </a:ext>
+            <a:ext uri="{91240B29-F687-4F45-9708-019B960494DF}">
+              <a14:hiddenLine xmlns:a14="http://schemas.microsoft.com/office/drawing/2010/main" w="9525">
+                <a:solidFill>
+                  <a:schemeClr val="tx1"/>
+                </a:solidFill>
+                <a:miter lim="800000"/>
+                <a:headEnd/>
+                <a:tailEnd/>
+              </a14:hiddenLine>
+            </a:ext>
+            <a:ext uri="{AF507438-7753-43E0-B8FC-AC1667EBCBE1}">
+              <a14:hiddenEffects xmlns:a14="http://schemas.microsoft.com/office/drawing/2010/main">
+                <a:effectLst>
+                  <a:outerShdw dist="35921" dir="2700000" algn="ctr" rotWithShape="0">
+                    <a:schemeClr val="bg2"/>
+                  </a:outerShdw>
+                </a:effectLst>
+              </a14:hiddenEffects>
+            </a:ext>
+          </a:extLst>
+        </p:spPr>
+        <p:txBody>
+          <a:bodyPr vert="horz" wrap="square" lIns="91440" tIns="45720" rIns="91440" bIns="45720" numCol="1" anchor="ctr" anchorCtr="0" compatLnSpc="1">
+            <a:prstTxWarp prst="textNoShape">
+              <a:avLst/>
+            </a:prstTxWarp>
+            <a:spAutoFit/>
+          </a:bodyPr>
+          <a:lstStyle/>
+          <a:p>
+            <a:pPr marL="0" marR="0" lvl="0" indent="0" algn="l" defTabSz="914400" rtl="0" eaLnBrk="0" fontAlgn="base" latinLnBrk="0" hangingPunct="0">
+              <a:lnSpc>
+                <a:spcPct val="100000"/>
+              </a:lnSpc>
+              <a:spcBef>
+                <a:spcPct val="0"/>
+              </a:spcBef>
+              <a:spcAft>
+                <a:spcPct val="0"/>
+              </a:spcAft>
+              <a:buClrTx/>
+              <a:buSzTx/>
+              <a:buFontTx/>
+              <a:buNone/>
+              <a:tabLst/>
+            </a:pPr>
+            <a:r>
+              <a:rPr kumimoji="0" lang="en-US" altLang="en-US" sz="1800" b="1" i="0" u="none" strike="noStrike" cap="none" normalizeH="0" baseline="0">
+                <a:ln>
+                  <a:noFill/>
+                </a:ln>
+                <a:solidFill>
+                  <a:schemeClr val="tx1"/>
+                </a:solidFill>
+                <a:effectLst/>
+                <a:latin typeface="Arial" panose="020B0604020202020204" pitchFamily="34" charset="0"/>
+              </a:rPr>
+              <a:t>Component re-rendering due to call to </a:t>
+            </a:r>
+            <a:r>
+              <a:rPr kumimoji="0" lang="en-US" altLang="en-US" sz="1000" b="1" i="0" u="none" strike="noStrike" cap="none" normalizeH="0" baseline="0">
+                <a:ln>
+                  <a:noFill/>
+                </a:ln>
+                <a:solidFill>
+                  <a:schemeClr val="tx1"/>
+                </a:solidFill>
+                <a:effectLst/>
+                <a:latin typeface="Arial Unicode MS"/>
+              </a:rPr>
+              <a:t>this.forceUpdate</a:t>
+            </a:r>
+            <a:endParaRPr kumimoji="0" lang="en-US" altLang="en-US" sz="1800" b="0" i="0" u="none" strike="noStrike" cap="none" normalizeH="0" baseline="0">
+              <a:ln>
+                <a:noFill/>
+              </a:ln>
+              <a:solidFill>
+                <a:schemeClr val="tx1"/>
+              </a:solidFill>
+              <a:effectLst/>
+              <a:latin typeface="Arial" panose="020B0604020202020204" pitchFamily="34" charset="0"/>
+            </a:endParaRPr>
+          </a:p>
+        </p:txBody>
+      </p:sp>
+      <p:pic>
+        <p:nvPicPr>
+          <p:cNvPr id="4" name="Picture 3">
+            <a:extLst>
+              <a:ext uri="{FF2B5EF4-FFF2-40B4-BE49-F238E27FC236}">
+                <a16:creationId xmlns:a16="http://schemas.microsoft.com/office/drawing/2014/main" id="{7F56FB6C-CEF7-41F0-B01F-2825A8F210C1}"/>
+              </a:ext>
+            </a:extLst>
+          </p:cNvPr>
+          <p:cNvPicPr>
+            <a:picLocks noChangeAspect="1"/>
+          </p:cNvPicPr>
+          <p:nvPr/>
+        </p:nvPicPr>
+        <p:blipFill>
+          <a:blip r:embed="rId2">
+            <a:extLst>
+              <a:ext uri="{28A0092B-C50C-407E-A947-70E740481C1C}">
+                <a14:useLocalDpi xmlns:a14="http://schemas.microsoft.com/office/drawing/2010/main" val="0"/>
+              </a:ext>
+            </a:extLst>
+          </a:blip>
+          <a:stretch>
+            <a:fillRect/>
+          </a:stretch>
+        </p:blipFill>
+        <p:spPr>
+          <a:xfrm>
+            <a:off x="178410" y="1662112"/>
+            <a:ext cx="3552825" cy="3533775"/>
+          </a:xfrm>
+          <a:prstGeom prst="rect">
+            <a:avLst/>
+          </a:prstGeom>
+        </p:spPr>
+      </p:pic>
+      <p:sp>
+        <p:nvSpPr>
+          <p:cNvPr id="5" name="Rectangle 4">
+            <a:extLst>
+              <a:ext uri="{FF2B5EF4-FFF2-40B4-BE49-F238E27FC236}">
+                <a16:creationId xmlns:a16="http://schemas.microsoft.com/office/drawing/2014/main" id="{66CACF68-2864-49F8-866C-0EA88953AEC5}"/>
+              </a:ext>
+            </a:extLst>
+          </p:cNvPr>
+          <p:cNvSpPr/>
+          <p:nvPr/>
+        </p:nvSpPr>
+        <p:spPr>
+          <a:xfrm>
+            <a:off x="4091637" y="571473"/>
+            <a:ext cx="4940712" cy="369332"/>
+          </a:xfrm>
+          <a:prstGeom prst="rect">
+            <a:avLst/>
+          </a:prstGeom>
+        </p:spPr>
+        <p:txBody>
+          <a:bodyPr wrap="none">
+            <a:spAutoFit/>
+          </a:bodyPr>
+          <a:lstStyle/>
+          <a:p>
+            <a:r>
+              <a:rPr lang="en-US" b="1" dirty="0"/>
+              <a:t>Component re-rendering due to catching an error</a:t>
+            </a:r>
+            <a:endParaRPr lang="en-IN" dirty="0"/>
+          </a:p>
+        </p:txBody>
+      </p:sp>
+      <p:pic>
+        <p:nvPicPr>
+          <p:cNvPr id="7" name="Picture 6">
+            <a:extLst>
+              <a:ext uri="{FF2B5EF4-FFF2-40B4-BE49-F238E27FC236}">
+                <a16:creationId xmlns:a16="http://schemas.microsoft.com/office/drawing/2014/main" id="{3DD9B621-AB53-4465-AEDB-89A42E7313A6}"/>
+              </a:ext>
+            </a:extLst>
+          </p:cNvPr>
+          <p:cNvPicPr>
+            <a:picLocks noChangeAspect="1"/>
+          </p:cNvPicPr>
+          <p:nvPr/>
+        </p:nvPicPr>
+        <p:blipFill>
+          <a:blip r:embed="rId3">
+            <a:extLst>
+              <a:ext uri="{28A0092B-C50C-407E-A947-70E740481C1C}">
+                <a14:useLocalDpi xmlns:a14="http://schemas.microsoft.com/office/drawing/2010/main" val="0"/>
+              </a:ext>
+            </a:extLst>
+          </a:blip>
+          <a:stretch>
+            <a:fillRect/>
+          </a:stretch>
+        </p:blipFill>
+        <p:spPr>
+          <a:xfrm>
+            <a:off x="4713043" y="1514474"/>
+            <a:ext cx="6124575" cy="3829050"/>
+          </a:xfrm>
+          <a:prstGeom prst="rect">
+            <a:avLst/>
+          </a:prstGeom>
+        </p:spPr>
+      </p:pic>
+      <p:sp>
+        <p:nvSpPr>
+          <p:cNvPr id="8" name="Rectangle 7">
+            <a:extLst>
+              <a:ext uri="{FF2B5EF4-FFF2-40B4-BE49-F238E27FC236}">
+                <a16:creationId xmlns:a16="http://schemas.microsoft.com/office/drawing/2014/main" id="{0835A7F4-B328-46A5-9566-27563352E593}"/>
+              </a:ext>
+            </a:extLst>
+          </p:cNvPr>
+          <p:cNvSpPr/>
+          <p:nvPr/>
+        </p:nvSpPr>
+        <p:spPr>
+          <a:xfrm>
+            <a:off x="340770" y="6372674"/>
+            <a:ext cx="9559367" cy="261610"/>
+          </a:xfrm>
+          <a:prstGeom prst="rect">
+            <a:avLst/>
+          </a:prstGeom>
+        </p:spPr>
+        <p:txBody>
+          <a:bodyPr wrap="square">
+            <a:spAutoFit/>
+          </a:bodyPr>
+          <a:lstStyle/>
+          <a:p>
+            <a:r>
+              <a:rPr lang="en-IN" sz="1050" dirty="0"/>
+              <a:t>https://medium.com/@baphemot/understanding-reactjs-component-life-cycle-823a640b3e8d</a:t>
+            </a:r>
+          </a:p>
+        </p:txBody>
+      </p:sp>
+    </p:spTree>
+    <p:extLst>
+      <p:ext uri="{BB962C8B-B14F-4D97-AF65-F5344CB8AC3E}">
+        <p14:creationId xmlns:p14="http://schemas.microsoft.com/office/powerpoint/2010/main" val="2251630504"/>
+      </p:ext>
+    </p:extLst>
+  </p:cSld>
+  <p:clrMapOvr>
+    <a:masterClrMapping/>
+  </p:clrMapOvr>
+</p:sld>
+</file>
+
+<file path=ppt/slides/slide11.xml><?xml version="1.0" encoding="utf-8"?>
+<p:sld xmlns:a="http://schemas.openxmlformats.org/drawingml/2006/main" xmlns:r="http://schemas.openxmlformats.org/officeDocument/2006/relationships" xmlns:p="http://schemas.openxmlformats.org/presentationml/2006/main">
+  <p:cSld>
+    <p:spTree>
+      <p:nvGrpSpPr>
+        <p:cNvPr id="1" name=""/>
+        <p:cNvGrpSpPr/>
+        <p:nvPr/>
+      </p:nvGrpSpPr>
+      <p:grpSpPr>
+        <a:xfrm>
+          <a:off x="0" y="0"/>
+          <a:ext cx="0" cy="0"/>
+          <a:chOff x="0" y="0"/>
+          <a:chExt cx="0" cy="0"/>
+        </a:xfrm>
+      </p:grpSpPr>
+      <p:sp>
+        <p:nvSpPr>
+          <p:cNvPr id="2" name="Title 1">
+            <a:extLst>
+              <a:ext uri="{FF2B5EF4-FFF2-40B4-BE49-F238E27FC236}">
+                <a16:creationId xmlns:a16="http://schemas.microsoft.com/office/drawing/2014/main" id="{48251A8A-FD3B-4B23-A65D-B39BC465C4AB}"/>
+              </a:ext>
+            </a:extLst>
+          </p:cNvPr>
+          <p:cNvSpPr>
+            <a:spLocks noGrp="1"/>
+          </p:cNvSpPr>
+          <p:nvPr>
+            <p:ph type="title"/>
+          </p:nvPr>
+        </p:nvSpPr>
+        <p:spPr/>
+        <p:txBody>
+          <a:bodyPr/>
+          <a:lstStyle/>
+          <a:p>
+            <a:r>
+              <a:rPr lang="en-US" dirty="0"/>
+              <a:t>React 16.x</a:t>
+            </a:r>
+          </a:p>
+        </p:txBody>
+      </p:sp>
+      <p:pic>
+        <p:nvPicPr>
+          <p:cNvPr id="5" name="Content Placeholder 4">
+            <a:extLst>
+              <a:ext uri="{FF2B5EF4-FFF2-40B4-BE49-F238E27FC236}">
+                <a16:creationId xmlns:a16="http://schemas.microsoft.com/office/drawing/2014/main" id="{0EE07377-EEB5-4F7C-87FD-4DDE1B9DF4F4}"/>
+              </a:ext>
+            </a:extLst>
+          </p:cNvPr>
+          <p:cNvPicPr>
+            <a:picLocks noGrp="1" noChangeAspect="1"/>
+          </p:cNvPicPr>
+          <p:nvPr>
+            <p:ph idx="1"/>
+          </p:nvPr>
+        </p:nvPicPr>
+        <p:blipFill>
+          <a:blip r:embed="rId2">
+            <a:extLst>
+              <a:ext uri="{28A0092B-C50C-407E-A947-70E740481C1C}">
+                <a14:useLocalDpi xmlns:a14="http://schemas.microsoft.com/office/drawing/2010/main" val="0"/>
+              </a:ext>
+            </a:extLst>
+          </a:blip>
+          <a:stretch>
+            <a:fillRect/>
+          </a:stretch>
+        </p:blipFill>
+        <p:spPr>
+          <a:xfrm>
+            <a:off x="1741666" y="1222375"/>
+            <a:ext cx="8903930" cy="4870450"/>
+          </a:xfrm>
+        </p:spPr>
+      </p:pic>
+    </p:spTree>
+    <p:extLst>
+      <p:ext uri="{BB962C8B-B14F-4D97-AF65-F5344CB8AC3E}">
+        <p14:creationId xmlns:p14="http://schemas.microsoft.com/office/powerpoint/2010/main" val="235148499"/>
+      </p:ext>
+    </p:extLst>
+  </p:cSld>
+  <p:clrMapOvr>
+    <a:masterClrMapping/>
+  </p:clrMapOvr>
+</p:sld>
+</file>
+
+<file path=ppt/slides/slide12.xml><?xml version="1.0" encoding="utf-8"?>
+<p:sld xmlns:a="http://schemas.openxmlformats.org/drawingml/2006/main" xmlns:r="http://schemas.openxmlformats.org/officeDocument/2006/relationships" xmlns:p="http://schemas.openxmlformats.org/presentationml/2006/main">
+  <p:cSld>
+    <p:spTree>
+      <p:nvGrpSpPr>
+        <p:cNvPr id="1" name=""/>
+        <p:cNvGrpSpPr/>
+        <p:nvPr/>
+      </p:nvGrpSpPr>
+      <p:grpSpPr>
+        <a:xfrm>
+          <a:off x="0" y="0"/>
+          <a:ext cx="0" cy="0"/>
+          <a:chOff x="0" y="0"/>
+          <a:chExt cx="0" cy="0"/>
+        </a:xfrm>
+      </p:grpSpPr>
+      <p:sp>
+        <p:nvSpPr>
+          <p:cNvPr id="2" name="Title 1">
+            <a:extLst>
+              <a:ext uri="{FF2B5EF4-FFF2-40B4-BE49-F238E27FC236}">
+                <a16:creationId xmlns:a16="http://schemas.microsoft.com/office/drawing/2014/main" id="{720E27BB-75B5-4EBE-B885-1034DCA9D7A9}"/>
+              </a:ext>
+            </a:extLst>
+          </p:cNvPr>
+          <p:cNvSpPr>
+            <a:spLocks noGrp="1"/>
+          </p:cNvSpPr>
+          <p:nvPr>
+            <p:ph type="title"/>
+          </p:nvPr>
+        </p:nvSpPr>
+        <p:spPr/>
+        <p:txBody>
+          <a:bodyPr/>
+          <a:lstStyle/>
+          <a:p>
+            <a:endParaRPr lang="en-US" dirty="0"/>
+          </a:p>
+        </p:txBody>
+      </p:sp>
+      <p:pic>
+        <p:nvPicPr>
+          <p:cNvPr id="3" name="Picture 2">
+            <a:extLst>
+              <a:ext uri="{FF2B5EF4-FFF2-40B4-BE49-F238E27FC236}">
+                <a16:creationId xmlns:a16="http://schemas.microsoft.com/office/drawing/2014/main" id="{2B0C301B-C5CE-49B0-BA79-D34B57EBBB36}"/>
+              </a:ext>
+            </a:extLst>
+          </p:cNvPr>
+          <p:cNvPicPr>
+            <a:picLocks noChangeAspect="1"/>
+          </p:cNvPicPr>
+          <p:nvPr/>
+        </p:nvPicPr>
+        <p:blipFill>
+          <a:blip r:embed="rId2"/>
+          <a:stretch>
+            <a:fillRect/>
+          </a:stretch>
+        </p:blipFill>
+        <p:spPr>
+          <a:xfrm>
+            <a:off x="500062" y="109537"/>
+            <a:ext cx="11191875" cy="6638925"/>
+          </a:xfrm>
+          <a:prstGeom prst="rect">
+            <a:avLst/>
+          </a:prstGeom>
+        </p:spPr>
+      </p:pic>
+    </p:spTree>
+    <p:extLst>
+      <p:ext uri="{BB962C8B-B14F-4D97-AF65-F5344CB8AC3E}">
+        <p14:creationId xmlns:p14="http://schemas.microsoft.com/office/powerpoint/2010/main" val="2921393113"/>
+      </p:ext>
+    </p:extLst>
+  </p:cSld>
+  <p:clrMapOvr>
+    <a:masterClrMapping/>
+  </p:clrMapOvr>
+  <p:transition spd="med"/>
+</p:sld>
+</file>
+
 <file path=ppt/slides/slide2.xml><?xml version="1.0" encoding="utf-8"?>
 <p:sld xmlns:a="http://schemas.openxmlformats.org/drawingml/2006/main" xmlns:r="http://schemas.openxmlformats.org/officeDocument/2006/relationships" xmlns:p="http://schemas.openxmlformats.org/presentationml/2006/main">
   <p:cSld>
@@ -5358,20 +5921,3033 @@
           <a:p>
             <a:r>
               <a:rPr lang="en-US" dirty="0"/>
-              <a:t>Child1 and Child2 will subscribe to Context and read values of properties provided by the </a:t>
-            </a:r>
-            <a:r>
-              <a:rPr lang="en-US"/>
-              <a:t>parent component</a:t>
-            </a:r>
-            <a:endParaRPr lang="en-US" dirty="0"/>
-          </a:p>
-        </p:txBody>
-      </p:sp>
+              <a:t>Child1 and Child2 will subscribe to Context and read values of properties provided by the parent component</a:t>
+            </a:r>
+          </a:p>
+        </p:txBody>
+      </p:sp>
+      <p:cxnSp>
+        <p:nvCxnSpPr>
+          <p:cNvPr id="32" name="Elbow Connector 31">
+            <a:extLst>
+              <a:ext uri="{FF2B5EF4-FFF2-40B4-BE49-F238E27FC236}">
+                <a16:creationId xmlns:a16="http://schemas.microsoft.com/office/drawing/2014/main" id="{9E465925-C006-4757-C175-F917DDF644E7}"/>
+              </a:ext>
+            </a:extLst>
+          </p:cNvPr>
+          <p:cNvCxnSpPr>
+            <a:cxnSpLocks/>
+            <a:stCxn id="30" idx="3"/>
+          </p:cNvCxnSpPr>
+          <p:nvPr/>
+        </p:nvCxnSpPr>
+        <p:spPr>
+          <a:xfrm flipH="1" flipV="1">
+            <a:off x="7546953" y="3429001"/>
+            <a:ext cx="682647" cy="2942868"/>
+          </a:xfrm>
+          <a:prstGeom prst="bentConnector4">
+            <a:avLst>
+              <a:gd name="adj1" fmla="val -33487"/>
+              <a:gd name="adj2" fmla="val 55491"/>
+            </a:avLst>
+          </a:prstGeom>
+          <a:ln w="38100">
+            <a:solidFill>
+              <a:srgbClr val="002060"/>
+            </a:solidFill>
+            <a:tailEnd type="triangle"/>
+          </a:ln>
+        </p:spPr>
+        <p:style>
+          <a:lnRef idx="1">
+            <a:schemeClr val="accent1"/>
+          </a:lnRef>
+          <a:fillRef idx="0">
+            <a:schemeClr val="accent1"/>
+          </a:fillRef>
+          <a:effectRef idx="0">
+            <a:schemeClr val="accent1"/>
+          </a:effectRef>
+          <a:fontRef idx="minor">
+            <a:schemeClr val="tx1"/>
+          </a:fontRef>
+        </p:style>
+      </p:cxnSp>
+      <p:sp>
+        <p:nvSpPr>
+          <p:cNvPr id="35" name="TextBox 34">
+            <a:extLst>
+              <a:ext uri="{FF2B5EF4-FFF2-40B4-BE49-F238E27FC236}">
+                <a16:creationId xmlns:a16="http://schemas.microsoft.com/office/drawing/2014/main" id="{DC75C22D-157B-6D76-A98F-07896C0599A3}"/>
+              </a:ext>
+            </a:extLst>
+          </p:cNvPr>
+          <p:cNvSpPr txBox="1"/>
+          <p:nvPr/>
+        </p:nvSpPr>
+        <p:spPr>
+          <a:xfrm>
+            <a:off x="1534510" y="5165834"/>
+            <a:ext cx="3657600" cy="646331"/>
+          </a:xfrm>
+          <a:prstGeom prst="rect">
+            <a:avLst/>
+          </a:prstGeom>
+          <a:noFill/>
+        </p:spPr>
+        <p:txBody>
+          <a:bodyPr wrap="square" rtlCol="0">
+            <a:spAutoFit/>
+          </a:bodyPr>
+          <a:lstStyle/>
+          <a:p>
+            <a:r>
+              <a:rPr lang="en-US" dirty="0" err="1"/>
+              <a:t>useContext</a:t>
+            </a:r>
+            <a:r>
+              <a:rPr lang="en-US" dirty="0"/>
+              <a:t>(</a:t>
+            </a:r>
+            <a:r>
+              <a:rPr lang="en-US" dirty="0" err="1"/>
+              <a:t>ContextObject</a:t>
+            </a:r>
+            <a:r>
+              <a:rPr lang="en-US" dirty="0"/>
+              <a:t>);</a:t>
+            </a:r>
+          </a:p>
+          <a:p>
+            <a:r>
+              <a:rPr lang="en-US" dirty="0"/>
+              <a:t>  </a:t>
+            </a:r>
+            <a:r>
+              <a:rPr lang="en-US" dirty="0" err="1"/>
+              <a:t>Context.Consumer</a:t>
+            </a:r>
+            <a:r>
+              <a:rPr lang="en-US" dirty="0"/>
+              <a:t> (Internally used)</a:t>
+            </a:r>
+          </a:p>
+        </p:txBody>
+      </p:sp>
+      <p:cxnSp>
+        <p:nvCxnSpPr>
+          <p:cNvPr id="39" name="Straight Arrow Connector 38">
+            <a:extLst>
+              <a:ext uri="{FF2B5EF4-FFF2-40B4-BE49-F238E27FC236}">
+                <a16:creationId xmlns:a16="http://schemas.microsoft.com/office/drawing/2014/main" id="{4C11F57F-444A-7DF8-574D-514B44BFF999}"/>
+              </a:ext>
+            </a:extLst>
+          </p:cNvPr>
+          <p:cNvCxnSpPr>
+            <a:stCxn id="30" idx="1"/>
+            <a:endCxn id="35" idx="2"/>
+          </p:cNvCxnSpPr>
+          <p:nvPr/>
+        </p:nvCxnSpPr>
+        <p:spPr>
+          <a:xfrm flipV="1">
+            <a:off x="1860331" y="5812165"/>
+            <a:ext cx="1502979" cy="559704"/>
+          </a:xfrm>
+          <a:prstGeom prst="straightConnector1">
+            <a:avLst/>
+          </a:prstGeom>
+          <a:ln>
+            <a:tailEnd type="triangle"/>
+          </a:ln>
+        </p:spPr>
+        <p:style>
+          <a:lnRef idx="1">
+            <a:schemeClr val="accent1"/>
+          </a:lnRef>
+          <a:fillRef idx="0">
+            <a:schemeClr val="accent1"/>
+          </a:fillRef>
+          <a:effectRef idx="0">
+            <a:schemeClr val="accent1"/>
+          </a:effectRef>
+          <a:fontRef idx="minor">
+            <a:schemeClr val="tx1"/>
+          </a:fontRef>
+        </p:style>
+      </p:cxnSp>
     </p:spTree>
     <p:extLst>
       <p:ext uri="{BB962C8B-B14F-4D97-AF65-F5344CB8AC3E}">
         <p14:creationId xmlns:p14="http://schemas.microsoft.com/office/powerpoint/2010/main" val="3610625527"/>
+      </p:ext>
+    </p:extLst>
+  </p:cSld>
+  <p:clrMapOvr>
+    <a:masterClrMapping/>
+  </p:clrMapOvr>
+</p:sld>
+</file>
+
+<file path=ppt/slides/slide3.xml><?xml version="1.0" encoding="utf-8"?>
+<p:sld xmlns:a="http://schemas.openxmlformats.org/drawingml/2006/main" xmlns:r="http://schemas.openxmlformats.org/officeDocument/2006/relationships" xmlns:p="http://schemas.openxmlformats.org/presentationml/2006/main">
+  <p:cSld>
+    <p:spTree>
+      <p:nvGrpSpPr>
+        <p:cNvPr id="1" name=""/>
+        <p:cNvGrpSpPr/>
+        <p:nvPr/>
+      </p:nvGrpSpPr>
+      <p:grpSpPr>
+        <a:xfrm>
+          <a:off x="0" y="0"/>
+          <a:ext cx="0" cy="0"/>
+          <a:chOff x="0" y="0"/>
+          <a:chExt cx="0" cy="0"/>
+        </a:xfrm>
+      </p:grpSpPr>
+      <p:sp>
+        <p:nvSpPr>
+          <p:cNvPr id="2" name="Title 1"/>
+          <p:cNvSpPr>
+            <a:spLocks noGrp="1"/>
+          </p:cNvSpPr>
+          <p:nvPr>
+            <p:ph type="title"/>
+          </p:nvPr>
+        </p:nvSpPr>
+        <p:spPr/>
+        <p:txBody>
+          <a:bodyPr/>
+          <a:lstStyle/>
+          <a:p>
+            <a:r>
+              <a:rPr lang="en-US" dirty="0"/>
+              <a:t>React lifecycle</a:t>
+            </a:r>
+          </a:p>
+        </p:txBody>
+      </p:sp>
+      <p:sp>
+        <p:nvSpPr>
+          <p:cNvPr id="3" name="Text Placeholder 2"/>
+          <p:cNvSpPr>
+            <a:spLocks noGrp="1"/>
+          </p:cNvSpPr>
+          <p:nvPr>
+            <p:ph type="body" idx="1"/>
+          </p:nvPr>
+        </p:nvSpPr>
+        <p:spPr/>
+        <p:txBody>
+          <a:bodyPr/>
+          <a:lstStyle/>
+          <a:p>
+            <a:endParaRPr lang="en-US"/>
+          </a:p>
+        </p:txBody>
+      </p:sp>
+    </p:spTree>
+    <p:extLst>
+      <p:ext uri="{BB962C8B-B14F-4D97-AF65-F5344CB8AC3E}">
+        <p14:creationId xmlns:p14="http://schemas.microsoft.com/office/powerpoint/2010/main" val="3091406987"/>
+      </p:ext>
+    </p:extLst>
+  </p:cSld>
+  <p:clrMapOvr>
+    <a:masterClrMapping/>
+  </p:clrMapOvr>
+</p:sld>
+</file>
+
+<file path=ppt/slides/slide4.xml><?xml version="1.0" encoding="utf-8"?>
+<p:sld xmlns:a="http://schemas.openxmlformats.org/drawingml/2006/main" xmlns:r="http://schemas.openxmlformats.org/officeDocument/2006/relationships" xmlns:p="http://schemas.openxmlformats.org/presentationml/2006/main">
+  <p:cSld>
+    <p:spTree>
+      <p:nvGrpSpPr>
+        <p:cNvPr id="1" name=""/>
+        <p:cNvGrpSpPr/>
+        <p:nvPr/>
+      </p:nvGrpSpPr>
+      <p:grpSpPr>
+        <a:xfrm>
+          <a:off x="0" y="0"/>
+          <a:ext cx="0" cy="0"/>
+          <a:chOff x="0" y="0"/>
+          <a:chExt cx="0" cy="0"/>
+        </a:xfrm>
+      </p:grpSpPr>
+      <p:sp>
+        <p:nvSpPr>
+          <p:cNvPr id="2" name="Title 1"/>
+          <p:cNvSpPr>
+            <a:spLocks noGrp="1"/>
+          </p:cNvSpPr>
+          <p:nvPr>
+            <p:ph type="title"/>
+          </p:nvPr>
+        </p:nvSpPr>
+        <p:spPr/>
+        <p:txBody>
+          <a:bodyPr/>
+          <a:lstStyle/>
+          <a:p>
+            <a:r>
+              <a:rPr lang="en-US" dirty="0"/>
+              <a:t>React</a:t>
+            </a:r>
+          </a:p>
+        </p:txBody>
+      </p:sp>
+      <p:sp>
+        <p:nvSpPr>
+          <p:cNvPr id="3" name="Content Placeholder 2"/>
+          <p:cNvSpPr>
+            <a:spLocks noGrp="1"/>
+          </p:cNvSpPr>
+          <p:nvPr>
+            <p:ph idx="1"/>
+          </p:nvPr>
+        </p:nvSpPr>
+        <p:spPr/>
+        <p:txBody>
+          <a:bodyPr>
+            <a:normAutofit/>
+          </a:bodyPr>
+          <a:lstStyle/>
+          <a:p>
+            <a:r>
+              <a:rPr lang="en-US" sz="2400" b="1" dirty="0"/>
+              <a:t>Lifecycle Stages</a:t>
+            </a:r>
+          </a:p>
+          <a:p>
+            <a:pPr lvl="1"/>
+            <a:r>
+              <a:rPr lang="en-US" sz="2200" b="1" dirty="0"/>
+              <a:t>Initial Render</a:t>
+            </a:r>
+          </a:p>
+          <a:p>
+            <a:pPr lvl="1"/>
+            <a:r>
+              <a:rPr lang="en-US" sz="2200" b="1" dirty="0"/>
+              <a:t>Props Change</a:t>
+            </a:r>
+          </a:p>
+          <a:p>
+            <a:pPr lvl="1"/>
+            <a:r>
+              <a:rPr lang="en-US" sz="2200" b="1" dirty="0"/>
+              <a:t>State Change</a:t>
+            </a:r>
+          </a:p>
+          <a:p>
+            <a:pPr lvl="1"/>
+            <a:r>
+              <a:rPr lang="en-US" sz="2200" b="1" dirty="0"/>
+              <a:t>Component Unmount</a:t>
+            </a:r>
+          </a:p>
+          <a:p>
+            <a:pPr marL="0" indent="0">
+              <a:buNone/>
+            </a:pPr>
+            <a:endParaRPr lang="en-US" sz="2400" b="1" dirty="0"/>
+          </a:p>
+        </p:txBody>
+      </p:sp>
+    </p:spTree>
+    <p:extLst>
+      <p:ext uri="{BB962C8B-B14F-4D97-AF65-F5344CB8AC3E}">
+        <p14:creationId xmlns:p14="http://schemas.microsoft.com/office/powerpoint/2010/main" val="1863039503"/>
+      </p:ext>
+    </p:extLst>
+  </p:cSld>
+  <p:clrMapOvr>
+    <a:masterClrMapping/>
+  </p:clrMapOvr>
+</p:sld>
+</file>
+
+<file path=ppt/slides/slide5.xml><?xml version="1.0" encoding="utf-8"?>
+<p:sld xmlns:a="http://schemas.openxmlformats.org/drawingml/2006/main" xmlns:r="http://schemas.openxmlformats.org/officeDocument/2006/relationships" xmlns:p="http://schemas.openxmlformats.org/presentationml/2006/main">
+  <p:cSld>
+    <p:spTree>
+      <p:nvGrpSpPr>
+        <p:cNvPr id="1" name=""/>
+        <p:cNvGrpSpPr/>
+        <p:nvPr/>
+      </p:nvGrpSpPr>
+      <p:grpSpPr>
+        <a:xfrm>
+          <a:off x="0" y="0"/>
+          <a:ext cx="0" cy="0"/>
+          <a:chOff x="0" y="0"/>
+          <a:chExt cx="0" cy="0"/>
+        </a:xfrm>
+      </p:grpSpPr>
+      <p:sp>
+        <p:nvSpPr>
+          <p:cNvPr id="2" name="Title 1"/>
+          <p:cNvSpPr>
+            <a:spLocks noGrp="1"/>
+          </p:cNvSpPr>
+          <p:nvPr>
+            <p:ph type="title"/>
+          </p:nvPr>
+        </p:nvSpPr>
+        <p:spPr/>
+        <p:txBody>
+          <a:bodyPr/>
+          <a:lstStyle/>
+          <a:p>
+            <a:r>
+              <a:rPr lang="en-US" dirty="0"/>
+              <a:t>Ini­tial Render</a:t>
+            </a:r>
+            <a:br>
+              <a:rPr lang="en-US" dirty="0"/>
+            </a:br>
+            <a:endParaRPr lang="en-US" dirty="0"/>
+          </a:p>
+        </p:txBody>
+      </p:sp>
+      <p:pic>
+        <p:nvPicPr>
+          <p:cNvPr id="2050" name="Picture 2" descr="reactjs component lifecycle on initial render"/>
+          <p:cNvPicPr>
+            <a:picLocks noChangeAspect="1" noChangeArrowheads="1"/>
+          </p:cNvPicPr>
+          <p:nvPr/>
+        </p:nvPicPr>
+        <p:blipFill>
+          <a:blip r:embed="rId2">
+            <a:extLst>
+              <a:ext uri="{28A0092B-C50C-407E-A947-70E740481C1C}">
+                <a14:useLocalDpi xmlns:a14="http://schemas.microsoft.com/office/drawing/2010/main" val="0"/>
+              </a:ext>
+            </a:extLst>
+          </a:blip>
+          <a:srcRect/>
+          <a:stretch>
+            <a:fillRect/>
+          </a:stretch>
+        </p:blipFill>
+        <p:spPr bwMode="auto">
+          <a:xfrm>
+            <a:off x="5829729" y="1911228"/>
+            <a:ext cx="3162300" cy="4143375"/>
+          </a:xfrm>
+          <a:prstGeom prst="rect">
+            <a:avLst/>
+          </a:prstGeom>
+          <a:noFill/>
+          <a:extLst>
+            <a:ext uri="{909E8E84-426E-40DD-AFC4-6F175D3DCCD1}">
+              <a14:hiddenFill xmlns:a14="http://schemas.microsoft.com/office/drawing/2010/main">
+                <a:solidFill>
+                  <a:srgbClr val="FFFFFF"/>
+                </a:solidFill>
+              </a14:hiddenFill>
+            </a:ext>
+          </a:extLst>
+        </p:spPr>
+      </p:pic>
+      <p:sp>
+        <p:nvSpPr>
+          <p:cNvPr id="3" name="Rectangle 2"/>
+          <p:cNvSpPr/>
+          <p:nvPr/>
+        </p:nvSpPr>
+        <p:spPr>
+          <a:xfrm>
+            <a:off x="216876" y="6411377"/>
+            <a:ext cx="11811000" cy="261610"/>
+          </a:xfrm>
+          <a:prstGeom prst="rect">
+            <a:avLst/>
+          </a:prstGeom>
+        </p:spPr>
+        <p:txBody>
+          <a:bodyPr wrap="square">
+            <a:spAutoFit/>
+          </a:bodyPr>
+          <a:lstStyle/>
+          <a:p>
+            <a:r>
+              <a:rPr lang="en-US" sz="1050" dirty="0"/>
+              <a:t>http://javascript.tutorialhorizon.com/2014/09/13/execution-sequence-of-a-react-components-lifecycle-methods/</a:t>
+            </a:r>
+          </a:p>
+        </p:txBody>
+      </p:sp>
+      <p:sp>
+        <p:nvSpPr>
+          <p:cNvPr id="5" name="Arrow: Left 4">
+            <a:extLst>
+              <a:ext uri="{FF2B5EF4-FFF2-40B4-BE49-F238E27FC236}">
+                <a16:creationId xmlns:a16="http://schemas.microsoft.com/office/drawing/2014/main" id="{3E0F5391-2B00-49FD-BFFF-995159144B12}"/>
+              </a:ext>
+            </a:extLst>
+          </p:cNvPr>
+          <p:cNvSpPr/>
+          <p:nvPr/>
+        </p:nvSpPr>
+        <p:spPr>
+          <a:xfrm>
+            <a:off x="8606847" y="4158762"/>
+            <a:ext cx="1380393" cy="158262"/>
+          </a:xfrm>
+          <a:prstGeom prst="leftArrow">
+            <a:avLst/>
+          </a:prstGeom>
+        </p:spPr>
+        <p:style>
+          <a:lnRef idx="2">
+            <a:schemeClr val="accent1">
+              <a:shade val="50000"/>
+            </a:schemeClr>
+          </a:lnRef>
+          <a:fillRef idx="1">
+            <a:schemeClr val="accent1"/>
+          </a:fillRef>
+          <a:effectRef idx="0">
+            <a:schemeClr val="accent1"/>
+          </a:effectRef>
+          <a:fontRef idx="minor">
+            <a:schemeClr val="lt1"/>
+          </a:fontRef>
+        </p:style>
+        <p:txBody>
+          <a:bodyPr rtlCol="0" anchor="ctr"/>
+          <a:lstStyle/>
+          <a:p>
+            <a:pPr algn="ctr"/>
+            <a:endParaRPr lang="en-IN"/>
+          </a:p>
+        </p:txBody>
+      </p:sp>
+      <p:sp>
+        <p:nvSpPr>
+          <p:cNvPr id="6" name="TextBox 5">
+            <a:extLst>
+              <a:ext uri="{FF2B5EF4-FFF2-40B4-BE49-F238E27FC236}">
+                <a16:creationId xmlns:a16="http://schemas.microsoft.com/office/drawing/2014/main" id="{51A0D540-3FEC-4F5B-9EDB-07146B51F5BD}"/>
+              </a:ext>
+            </a:extLst>
+          </p:cNvPr>
+          <p:cNvSpPr txBox="1"/>
+          <p:nvPr/>
+        </p:nvSpPr>
+        <p:spPr>
+          <a:xfrm>
+            <a:off x="9987240" y="3982916"/>
+            <a:ext cx="1793630" cy="369332"/>
+          </a:xfrm>
+          <a:prstGeom prst="rect">
+            <a:avLst/>
+          </a:prstGeom>
+          <a:noFill/>
+        </p:spPr>
+        <p:txBody>
+          <a:bodyPr wrap="square" rtlCol="0">
+            <a:spAutoFit/>
+          </a:bodyPr>
+          <a:lstStyle/>
+          <a:p>
+            <a:r>
+              <a:rPr lang="en-US" dirty="0"/>
+              <a:t>Deprecated</a:t>
+            </a:r>
+            <a:endParaRPr lang="en-IN" dirty="0"/>
+          </a:p>
+        </p:txBody>
+      </p:sp>
+      <p:sp>
+        <p:nvSpPr>
+          <p:cNvPr id="7" name="Rectangle: Rounded Corners 6">
+            <a:extLst>
+              <a:ext uri="{FF2B5EF4-FFF2-40B4-BE49-F238E27FC236}">
+                <a16:creationId xmlns:a16="http://schemas.microsoft.com/office/drawing/2014/main" id="{F2678346-175C-4382-85BE-29C7A0AD6BE7}"/>
+              </a:ext>
+            </a:extLst>
+          </p:cNvPr>
+          <p:cNvSpPr/>
+          <p:nvPr/>
+        </p:nvSpPr>
+        <p:spPr>
+          <a:xfrm>
+            <a:off x="492369" y="4697558"/>
+            <a:ext cx="3457208" cy="690620"/>
+          </a:xfrm>
+          <a:prstGeom prst="roundRect">
+            <a:avLst/>
+          </a:prstGeom>
+          <a:solidFill>
+            <a:schemeClr val="bg1">
+              <a:lumMod val="50000"/>
+              <a:lumOff val="50000"/>
+            </a:schemeClr>
+          </a:solidFill>
+        </p:spPr>
+        <p:style>
+          <a:lnRef idx="2">
+            <a:schemeClr val="accent1">
+              <a:shade val="50000"/>
+            </a:schemeClr>
+          </a:lnRef>
+          <a:fillRef idx="1">
+            <a:schemeClr val="accent1"/>
+          </a:fillRef>
+          <a:effectRef idx="0">
+            <a:schemeClr val="accent1"/>
+          </a:effectRef>
+          <a:fontRef idx="minor">
+            <a:schemeClr val="lt1"/>
+          </a:fontRef>
+        </p:style>
+        <p:txBody>
+          <a:bodyPr rtlCol="0" anchor="ctr"/>
+          <a:lstStyle/>
+          <a:p>
+            <a:pPr algn="ctr"/>
+            <a:r>
+              <a:rPr lang="en-IN" b="1" dirty="0" err="1"/>
+              <a:t>componentDidCatch</a:t>
+            </a:r>
+            <a:r>
+              <a:rPr lang="en-IN" b="1" dirty="0"/>
+              <a:t>(</a:t>
+            </a:r>
+            <a:r>
+              <a:rPr lang="en-IN" b="1" dirty="0" err="1"/>
+              <a:t>errorString</a:t>
+            </a:r>
+            <a:r>
+              <a:rPr lang="en-IN" b="1" dirty="0"/>
+              <a:t>, </a:t>
+            </a:r>
+            <a:r>
+              <a:rPr lang="en-IN" b="1" dirty="0" err="1"/>
+              <a:t>errorInfo</a:t>
+            </a:r>
+            <a:r>
+              <a:rPr lang="en-IN" b="1" dirty="0"/>
+              <a:t>)</a:t>
+            </a:r>
+          </a:p>
+          <a:p>
+            <a:pPr algn="ctr"/>
+            <a:endParaRPr lang="en-IN" dirty="0"/>
+          </a:p>
+        </p:txBody>
+      </p:sp>
+      <p:sp>
+        <p:nvSpPr>
+          <p:cNvPr id="8" name="Arrow: Left 7">
+            <a:extLst>
+              <a:ext uri="{FF2B5EF4-FFF2-40B4-BE49-F238E27FC236}">
+                <a16:creationId xmlns:a16="http://schemas.microsoft.com/office/drawing/2014/main" id="{19991F7A-28F0-463D-AA14-BE645B6F3D8F}"/>
+              </a:ext>
+            </a:extLst>
+          </p:cNvPr>
+          <p:cNvSpPr/>
+          <p:nvPr/>
+        </p:nvSpPr>
+        <p:spPr>
+          <a:xfrm rot="10800000">
+            <a:off x="3919233" y="4907157"/>
+            <a:ext cx="1910496" cy="308916"/>
+          </a:xfrm>
+          <a:prstGeom prst="leftArrow">
+            <a:avLst/>
+          </a:prstGeom>
+        </p:spPr>
+        <p:style>
+          <a:lnRef idx="2">
+            <a:schemeClr val="accent1">
+              <a:shade val="50000"/>
+            </a:schemeClr>
+          </a:lnRef>
+          <a:fillRef idx="1">
+            <a:schemeClr val="accent1"/>
+          </a:fillRef>
+          <a:effectRef idx="0">
+            <a:schemeClr val="accent1"/>
+          </a:effectRef>
+          <a:fontRef idx="minor">
+            <a:schemeClr val="lt1"/>
+          </a:fontRef>
+        </p:style>
+        <p:txBody>
+          <a:bodyPr rtlCol="0" anchor="ctr"/>
+          <a:lstStyle/>
+          <a:p>
+            <a:pPr algn="ctr"/>
+            <a:endParaRPr lang="en-IN"/>
+          </a:p>
+        </p:txBody>
+      </p:sp>
+      <p:sp>
+        <p:nvSpPr>
+          <p:cNvPr id="9" name="TextBox 8">
+            <a:extLst>
+              <a:ext uri="{FF2B5EF4-FFF2-40B4-BE49-F238E27FC236}">
+                <a16:creationId xmlns:a16="http://schemas.microsoft.com/office/drawing/2014/main" id="{AEC4599B-B6A3-4A32-BF47-71DE24F0F0FA}"/>
+              </a:ext>
+            </a:extLst>
+          </p:cNvPr>
+          <p:cNvSpPr txBox="1"/>
+          <p:nvPr/>
+        </p:nvSpPr>
+        <p:spPr>
+          <a:xfrm>
+            <a:off x="3723970" y="5573988"/>
+            <a:ext cx="1608993" cy="369332"/>
+          </a:xfrm>
+          <a:prstGeom prst="rect">
+            <a:avLst/>
+          </a:prstGeom>
+          <a:noFill/>
+        </p:spPr>
+        <p:txBody>
+          <a:bodyPr wrap="square" rtlCol="0">
+            <a:spAutoFit/>
+          </a:bodyPr>
+          <a:lstStyle/>
+          <a:p>
+            <a:r>
+              <a:rPr lang="en-US" dirty="0"/>
+              <a:t>New is 16.x</a:t>
+            </a:r>
+            <a:endParaRPr lang="en-IN" dirty="0"/>
+          </a:p>
+        </p:txBody>
+      </p:sp>
+      <p:pic>
+        <p:nvPicPr>
+          <p:cNvPr id="10" name="Picture 9">
+            <a:extLst>
+              <a:ext uri="{FF2B5EF4-FFF2-40B4-BE49-F238E27FC236}">
+                <a16:creationId xmlns:a16="http://schemas.microsoft.com/office/drawing/2014/main" id="{CC6F5B7F-25AE-4C2E-9B4A-D4030EBED321}"/>
+              </a:ext>
+            </a:extLst>
+          </p:cNvPr>
+          <p:cNvPicPr>
+            <a:picLocks noChangeAspect="1"/>
+          </p:cNvPicPr>
+          <p:nvPr/>
+        </p:nvPicPr>
+        <p:blipFill>
+          <a:blip r:embed="rId3"/>
+          <a:stretch>
+            <a:fillRect/>
+          </a:stretch>
+        </p:blipFill>
+        <p:spPr>
+          <a:xfrm>
+            <a:off x="316524" y="1726512"/>
+            <a:ext cx="4449336" cy="2737017"/>
+          </a:xfrm>
+          <a:prstGeom prst="rect">
+            <a:avLst/>
+          </a:prstGeom>
+        </p:spPr>
+      </p:pic>
+    </p:spTree>
+    <p:extLst>
+      <p:ext uri="{BB962C8B-B14F-4D97-AF65-F5344CB8AC3E}">
+        <p14:creationId xmlns:p14="http://schemas.microsoft.com/office/powerpoint/2010/main" val="1490160009"/>
+      </p:ext>
+    </p:extLst>
+  </p:cSld>
+  <p:clrMapOvr>
+    <a:masterClrMapping/>
+  </p:clrMapOvr>
+  <p:timing>
+    <p:tnLst>
+      <p:par>
+        <p:cTn id="1" dur="indefinite" restart="never" nodeType="tmRoot">
+          <p:childTnLst>
+            <p:seq concurrent="1" nextAc="seek">
+              <p:cTn id="2" dur="indefinite" nodeType="mainSeq">
+                <p:childTnLst>
+                  <p:par>
+                    <p:cTn id="3" fill="hold">
+                      <p:stCondLst>
+                        <p:cond delay="indefinite"/>
+                      </p:stCondLst>
+                      <p:childTnLst>
+                        <p:par>
+                          <p:cTn id="4" fill="hold">
+                            <p:stCondLst>
+                              <p:cond delay="0"/>
+                            </p:stCondLst>
+                            <p:childTnLst>
+                              <p:par>
+                                <p:cTn id="5" presetID="2" presetClass="entr" presetSubtype="4" fill="hold" grpId="0" nodeType="clickEffect">
+                                  <p:stCondLst>
+                                    <p:cond delay="0"/>
+                                  </p:stCondLst>
+                                  <p:childTnLst>
+                                    <p:set>
+                                      <p:cBhvr>
+                                        <p:cTn id="6" dur="1" fill="hold">
+                                          <p:stCondLst>
+                                            <p:cond delay="0"/>
+                                          </p:stCondLst>
+                                        </p:cTn>
+                                        <p:tgtEl>
+                                          <p:spTgt spid="5"/>
+                                        </p:tgtEl>
+                                        <p:attrNameLst>
+                                          <p:attrName>style.visibility</p:attrName>
+                                        </p:attrNameLst>
+                                      </p:cBhvr>
+                                      <p:to>
+                                        <p:strVal val="visible"/>
+                                      </p:to>
+                                    </p:set>
+                                    <p:anim calcmode="lin" valueType="num">
+                                      <p:cBhvr additive="base">
+                                        <p:cTn id="7" dur="500" fill="hold"/>
+                                        <p:tgtEl>
+                                          <p:spTgt spid="5"/>
+                                        </p:tgtEl>
+                                        <p:attrNameLst>
+                                          <p:attrName>ppt_x</p:attrName>
+                                        </p:attrNameLst>
+                                      </p:cBhvr>
+                                      <p:tavLst>
+                                        <p:tav tm="0">
+                                          <p:val>
+                                            <p:strVal val="#ppt_x"/>
+                                          </p:val>
+                                        </p:tav>
+                                        <p:tav tm="100000">
+                                          <p:val>
+                                            <p:strVal val="#ppt_x"/>
+                                          </p:val>
+                                        </p:tav>
+                                      </p:tavLst>
+                                    </p:anim>
+                                    <p:anim calcmode="lin" valueType="num">
+                                      <p:cBhvr additive="base">
+                                        <p:cTn id="8" dur="500" fill="hold"/>
+                                        <p:tgtEl>
+                                          <p:spTgt spid="5"/>
+                                        </p:tgtEl>
+                                        <p:attrNameLst>
+                                          <p:attrName>ppt_y</p:attrName>
+                                        </p:attrNameLst>
+                                      </p:cBhvr>
+                                      <p:tavLst>
+                                        <p:tav tm="0">
+                                          <p:val>
+                                            <p:strVal val="1+#ppt_h/2"/>
+                                          </p:val>
+                                        </p:tav>
+                                        <p:tav tm="100000">
+                                          <p:val>
+                                            <p:strVal val="#ppt_y"/>
+                                          </p:val>
+                                        </p:tav>
+                                      </p:tavLst>
+                                    </p:anim>
+                                  </p:childTnLst>
+                                </p:cTn>
+                              </p:par>
+                              <p:par>
+                                <p:cTn id="9" presetID="2" presetClass="entr" presetSubtype="4" fill="hold" grpId="0" nodeType="withEffect">
+                                  <p:stCondLst>
+                                    <p:cond delay="0"/>
+                                  </p:stCondLst>
+                                  <p:childTnLst>
+                                    <p:set>
+                                      <p:cBhvr>
+                                        <p:cTn id="10" dur="1" fill="hold">
+                                          <p:stCondLst>
+                                            <p:cond delay="0"/>
+                                          </p:stCondLst>
+                                        </p:cTn>
+                                        <p:tgtEl>
+                                          <p:spTgt spid="6"/>
+                                        </p:tgtEl>
+                                        <p:attrNameLst>
+                                          <p:attrName>style.visibility</p:attrName>
+                                        </p:attrNameLst>
+                                      </p:cBhvr>
+                                      <p:to>
+                                        <p:strVal val="visible"/>
+                                      </p:to>
+                                    </p:set>
+                                    <p:anim calcmode="lin" valueType="num">
+                                      <p:cBhvr additive="base">
+                                        <p:cTn id="11" dur="500" fill="hold"/>
+                                        <p:tgtEl>
+                                          <p:spTgt spid="6"/>
+                                        </p:tgtEl>
+                                        <p:attrNameLst>
+                                          <p:attrName>ppt_x</p:attrName>
+                                        </p:attrNameLst>
+                                      </p:cBhvr>
+                                      <p:tavLst>
+                                        <p:tav tm="0">
+                                          <p:val>
+                                            <p:strVal val="#ppt_x"/>
+                                          </p:val>
+                                        </p:tav>
+                                        <p:tav tm="100000">
+                                          <p:val>
+                                            <p:strVal val="#ppt_x"/>
+                                          </p:val>
+                                        </p:tav>
+                                      </p:tavLst>
+                                    </p:anim>
+                                    <p:anim calcmode="lin" valueType="num">
+                                      <p:cBhvr additive="base">
+                                        <p:cTn id="12" dur="500" fill="hold"/>
+                                        <p:tgtEl>
+                                          <p:spTgt spid="6"/>
+                                        </p:tgtEl>
+                                        <p:attrNameLst>
+                                          <p:attrName>ppt_y</p:attrName>
+                                        </p:attrNameLst>
+                                      </p:cBhvr>
+                                      <p:tavLst>
+                                        <p:tav tm="0">
+                                          <p:val>
+                                            <p:strVal val="1+#ppt_h/2"/>
+                                          </p:val>
+                                        </p:tav>
+                                        <p:tav tm="100000">
+                                          <p:val>
+                                            <p:strVal val="#ppt_y"/>
+                                          </p:val>
+                                        </p:tav>
+                                      </p:tavLst>
+                                    </p:anim>
+                                  </p:childTnLst>
+                                </p:cTn>
+                              </p:par>
+                            </p:childTnLst>
+                          </p:cTn>
+                        </p:par>
+                      </p:childTnLst>
+                    </p:cTn>
+                  </p:par>
+                  <p:par>
+                    <p:cTn id="13" fill="hold">
+                      <p:stCondLst>
+                        <p:cond delay="indefinite"/>
+                      </p:stCondLst>
+                      <p:childTnLst>
+                        <p:par>
+                          <p:cTn id="14" fill="hold">
+                            <p:stCondLst>
+                              <p:cond delay="0"/>
+                            </p:stCondLst>
+                            <p:childTnLst>
+                              <p:par>
+                                <p:cTn id="15" presetID="2" presetClass="entr" presetSubtype="4" fill="hold" grpId="0" nodeType="clickEffect">
+                                  <p:stCondLst>
+                                    <p:cond delay="0"/>
+                                  </p:stCondLst>
+                                  <p:childTnLst>
+                                    <p:set>
+                                      <p:cBhvr>
+                                        <p:cTn id="16" dur="1" fill="hold">
+                                          <p:stCondLst>
+                                            <p:cond delay="0"/>
+                                          </p:stCondLst>
+                                        </p:cTn>
+                                        <p:tgtEl>
+                                          <p:spTgt spid="8"/>
+                                        </p:tgtEl>
+                                        <p:attrNameLst>
+                                          <p:attrName>style.visibility</p:attrName>
+                                        </p:attrNameLst>
+                                      </p:cBhvr>
+                                      <p:to>
+                                        <p:strVal val="visible"/>
+                                      </p:to>
+                                    </p:set>
+                                    <p:anim calcmode="lin" valueType="num">
+                                      <p:cBhvr additive="base">
+                                        <p:cTn id="17" dur="500" fill="hold"/>
+                                        <p:tgtEl>
+                                          <p:spTgt spid="8"/>
+                                        </p:tgtEl>
+                                        <p:attrNameLst>
+                                          <p:attrName>ppt_x</p:attrName>
+                                        </p:attrNameLst>
+                                      </p:cBhvr>
+                                      <p:tavLst>
+                                        <p:tav tm="0">
+                                          <p:val>
+                                            <p:strVal val="#ppt_x"/>
+                                          </p:val>
+                                        </p:tav>
+                                        <p:tav tm="100000">
+                                          <p:val>
+                                            <p:strVal val="#ppt_x"/>
+                                          </p:val>
+                                        </p:tav>
+                                      </p:tavLst>
+                                    </p:anim>
+                                    <p:anim calcmode="lin" valueType="num">
+                                      <p:cBhvr additive="base">
+                                        <p:cTn id="18" dur="500" fill="hold"/>
+                                        <p:tgtEl>
+                                          <p:spTgt spid="8"/>
+                                        </p:tgtEl>
+                                        <p:attrNameLst>
+                                          <p:attrName>ppt_y</p:attrName>
+                                        </p:attrNameLst>
+                                      </p:cBhvr>
+                                      <p:tavLst>
+                                        <p:tav tm="0">
+                                          <p:val>
+                                            <p:strVal val="1+#ppt_h/2"/>
+                                          </p:val>
+                                        </p:tav>
+                                        <p:tav tm="100000">
+                                          <p:val>
+                                            <p:strVal val="#ppt_y"/>
+                                          </p:val>
+                                        </p:tav>
+                                      </p:tavLst>
+                                    </p:anim>
+                                  </p:childTnLst>
+                                </p:cTn>
+                              </p:par>
+                              <p:par>
+                                <p:cTn id="19" presetID="2" presetClass="entr" presetSubtype="4" fill="hold" grpId="0" nodeType="withEffect">
+                                  <p:stCondLst>
+                                    <p:cond delay="0"/>
+                                  </p:stCondLst>
+                                  <p:childTnLst>
+                                    <p:set>
+                                      <p:cBhvr>
+                                        <p:cTn id="20" dur="1" fill="hold">
+                                          <p:stCondLst>
+                                            <p:cond delay="0"/>
+                                          </p:stCondLst>
+                                        </p:cTn>
+                                        <p:tgtEl>
+                                          <p:spTgt spid="9"/>
+                                        </p:tgtEl>
+                                        <p:attrNameLst>
+                                          <p:attrName>style.visibility</p:attrName>
+                                        </p:attrNameLst>
+                                      </p:cBhvr>
+                                      <p:to>
+                                        <p:strVal val="visible"/>
+                                      </p:to>
+                                    </p:set>
+                                    <p:anim calcmode="lin" valueType="num">
+                                      <p:cBhvr additive="base">
+                                        <p:cTn id="21" dur="500" fill="hold"/>
+                                        <p:tgtEl>
+                                          <p:spTgt spid="9"/>
+                                        </p:tgtEl>
+                                        <p:attrNameLst>
+                                          <p:attrName>ppt_x</p:attrName>
+                                        </p:attrNameLst>
+                                      </p:cBhvr>
+                                      <p:tavLst>
+                                        <p:tav tm="0">
+                                          <p:val>
+                                            <p:strVal val="#ppt_x"/>
+                                          </p:val>
+                                        </p:tav>
+                                        <p:tav tm="100000">
+                                          <p:val>
+                                            <p:strVal val="#ppt_x"/>
+                                          </p:val>
+                                        </p:tav>
+                                      </p:tavLst>
+                                    </p:anim>
+                                    <p:anim calcmode="lin" valueType="num">
+                                      <p:cBhvr additive="base">
+                                        <p:cTn id="22" dur="500" fill="hold"/>
+                                        <p:tgtEl>
+                                          <p:spTgt spid="9"/>
+                                        </p:tgtEl>
+                                        <p:attrNameLst>
+                                          <p:attrName>ppt_y</p:attrName>
+                                        </p:attrNameLst>
+                                      </p:cBhvr>
+                                      <p:tavLst>
+                                        <p:tav tm="0">
+                                          <p:val>
+                                            <p:strVal val="1+#ppt_h/2"/>
+                                          </p:val>
+                                        </p:tav>
+                                        <p:tav tm="100000">
+                                          <p:val>
+                                            <p:strVal val="#ppt_y"/>
+                                          </p:val>
+                                        </p:tav>
+                                      </p:tavLst>
+                                    </p:anim>
+                                  </p:childTnLst>
+                                </p:cTn>
+                              </p:par>
+                            </p:childTnLst>
+                          </p:cTn>
+                        </p:par>
+                      </p:childTnLst>
+                    </p:cTn>
+                  </p:par>
+                  <p:par>
+                    <p:cTn id="23" fill="hold">
+                      <p:stCondLst>
+                        <p:cond delay="indefinite"/>
+                      </p:stCondLst>
+                      <p:childTnLst>
+                        <p:par>
+                          <p:cTn id="24" fill="hold">
+                            <p:stCondLst>
+                              <p:cond delay="0"/>
+                            </p:stCondLst>
+                            <p:childTnLst>
+                              <p:par>
+                                <p:cTn id="25" presetID="42" presetClass="entr" presetSubtype="0" fill="hold" nodeType="clickEffect">
+                                  <p:stCondLst>
+                                    <p:cond delay="0"/>
+                                  </p:stCondLst>
+                                  <p:childTnLst>
+                                    <p:set>
+                                      <p:cBhvr>
+                                        <p:cTn id="26" dur="1" fill="hold">
+                                          <p:stCondLst>
+                                            <p:cond delay="0"/>
+                                          </p:stCondLst>
+                                        </p:cTn>
+                                        <p:tgtEl>
+                                          <p:spTgt spid="10"/>
+                                        </p:tgtEl>
+                                        <p:attrNameLst>
+                                          <p:attrName>style.visibility</p:attrName>
+                                        </p:attrNameLst>
+                                      </p:cBhvr>
+                                      <p:to>
+                                        <p:strVal val="visible"/>
+                                      </p:to>
+                                    </p:set>
+                                    <p:animEffect transition="in" filter="fade">
+                                      <p:cBhvr>
+                                        <p:cTn id="27" dur="1000"/>
+                                        <p:tgtEl>
+                                          <p:spTgt spid="10"/>
+                                        </p:tgtEl>
+                                      </p:cBhvr>
+                                    </p:animEffect>
+                                    <p:anim calcmode="lin" valueType="num">
+                                      <p:cBhvr>
+                                        <p:cTn id="28" dur="1000" fill="hold"/>
+                                        <p:tgtEl>
+                                          <p:spTgt spid="10"/>
+                                        </p:tgtEl>
+                                        <p:attrNameLst>
+                                          <p:attrName>ppt_x</p:attrName>
+                                        </p:attrNameLst>
+                                      </p:cBhvr>
+                                      <p:tavLst>
+                                        <p:tav tm="0">
+                                          <p:val>
+                                            <p:strVal val="#ppt_x"/>
+                                          </p:val>
+                                        </p:tav>
+                                        <p:tav tm="100000">
+                                          <p:val>
+                                            <p:strVal val="#ppt_x"/>
+                                          </p:val>
+                                        </p:tav>
+                                      </p:tavLst>
+                                    </p:anim>
+                                    <p:anim calcmode="lin" valueType="num">
+                                      <p:cBhvr>
+                                        <p:cTn id="29" dur="1000" fill="hold"/>
+                                        <p:tgtEl>
+                                          <p:spTgt spid="10"/>
+                                        </p:tgtEl>
+                                        <p:attrNameLst>
+                                          <p:attrName>ppt_y</p:attrName>
+                                        </p:attrNameLst>
+                                      </p:cBhvr>
+                                      <p:tavLst>
+                                        <p:tav tm="0">
+                                          <p:val>
+                                            <p:strVal val="#ppt_y+.1"/>
+                                          </p:val>
+                                        </p:tav>
+                                        <p:tav tm="100000">
+                                          <p:val>
+                                            <p:strVal val="#ppt_y"/>
+                                          </p:val>
+                                        </p:tav>
+                                      </p:tavLst>
+                                    </p:anim>
+                                  </p:childTnLst>
+                                </p:cTn>
+                              </p:par>
+                            </p:childTnLst>
+                          </p:cTn>
+                        </p:par>
+                      </p:childTnLst>
+                    </p:cTn>
+                  </p:par>
+                </p:childTnLst>
+              </p:cTn>
+              <p:prevCondLst>
+                <p:cond evt="onPrev" delay="0">
+                  <p:tgtEl>
+                    <p:sldTgt/>
+                  </p:tgtEl>
+                </p:cond>
+              </p:prevCondLst>
+              <p:nextCondLst>
+                <p:cond evt="onNext" delay="0">
+                  <p:tgtEl>
+                    <p:sldTgt/>
+                  </p:tgtEl>
+                </p:cond>
+              </p:nextCondLst>
+            </p:seq>
+          </p:childTnLst>
+        </p:cTn>
+      </p:par>
+    </p:tnLst>
+    <p:bldLst>
+      <p:bldP spid="5" grpId="0" animBg="1"/>
+      <p:bldP spid="6" grpId="0"/>
+      <p:bldP spid="8" grpId="0" animBg="1"/>
+      <p:bldP spid="9" grpId="0"/>
+    </p:bldLst>
+  </p:timing>
+</p:sld>
+</file>
+
+<file path=ppt/slides/slide6.xml><?xml version="1.0" encoding="utf-8"?>
+<p:sld xmlns:a="http://schemas.openxmlformats.org/drawingml/2006/main" xmlns:r="http://schemas.openxmlformats.org/officeDocument/2006/relationships" xmlns:p="http://schemas.openxmlformats.org/presentationml/2006/main">
+  <p:cSld>
+    <p:spTree>
+      <p:nvGrpSpPr>
+        <p:cNvPr id="1" name=""/>
+        <p:cNvGrpSpPr/>
+        <p:nvPr/>
+      </p:nvGrpSpPr>
+      <p:grpSpPr>
+        <a:xfrm>
+          <a:off x="0" y="0"/>
+          <a:ext cx="0" cy="0"/>
+          <a:chOff x="0" y="0"/>
+          <a:chExt cx="0" cy="0"/>
+        </a:xfrm>
+      </p:grpSpPr>
+      <p:sp>
+        <p:nvSpPr>
+          <p:cNvPr id="2" name="Title 1"/>
+          <p:cNvSpPr>
+            <a:spLocks noGrp="1"/>
+          </p:cNvSpPr>
+          <p:nvPr>
+            <p:ph type="title"/>
+          </p:nvPr>
+        </p:nvSpPr>
+        <p:spPr/>
+        <p:txBody>
+          <a:bodyPr/>
+          <a:lstStyle/>
+          <a:p>
+            <a:r>
+              <a:rPr lang="en-US" dirty="0"/>
+              <a:t>Props Change</a:t>
+            </a:r>
+          </a:p>
+        </p:txBody>
+      </p:sp>
+      <p:pic>
+        <p:nvPicPr>
+          <p:cNvPr id="3074" name="Picture 2" descr="reactjs component lifecycle on props change"/>
+          <p:cNvPicPr>
+            <a:picLocks noChangeAspect="1" noChangeArrowheads="1"/>
+          </p:cNvPicPr>
+          <p:nvPr/>
+        </p:nvPicPr>
+        <p:blipFill>
+          <a:blip r:embed="rId2">
+            <a:extLst>
+              <a:ext uri="{28A0092B-C50C-407E-A947-70E740481C1C}">
+                <a14:useLocalDpi xmlns:a14="http://schemas.microsoft.com/office/drawing/2010/main" val="0"/>
+              </a:ext>
+            </a:extLst>
+          </a:blip>
+          <a:srcRect/>
+          <a:stretch>
+            <a:fillRect/>
+          </a:stretch>
+        </p:blipFill>
+        <p:spPr bwMode="auto">
+          <a:xfrm>
+            <a:off x="4321418" y="2043113"/>
+            <a:ext cx="3275135" cy="4291216"/>
+          </a:xfrm>
+          <a:prstGeom prst="rect">
+            <a:avLst/>
+          </a:prstGeom>
+          <a:noFill/>
+          <a:extLst>
+            <a:ext uri="{909E8E84-426E-40DD-AFC4-6F175D3DCCD1}">
+              <a14:hiddenFill xmlns:a14="http://schemas.microsoft.com/office/drawing/2010/main">
+                <a:solidFill>
+                  <a:srgbClr val="FFFFFF"/>
+                </a:solidFill>
+              </a14:hiddenFill>
+            </a:ext>
+          </a:extLst>
+        </p:spPr>
+      </p:pic>
+      <p:sp>
+        <p:nvSpPr>
+          <p:cNvPr id="4" name="Rectangle 3"/>
+          <p:cNvSpPr/>
+          <p:nvPr/>
+        </p:nvSpPr>
+        <p:spPr>
+          <a:xfrm>
+            <a:off x="216876" y="6411377"/>
+            <a:ext cx="11811000" cy="261610"/>
+          </a:xfrm>
+          <a:prstGeom prst="rect">
+            <a:avLst/>
+          </a:prstGeom>
+        </p:spPr>
+        <p:txBody>
+          <a:bodyPr wrap="square">
+            <a:spAutoFit/>
+          </a:bodyPr>
+          <a:lstStyle/>
+          <a:p>
+            <a:r>
+              <a:rPr lang="en-US" sz="1050" dirty="0"/>
+              <a:t>http://javascript.tutorialhorizon.com/2014/09/13/execution-sequence-of-a-react-components-lifecycle-methods/</a:t>
+            </a:r>
+          </a:p>
+        </p:txBody>
+      </p:sp>
+      <p:sp>
+        <p:nvSpPr>
+          <p:cNvPr id="3" name="Arrow: Left 2">
+            <a:extLst>
+              <a:ext uri="{FF2B5EF4-FFF2-40B4-BE49-F238E27FC236}">
+                <a16:creationId xmlns:a16="http://schemas.microsoft.com/office/drawing/2014/main" id="{8BEC5D4F-AA55-44AB-AF0B-893A6404B669}"/>
+              </a:ext>
+            </a:extLst>
+          </p:cNvPr>
+          <p:cNvSpPr/>
+          <p:nvPr/>
+        </p:nvSpPr>
+        <p:spPr>
+          <a:xfrm>
+            <a:off x="7781192" y="2743200"/>
+            <a:ext cx="1380393" cy="158262"/>
+          </a:xfrm>
+          <a:prstGeom prst="leftArrow">
+            <a:avLst/>
+          </a:prstGeom>
+        </p:spPr>
+        <p:style>
+          <a:lnRef idx="2">
+            <a:schemeClr val="accent1">
+              <a:shade val="50000"/>
+            </a:schemeClr>
+          </a:lnRef>
+          <a:fillRef idx="1">
+            <a:schemeClr val="accent1"/>
+          </a:fillRef>
+          <a:effectRef idx="0">
+            <a:schemeClr val="accent1"/>
+          </a:effectRef>
+          <a:fontRef idx="minor">
+            <a:schemeClr val="lt1"/>
+          </a:fontRef>
+        </p:style>
+        <p:txBody>
+          <a:bodyPr rtlCol="0" anchor="ctr"/>
+          <a:lstStyle/>
+          <a:p>
+            <a:pPr algn="ctr"/>
+            <a:endParaRPr lang="en-IN"/>
+          </a:p>
+        </p:txBody>
+      </p:sp>
+      <p:sp>
+        <p:nvSpPr>
+          <p:cNvPr id="5" name="TextBox 4">
+            <a:extLst>
+              <a:ext uri="{FF2B5EF4-FFF2-40B4-BE49-F238E27FC236}">
+                <a16:creationId xmlns:a16="http://schemas.microsoft.com/office/drawing/2014/main" id="{5DF2B387-9408-443B-927F-D497E954AD70}"/>
+              </a:ext>
+            </a:extLst>
+          </p:cNvPr>
+          <p:cNvSpPr txBox="1"/>
+          <p:nvPr/>
+        </p:nvSpPr>
+        <p:spPr>
+          <a:xfrm>
+            <a:off x="9161585" y="2567354"/>
+            <a:ext cx="1793630" cy="369332"/>
+          </a:xfrm>
+          <a:prstGeom prst="rect">
+            <a:avLst/>
+          </a:prstGeom>
+          <a:noFill/>
+        </p:spPr>
+        <p:txBody>
+          <a:bodyPr wrap="square" rtlCol="0">
+            <a:spAutoFit/>
+          </a:bodyPr>
+          <a:lstStyle/>
+          <a:p>
+            <a:r>
+              <a:rPr lang="en-US" dirty="0"/>
+              <a:t>Deprecated</a:t>
+            </a:r>
+            <a:endParaRPr lang="en-IN" dirty="0"/>
+          </a:p>
+        </p:txBody>
+      </p:sp>
+    </p:spTree>
+    <p:extLst>
+      <p:ext uri="{BB962C8B-B14F-4D97-AF65-F5344CB8AC3E}">
+        <p14:creationId xmlns:p14="http://schemas.microsoft.com/office/powerpoint/2010/main" val="957066090"/>
+      </p:ext>
+    </p:extLst>
+  </p:cSld>
+  <p:clrMapOvr>
+    <a:masterClrMapping/>
+  </p:clrMapOvr>
+  <p:timing>
+    <p:tnLst>
+      <p:par>
+        <p:cTn id="1" dur="indefinite" restart="never" nodeType="tmRoot">
+          <p:childTnLst>
+            <p:seq concurrent="1" nextAc="seek">
+              <p:cTn id="2" dur="indefinite" nodeType="mainSeq">
+                <p:childTnLst>
+                  <p:par>
+                    <p:cTn id="3" fill="hold">
+                      <p:stCondLst>
+                        <p:cond delay="indefinite"/>
+                      </p:stCondLst>
+                      <p:childTnLst>
+                        <p:par>
+                          <p:cTn id="4" fill="hold">
+                            <p:stCondLst>
+                              <p:cond delay="0"/>
+                            </p:stCondLst>
+                            <p:childTnLst>
+                              <p:par>
+                                <p:cTn id="5" presetID="2" presetClass="entr" presetSubtype="4" fill="hold" grpId="0" nodeType="clickEffect">
+                                  <p:stCondLst>
+                                    <p:cond delay="0"/>
+                                  </p:stCondLst>
+                                  <p:childTnLst>
+                                    <p:set>
+                                      <p:cBhvr>
+                                        <p:cTn id="6" dur="1" fill="hold">
+                                          <p:stCondLst>
+                                            <p:cond delay="0"/>
+                                          </p:stCondLst>
+                                        </p:cTn>
+                                        <p:tgtEl>
+                                          <p:spTgt spid="3"/>
+                                        </p:tgtEl>
+                                        <p:attrNameLst>
+                                          <p:attrName>style.visibility</p:attrName>
+                                        </p:attrNameLst>
+                                      </p:cBhvr>
+                                      <p:to>
+                                        <p:strVal val="visible"/>
+                                      </p:to>
+                                    </p:set>
+                                    <p:anim calcmode="lin" valueType="num">
+                                      <p:cBhvr additive="base">
+                                        <p:cTn id="7" dur="500" fill="hold"/>
+                                        <p:tgtEl>
+                                          <p:spTgt spid="3"/>
+                                        </p:tgtEl>
+                                        <p:attrNameLst>
+                                          <p:attrName>ppt_x</p:attrName>
+                                        </p:attrNameLst>
+                                      </p:cBhvr>
+                                      <p:tavLst>
+                                        <p:tav tm="0">
+                                          <p:val>
+                                            <p:strVal val="#ppt_x"/>
+                                          </p:val>
+                                        </p:tav>
+                                        <p:tav tm="100000">
+                                          <p:val>
+                                            <p:strVal val="#ppt_x"/>
+                                          </p:val>
+                                        </p:tav>
+                                      </p:tavLst>
+                                    </p:anim>
+                                    <p:anim calcmode="lin" valueType="num">
+                                      <p:cBhvr additive="base">
+                                        <p:cTn id="8" dur="500" fill="hold"/>
+                                        <p:tgtEl>
+                                          <p:spTgt spid="3"/>
+                                        </p:tgtEl>
+                                        <p:attrNameLst>
+                                          <p:attrName>ppt_y</p:attrName>
+                                        </p:attrNameLst>
+                                      </p:cBhvr>
+                                      <p:tavLst>
+                                        <p:tav tm="0">
+                                          <p:val>
+                                            <p:strVal val="1+#ppt_h/2"/>
+                                          </p:val>
+                                        </p:tav>
+                                        <p:tav tm="100000">
+                                          <p:val>
+                                            <p:strVal val="#ppt_y"/>
+                                          </p:val>
+                                        </p:tav>
+                                      </p:tavLst>
+                                    </p:anim>
+                                  </p:childTnLst>
+                                </p:cTn>
+                              </p:par>
+                              <p:par>
+                                <p:cTn id="9" presetID="2" presetClass="entr" presetSubtype="4" fill="hold" grpId="0" nodeType="withEffect">
+                                  <p:stCondLst>
+                                    <p:cond delay="0"/>
+                                  </p:stCondLst>
+                                  <p:childTnLst>
+                                    <p:set>
+                                      <p:cBhvr>
+                                        <p:cTn id="10" dur="1" fill="hold">
+                                          <p:stCondLst>
+                                            <p:cond delay="0"/>
+                                          </p:stCondLst>
+                                        </p:cTn>
+                                        <p:tgtEl>
+                                          <p:spTgt spid="5"/>
+                                        </p:tgtEl>
+                                        <p:attrNameLst>
+                                          <p:attrName>style.visibility</p:attrName>
+                                        </p:attrNameLst>
+                                      </p:cBhvr>
+                                      <p:to>
+                                        <p:strVal val="visible"/>
+                                      </p:to>
+                                    </p:set>
+                                    <p:anim calcmode="lin" valueType="num">
+                                      <p:cBhvr additive="base">
+                                        <p:cTn id="11" dur="500" fill="hold"/>
+                                        <p:tgtEl>
+                                          <p:spTgt spid="5"/>
+                                        </p:tgtEl>
+                                        <p:attrNameLst>
+                                          <p:attrName>ppt_x</p:attrName>
+                                        </p:attrNameLst>
+                                      </p:cBhvr>
+                                      <p:tavLst>
+                                        <p:tav tm="0">
+                                          <p:val>
+                                            <p:strVal val="#ppt_x"/>
+                                          </p:val>
+                                        </p:tav>
+                                        <p:tav tm="100000">
+                                          <p:val>
+                                            <p:strVal val="#ppt_x"/>
+                                          </p:val>
+                                        </p:tav>
+                                      </p:tavLst>
+                                    </p:anim>
+                                    <p:anim calcmode="lin" valueType="num">
+                                      <p:cBhvr additive="base">
+                                        <p:cTn id="12" dur="500" fill="hold"/>
+                                        <p:tgtEl>
+                                          <p:spTgt spid="5"/>
+                                        </p:tgtEl>
+                                        <p:attrNameLst>
+                                          <p:attrName>ppt_y</p:attrName>
+                                        </p:attrNameLst>
+                                      </p:cBhvr>
+                                      <p:tavLst>
+                                        <p:tav tm="0">
+                                          <p:val>
+                                            <p:strVal val="1+#ppt_h/2"/>
+                                          </p:val>
+                                        </p:tav>
+                                        <p:tav tm="100000">
+                                          <p:val>
+                                            <p:strVal val="#ppt_y"/>
+                                          </p:val>
+                                        </p:tav>
+                                      </p:tavLst>
+                                    </p:anim>
+                                  </p:childTnLst>
+                                </p:cTn>
+                              </p:par>
+                            </p:childTnLst>
+                          </p:cTn>
+                        </p:par>
+                      </p:childTnLst>
+                    </p:cTn>
+                  </p:par>
+                </p:childTnLst>
+              </p:cTn>
+              <p:prevCondLst>
+                <p:cond evt="onPrev" delay="0">
+                  <p:tgtEl>
+                    <p:sldTgt/>
+                  </p:tgtEl>
+                </p:cond>
+              </p:prevCondLst>
+              <p:nextCondLst>
+                <p:cond evt="onNext" delay="0">
+                  <p:tgtEl>
+                    <p:sldTgt/>
+                  </p:tgtEl>
+                </p:cond>
+              </p:nextCondLst>
+            </p:seq>
+          </p:childTnLst>
+        </p:cTn>
+      </p:par>
+    </p:tnLst>
+    <p:bldLst>
+      <p:bldP spid="3" grpId="0" animBg="1"/>
+      <p:bldP spid="5" grpId="0"/>
+    </p:bldLst>
+  </p:timing>
+</p:sld>
+</file>
+
+<file path=ppt/slides/slide7.xml><?xml version="1.0" encoding="utf-8"?>
+<p:sld xmlns:a="http://schemas.openxmlformats.org/drawingml/2006/main" xmlns:r="http://schemas.openxmlformats.org/officeDocument/2006/relationships" xmlns:p="http://schemas.openxmlformats.org/presentationml/2006/main">
+  <p:cSld>
+    <p:spTree>
+      <p:nvGrpSpPr>
+        <p:cNvPr id="1" name=""/>
+        <p:cNvGrpSpPr/>
+        <p:nvPr/>
+      </p:nvGrpSpPr>
+      <p:grpSpPr>
+        <a:xfrm>
+          <a:off x="0" y="0"/>
+          <a:ext cx="0" cy="0"/>
+          <a:chOff x="0" y="0"/>
+          <a:chExt cx="0" cy="0"/>
+        </a:xfrm>
+      </p:grpSpPr>
+      <p:sp>
+        <p:nvSpPr>
+          <p:cNvPr id="2" name="Title 1"/>
+          <p:cNvSpPr>
+            <a:spLocks noGrp="1"/>
+          </p:cNvSpPr>
+          <p:nvPr>
+            <p:ph type="title"/>
+          </p:nvPr>
+        </p:nvSpPr>
+        <p:spPr/>
+        <p:txBody>
+          <a:bodyPr/>
+          <a:lstStyle/>
+          <a:p>
+            <a:r>
+              <a:rPr lang="en-US" dirty="0"/>
+              <a:t>State Change</a:t>
+            </a:r>
+          </a:p>
+        </p:txBody>
+      </p:sp>
+      <p:pic>
+        <p:nvPicPr>
+          <p:cNvPr id="4098" name="Picture 2" descr="reactjs component lifecycle on state change"/>
+          <p:cNvPicPr>
+            <a:picLocks noChangeAspect="1" noChangeArrowheads="1"/>
+          </p:cNvPicPr>
+          <p:nvPr/>
+        </p:nvPicPr>
+        <p:blipFill>
+          <a:blip r:embed="rId2">
+            <a:extLst>
+              <a:ext uri="{28A0092B-C50C-407E-A947-70E740481C1C}">
+                <a14:useLocalDpi xmlns:a14="http://schemas.microsoft.com/office/drawing/2010/main" val="0"/>
+              </a:ext>
+            </a:extLst>
+          </a:blip>
+          <a:srcRect/>
+          <a:stretch>
+            <a:fillRect/>
+          </a:stretch>
+        </p:blipFill>
+        <p:spPr bwMode="auto">
+          <a:xfrm>
+            <a:off x="4154365" y="2100263"/>
+            <a:ext cx="3784056" cy="4274160"/>
+          </a:xfrm>
+          <a:prstGeom prst="rect">
+            <a:avLst/>
+          </a:prstGeom>
+          <a:noFill/>
+          <a:extLst>
+            <a:ext uri="{909E8E84-426E-40DD-AFC4-6F175D3DCCD1}">
+              <a14:hiddenFill xmlns:a14="http://schemas.microsoft.com/office/drawing/2010/main">
+                <a:solidFill>
+                  <a:srgbClr val="FFFFFF"/>
+                </a:solidFill>
+              </a14:hiddenFill>
+            </a:ext>
+          </a:extLst>
+        </p:spPr>
+      </p:pic>
+      <p:sp>
+        <p:nvSpPr>
+          <p:cNvPr id="4" name="Rectangle 3"/>
+          <p:cNvSpPr/>
+          <p:nvPr/>
+        </p:nvSpPr>
+        <p:spPr>
+          <a:xfrm>
+            <a:off x="216876" y="6411377"/>
+            <a:ext cx="11811000" cy="261610"/>
+          </a:xfrm>
+          <a:prstGeom prst="rect">
+            <a:avLst/>
+          </a:prstGeom>
+        </p:spPr>
+        <p:txBody>
+          <a:bodyPr wrap="square">
+            <a:spAutoFit/>
+          </a:bodyPr>
+          <a:lstStyle/>
+          <a:p>
+            <a:r>
+              <a:rPr lang="en-US" sz="1050" dirty="0"/>
+              <a:t>http://javascript.tutorialhorizon.com/2014/09/13/execution-sequence-of-a-react-components-lifecycle-methods/</a:t>
+            </a:r>
+          </a:p>
+        </p:txBody>
+      </p:sp>
+      <p:sp>
+        <p:nvSpPr>
+          <p:cNvPr id="5" name="Arrow: Left 4">
+            <a:extLst>
+              <a:ext uri="{FF2B5EF4-FFF2-40B4-BE49-F238E27FC236}">
+                <a16:creationId xmlns:a16="http://schemas.microsoft.com/office/drawing/2014/main" id="{3416EFCF-DBFB-449B-998B-9803E970BBB5}"/>
+              </a:ext>
+            </a:extLst>
+          </p:cNvPr>
+          <p:cNvSpPr/>
+          <p:nvPr/>
+        </p:nvSpPr>
+        <p:spPr>
+          <a:xfrm>
+            <a:off x="7561384" y="3086100"/>
+            <a:ext cx="1380393" cy="158262"/>
+          </a:xfrm>
+          <a:prstGeom prst="leftArrow">
+            <a:avLst/>
+          </a:prstGeom>
+        </p:spPr>
+        <p:style>
+          <a:lnRef idx="2">
+            <a:schemeClr val="accent1">
+              <a:shade val="50000"/>
+            </a:schemeClr>
+          </a:lnRef>
+          <a:fillRef idx="1">
+            <a:schemeClr val="accent1"/>
+          </a:fillRef>
+          <a:effectRef idx="0">
+            <a:schemeClr val="accent1"/>
+          </a:effectRef>
+          <a:fontRef idx="minor">
+            <a:schemeClr val="lt1"/>
+          </a:fontRef>
+        </p:style>
+        <p:txBody>
+          <a:bodyPr rtlCol="0" anchor="ctr"/>
+          <a:lstStyle/>
+          <a:p>
+            <a:pPr algn="ctr"/>
+            <a:endParaRPr lang="en-IN"/>
+          </a:p>
+        </p:txBody>
+      </p:sp>
+      <p:sp>
+        <p:nvSpPr>
+          <p:cNvPr id="6" name="TextBox 5">
+            <a:extLst>
+              <a:ext uri="{FF2B5EF4-FFF2-40B4-BE49-F238E27FC236}">
+                <a16:creationId xmlns:a16="http://schemas.microsoft.com/office/drawing/2014/main" id="{022A133D-800D-4AFD-9313-F0437A30DFDB}"/>
+              </a:ext>
+            </a:extLst>
+          </p:cNvPr>
+          <p:cNvSpPr txBox="1"/>
+          <p:nvPr/>
+        </p:nvSpPr>
+        <p:spPr>
+          <a:xfrm>
+            <a:off x="8941776" y="2910254"/>
+            <a:ext cx="2760785" cy="646331"/>
+          </a:xfrm>
+          <a:prstGeom prst="rect">
+            <a:avLst/>
+          </a:prstGeom>
+          <a:noFill/>
+        </p:spPr>
+        <p:txBody>
+          <a:bodyPr wrap="square" rtlCol="0">
+            <a:spAutoFit/>
+          </a:bodyPr>
+          <a:lstStyle/>
+          <a:p>
+            <a:r>
+              <a:rPr lang="en-US" dirty="0" err="1"/>
+              <a:t>nextProps</a:t>
+            </a:r>
+            <a:r>
+              <a:rPr lang="en-US" dirty="0"/>
+              <a:t>, </a:t>
+            </a:r>
+            <a:r>
+              <a:rPr lang="en-US" dirty="0" err="1"/>
+              <a:t>nextState</a:t>
+            </a:r>
+            <a:r>
+              <a:rPr lang="en-US" dirty="0"/>
+              <a:t>, </a:t>
+            </a:r>
+            <a:r>
+              <a:rPr lang="en-US" dirty="0" err="1"/>
+              <a:t>nextContext</a:t>
+            </a:r>
+            <a:endParaRPr lang="en-IN" dirty="0"/>
+          </a:p>
+        </p:txBody>
+      </p:sp>
+      <p:sp>
+        <p:nvSpPr>
+          <p:cNvPr id="8" name="Arrow: Left 7">
+            <a:extLst>
+              <a:ext uri="{FF2B5EF4-FFF2-40B4-BE49-F238E27FC236}">
+                <a16:creationId xmlns:a16="http://schemas.microsoft.com/office/drawing/2014/main" id="{D66CC391-EF92-4F57-B1FA-5FEB02308111}"/>
+              </a:ext>
+            </a:extLst>
+          </p:cNvPr>
+          <p:cNvSpPr/>
+          <p:nvPr/>
+        </p:nvSpPr>
+        <p:spPr>
+          <a:xfrm>
+            <a:off x="7561384" y="4009881"/>
+            <a:ext cx="1380393" cy="158262"/>
+          </a:xfrm>
+          <a:prstGeom prst="leftArrow">
+            <a:avLst/>
+          </a:prstGeom>
+        </p:spPr>
+        <p:style>
+          <a:lnRef idx="2">
+            <a:schemeClr val="accent1">
+              <a:shade val="50000"/>
+            </a:schemeClr>
+          </a:lnRef>
+          <a:fillRef idx="1">
+            <a:schemeClr val="accent1"/>
+          </a:fillRef>
+          <a:effectRef idx="0">
+            <a:schemeClr val="accent1"/>
+          </a:effectRef>
+          <a:fontRef idx="minor">
+            <a:schemeClr val="lt1"/>
+          </a:fontRef>
+        </p:style>
+        <p:txBody>
+          <a:bodyPr rtlCol="0" anchor="ctr"/>
+          <a:lstStyle/>
+          <a:p>
+            <a:pPr algn="ctr"/>
+            <a:endParaRPr lang="en-IN"/>
+          </a:p>
+        </p:txBody>
+      </p:sp>
+      <p:sp>
+        <p:nvSpPr>
+          <p:cNvPr id="9" name="TextBox 8">
+            <a:extLst>
+              <a:ext uri="{FF2B5EF4-FFF2-40B4-BE49-F238E27FC236}">
+                <a16:creationId xmlns:a16="http://schemas.microsoft.com/office/drawing/2014/main" id="{B12A9E16-37C9-41E8-AB2E-CF32D6229B69}"/>
+              </a:ext>
+            </a:extLst>
+          </p:cNvPr>
+          <p:cNvSpPr txBox="1"/>
+          <p:nvPr/>
+        </p:nvSpPr>
+        <p:spPr>
+          <a:xfrm>
+            <a:off x="8941776" y="3834035"/>
+            <a:ext cx="2760785" cy="369332"/>
+          </a:xfrm>
+          <a:prstGeom prst="rect">
+            <a:avLst/>
+          </a:prstGeom>
+          <a:noFill/>
+        </p:spPr>
+        <p:txBody>
+          <a:bodyPr wrap="square" rtlCol="0">
+            <a:spAutoFit/>
+          </a:bodyPr>
+          <a:lstStyle/>
+          <a:p>
+            <a:r>
+              <a:rPr lang="en-US" dirty="0" err="1"/>
+              <a:t>Depricated</a:t>
+            </a:r>
+            <a:endParaRPr lang="en-IN" dirty="0"/>
+          </a:p>
+        </p:txBody>
+      </p:sp>
+      <p:sp>
+        <p:nvSpPr>
+          <p:cNvPr id="10" name="Arrow: Left 9">
+            <a:extLst>
+              <a:ext uri="{FF2B5EF4-FFF2-40B4-BE49-F238E27FC236}">
+                <a16:creationId xmlns:a16="http://schemas.microsoft.com/office/drawing/2014/main" id="{3185BD1A-1864-467F-8970-0A673BD9DBCE}"/>
+              </a:ext>
+            </a:extLst>
+          </p:cNvPr>
+          <p:cNvSpPr/>
+          <p:nvPr/>
+        </p:nvSpPr>
+        <p:spPr>
+          <a:xfrm>
+            <a:off x="7561384" y="5719498"/>
+            <a:ext cx="1380393" cy="158262"/>
+          </a:xfrm>
+          <a:prstGeom prst="leftArrow">
+            <a:avLst/>
+          </a:prstGeom>
+        </p:spPr>
+        <p:style>
+          <a:lnRef idx="2">
+            <a:schemeClr val="accent1">
+              <a:shade val="50000"/>
+            </a:schemeClr>
+          </a:lnRef>
+          <a:fillRef idx="1">
+            <a:schemeClr val="accent1"/>
+          </a:fillRef>
+          <a:effectRef idx="0">
+            <a:schemeClr val="accent1"/>
+          </a:effectRef>
+          <a:fontRef idx="minor">
+            <a:schemeClr val="lt1"/>
+          </a:fontRef>
+        </p:style>
+        <p:txBody>
+          <a:bodyPr rtlCol="0" anchor="ctr"/>
+          <a:lstStyle/>
+          <a:p>
+            <a:pPr algn="ctr"/>
+            <a:endParaRPr lang="en-IN"/>
+          </a:p>
+        </p:txBody>
+      </p:sp>
+      <p:sp>
+        <p:nvSpPr>
+          <p:cNvPr id="11" name="TextBox 10">
+            <a:extLst>
+              <a:ext uri="{FF2B5EF4-FFF2-40B4-BE49-F238E27FC236}">
+                <a16:creationId xmlns:a16="http://schemas.microsoft.com/office/drawing/2014/main" id="{986620FD-6E7E-431F-BC85-8A183001D2E5}"/>
+              </a:ext>
+            </a:extLst>
+          </p:cNvPr>
+          <p:cNvSpPr txBox="1"/>
+          <p:nvPr/>
+        </p:nvSpPr>
+        <p:spPr>
+          <a:xfrm>
+            <a:off x="8941776" y="5543652"/>
+            <a:ext cx="2760785" cy="646331"/>
+          </a:xfrm>
+          <a:prstGeom prst="rect">
+            <a:avLst/>
+          </a:prstGeom>
+          <a:noFill/>
+        </p:spPr>
+        <p:txBody>
+          <a:bodyPr wrap="square" rtlCol="0">
+            <a:spAutoFit/>
+          </a:bodyPr>
+          <a:lstStyle/>
+          <a:p>
+            <a:r>
+              <a:rPr lang="en-US" dirty="0" err="1"/>
+              <a:t>prevProps</a:t>
+            </a:r>
+            <a:r>
+              <a:rPr lang="en-US" dirty="0"/>
+              <a:t>, </a:t>
+            </a:r>
+            <a:r>
+              <a:rPr lang="en-US" dirty="0" err="1"/>
+              <a:t>prevState</a:t>
+            </a:r>
+            <a:r>
+              <a:rPr lang="en-US" dirty="0"/>
+              <a:t>, </a:t>
+            </a:r>
+            <a:r>
+              <a:rPr lang="en-US" dirty="0" err="1"/>
+              <a:t>prevContext</a:t>
+            </a:r>
+            <a:endParaRPr lang="en-IN" dirty="0"/>
+          </a:p>
+        </p:txBody>
+      </p:sp>
+    </p:spTree>
+    <p:extLst>
+      <p:ext uri="{BB962C8B-B14F-4D97-AF65-F5344CB8AC3E}">
+        <p14:creationId xmlns:p14="http://schemas.microsoft.com/office/powerpoint/2010/main" val="3239800704"/>
+      </p:ext>
+    </p:extLst>
+  </p:cSld>
+  <p:clrMapOvr>
+    <a:masterClrMapping/>
+  </p:clrMapOvr>
+  <p:timing>
+    <p:tnLst>
+      <p:par>
+        <p:cTn id="1" dur="indefinite" restart="never" nodeType="tmRoot">
+          <p:childTnLst>
+            <p:seq concurrent="1" nextAc="seek">
+              <p:cTn id="2" dur="indefinite" nodeType="mainSeq">
+                <p:childTnLst>
+                  <p:par>
+                    <p:cTn id="3" fill="hold">
+                      <p:stCondLst>
+                        <p:cond delay="indefinite"/>
+                      </p:stCondLst>
+                      <p:childTnLst>
+                        <p:par>
+                          <p:cTn id="4" fill="hold">
+                            <p:stCondLst>
+                              <p:cond delay="0"/>
+                            </p:stCondLst>
+                            <p:childTnLst>
+                              <p:par>
+                                <p:cTn id="5" presetID="2" presetClass="entr" presetSubtype="4" fill="hold" grpId="0" nodeType="clickEffect">
+                                  <p:stCondLst>
+                                    <p:cond delay="0"/>
+                                  </p:stCondLst>
+                                  <p:childTnLst>
+                                    <p:set>
+                                      <p:cBhvr>
+                                        <p:cTn id="6" dur="1" fill="hold">
+                                          <p:stCondLst>
+                                            <p:cond delay="0"/>
+                                          </p:stCondLst>
+                                        </p:cTn>
+                                        <p:tgtEl>
+                                          <p:spTgt spid="5"/>
+                                        </p:tgtEl>
+                                        <p:attrNameLst>
+                                          <p:attrName>style.visibility</p:attrName>
+                                        </p:attrNameLst>
+                                      </p:cBhvr>
+                                      <p:to>
+                                        <p:strVal val="visible"/>
+                                      </p:to>
+                                    </p:set>
+                                    <p:anim calcmode="lin" valueType="num">
+                                      <p:cBhvr additive="base">
+                                        <p:cTn id="7" dur="500" fill="hold"/>
+                                        <p:tgtEl>
+                                          <p:spTgt spid="5"/>
+                                        </p:tgtEl>
+                                        <p:attrNameLst>
+                                          <p:attrName>ppt_x</p:attrName>
+                                        </p:attrNameLst>
+                                      </p:cBhvr>
+                                      <p:tavLst>
+                                        <p:tav tm="0">
+                                          <p:val>
+                                            <p:strVal val="#ppt_x"/>
+                                          </p:val>
+                                        </p:tav>
+                                        <p:tav tm="100000">
+                                          <p:val>
+                                            <p:strVal val="#ppt_x"/>
+                                          </p:val>
+                                        </p:tav>
+                                      </p:tavLst>
+                                    </p:anim>
+                                    <p:anim calcmode="lin" valueType="num">
+                                      <p:cBhvr additive="base">
+                                        <p:cTn id="8" dur="500" fill="hold"/>
+                                        <p:tgtEl>
+                                          <p:spTgt spid="5"/>
+                                        </p:tgtEl>
+                                        <p:attrNameLst>
+                                          <p:attrName>ppt_y</p:attrName>
+                                        </p:attrNameLst>
+                                      </p:cBhvr>
+                                      <p:tavLst>
+                                        <p:tav tm="0">
+                                          <p:val>
+                                            <p:strVal val="1+#ppt_h/2"/>
+                                          </p:val>
+                                        </p:tav>
+                                        <p:tav tm="100000">
+                                          <p:val>
+                                            <p:strVal val="#ppt_y"/>
+                                          </p:val>
+                                        </p:tav>
+                                      </p:tavLst>
+                                    </p:anim>
+                                  </p:childTnLst>
+                                </p:cTn>
+                              </p:par>
+                              <p:par>
+                                <p:cTn id="9" presetID="2" presetClass="entr" presetSubtype="4" fill="hold" grpId="0" nodeType="withEffect">
+                                  <p:stCondLst>
+                                    <p:cond delay="0"/>
+                                  </p:stCondLst>
+                                  <p:childTnLst>
+                                    <p:set>
+                                      <p:cBhvr>
+                                        <p:cTn id="10" dur="1" fill="hold">
+                                          <p:stCondLst>
+                                            <p:cond delay="0"/>
+                                          </p:stCondLst>
+                                        </p:cTn>
+                                        <p:tgtEl>
+                                          <p:spTgt spid="6"/>
+                                        </p:tgtEl>
+                                        <p:attrNameLst>
+                                          <p:attrName>style.visibility</p:attrName>
+                                        </p:attrNameLst>
+                                      </p:cBhvr>
+                                      <p:to>
+                                        <p:strVal val="visible"/>
+                                      </p:to>
+                                    </p:set>
+                                    <p:anim calcmode="lin" valueType="num">
+                                      <p:cBhvr additive="base">
+                                        <p:cTn id="11" dur="500" fill="hold"/>
+                                        <p:tgtEl>
+                                          <p:spTgt spid="6"/>
+                                        </p:tgtEl>
+                                        <p:attrNameLst>
+                                          <p:attrName>ppt_x</p:attrName>
+                                        </p:attrNameLst>
+                                      </p:cBhvr>
+                                      <p:tavLst>
+                                        <p:tav tm="0">
+                                          <p:val>
+                                            <p:strVal val="#ppt_x"/>
+                                          </p:val>
+                                        </p:tav>
+                                        <p:tav tm="100000">
+                                          <p:val>
+                                            <p:strVal val="#ppt_x"/>
+                                          </p:val>
+                                        </p:tav>
+                                      </p:tavLst>
+                                    </p:anim>
+                                    <p:anim calcmode="lin" valueType="num">
+                                      <p:cBhvr additive="base">
+                                        <p:cTn id="12" dur="500" fill="hold"/>
+                                        <p:tgtEl>
+                                          <p:spTgt spid="6"/>
+                                        </p:tgtEl>
+                                        <p:attrNameLst>
+                                          <p:attrName>ppt_y</p:attrName>
+                                        </p:attrNameLst>
+                                      </p:cBhvr>
+                                      <p:tavLst>
+                                        <p:tav tm="0">
+                                          <p:val>
+                                            <p:strVal val="1+#ppt_h/2"/>
+                                          </p:val>
+                                        </p:tav>
+                                        <p:tav tm="100000">
+                                          <p:val>
+                                            <p:strVal val="#ppt_y"/>
+                                          </p:val>
+                                        </p:tav>
+                                      </p:tavLst>
+                                    </p:anim>
+                                  </p:childTnLst>
+                                </p:cTn>
+                              </p:par>
+                            </p:childTnLst>
+                          </p:cTn>
+                        </p:par>
+                      </p:childTnLst>
+                    </p:cTn>
+                  </p:par>
+                  <p:par>
+                    <p:cTn id="13" fill="hold">
+                      <p:stCondLst>
+                        <p:cond delay="indefinite"/>
+                      </p:stCondLst>
+                      <p:childTnLst>
+                        <p:par>
+                          <p:cTn id="14" fill="hold">
+                            <p:stCondLst>
+                              <p:cond delay="0"/>
+                            </p:stCondLst>
+                            <p:childTnLst>
+                              <p:par>
+                                <p:cTn id="15" presetID="2" presetClass="entr" presetSubtype="4" fill="hold" grpId="0" nodeType="clickEffect">
+                                  <p:stCondLst>
+                                    <p:cond delay="0"/>
+                                  </p:stCondLst>
+                                  <p:childTnLst>
+                                    <p:set>
+                                      <p:cBhvr>
+                                        <p:cTn id="16" dur="1" fill="hold">
+                                          <p:stCondLst>
+                                            <p:cond delay="0"/>
+                                          </p:stCondLst>
+                                        </p:cTn>
+                                        <p:tgtEl>
+                                          <p:spTgt spid="8"/>
+                                        </p:tgtEl>
+                                        <p:attrNameLst>
+                                          <p:attrName>style.visibility</p:attrName>
+                                        </p:attrNameLst>
+                                      </p:cBhvr>
+                                      <p:to>
+                                        <p:strVal val="visible"/>
+                                      </p:to>
+                                    </p:set>
+                                    <p:anim calcmode="lin" valueType="num">
+                                      <p:cBhvr additive="base">
+                                        <p:cTn id="17" dur="500" fill="hold"/>
+                                        <p:tgtEl>
+                                          <p:spTgt spid="8"/>
+                                        </p:tgtEl>
+                                        <p:attrNameLst>
+                                          <p:attrName>ppt_x</p:attrName>
+                                        </p:attrNameLst>
+                                      </p:cBhvr>
+                                      <p:tavLst>
+                                        <p:tav tm="0">
+                                          <p:val>
+                                            <p:strVal val="#ppt_x"/>
+                                          </p:val>
+                                        </p:tav>
+                                        <p:tav tm="100000">
+                                          <p:val>
+                                            <p:strVal val="#ppt_x"/>
+                                          </p:val>
+                                        </p:tav>
+                                      </p:tavLst>
+                                    </p:anim>
+                                    <p:anim calcmode="lin" valueType="num">
+                                      <p:cBhvr additive="base">
+                                        <p:cTn id="18" dur="500" fill="hold"/>
+                                        <p:tgtEl>
+                                          <p:spTgt spid="8"/>
+                                        </p:tgtEl>
+                                        <p:attrNameLst>
+                                          <p:attrName>ppt_y</p:attrName>
+                                        </p:attrNameLst>
+                                      </p:cBhvr>
+                                      <p:tavLst>
+                                        <p:tav tm="0">
+                                          <p:val>
+                                            <p:strVal val="1+#ppt_h/2"/>
+                                          </p:val>
+                                        </p:tav>
+                                        <p:tav tm="100000">
+                                          <p:val>
+                                            <p:strVal val="#ppt_y"/>
+                                          </p:val>
+                                        </p:tav>
+                                      </p:tavLst>
+                                    </p:anim>
+                                  </p:childTnLst>
+                                </p:cTn>
+                              </p:par>
+                              <p:par>
+                                <p:cTn id="19" presetID="2" presetClass="entr" presetSubtype="4" fill="hold" grpId="0" nodeType="withEffect">
+                                  <p:stCondLst>
+                                    <p:cond delay="0"/>
+                                  </p:stCondLst>
+                                  <p:childTnLst>
+                                    <p:set>
+                                      <p:cBhvr>
+                                        <p:cTn id="20" dur="1" fill="hold">
+                                          <p:stCondLst>
+                                            <p:cond delay="0"/>
+                                          </p:stCondLst>
+                                        </p:cTn>
+                                        <p:tgtEl>
+                                          <p:spTgt spid="9"/>
+                                        </p:tgtEl>
+                                        <p:attrNameLst>
+                                          <p:attrName>style.visibility</p:attrName>
+                                        </p:attrNameLst>
+                                      </p:cBhvr>
+                                      <p:to>
+                                        <p:strVal val="visible"/>
+                                      </p:to>
+                                    </p:set>
+                                    <p:anim calcmode="lin" valueType="num">
+                                      <p:cBhvr additive="base">
+                                        <p:cTn id="21" dur="500" fill="hold"/>
+                                        <p:tgtEl>
+                                          <p:spTgt spid="9"/>
+                                        </p:tgtEl>
+                                        <p:attrNameLst>
+                                          <p:attrName>ppt_x</p:attrName>
+                                        </p:attrNameLst>
+                                      </p:cBhvr>
+                                      <p:tavLst>
+                                        <p:tav tm="0">
+                                          <p:val>
+                                            <p:strVal val="#ppt_x"/>
+                                          </p:val>
+                                        </p:tav>
+                                        <p:tav tm="100000">
+                                          <p:val>
+                                            <p:strVal val="#ppt_x"/>
+                                          </p:val>
+                                        </p:tav>
+                                      </p:tavLst>
+                                    </p:anim>
+                                    <p:anim calcmode="lin" valueType="num">
+                                      <p:cBhvr additive="base">
+                                        <p:cTn id="22" dur="500" fill="hold"/>
+                                        <p:tgtEl>
+                                          <p:spTgt spid="9"/>
+                                        </p:tgtEl>
+                                        <p:attrNameLst>
+                                          <p:attrName>ppt_y</p:attrName>
+                                        </p:attrNameLst>
+                                      </p:cBhvr>
+                                      <p:tavLst>
+                                        <p:tav tm="0">
+                                          <p:val>
+                                            <p:strVal val="1+#ppt_h/2"/>
+                                          </p:val>
+                                        </p:tav>
+                                        <p:tav tm="100000">
+                                          <p:val>
+                                            <p:strVal val="#ppt_y"/>
+                                          </p:val>
+                                        </p:tav>
+                                      </p:tavLst>
+                                    </p:anim>
+                                  </p:childTnLst>
+                                </p:cTn>
+                              </p:par>
+                            </p:childTnLst>
+                          </p:cTn>
+                        </p:par>
+                      </p:childTnLst>
+                    </p:cTn>
+                  </p:par>
+                  <p:par>
+                    <p:cTn id="23" fill="hold">
+                      <p:stCondLst>
+                        <p:cond delay="indefinite"/>
+                      </p:stCondLst>
+                      <p:childTnLst>
+                        <p:par>
+                          <p:cTn id="24" fill="hold">
+                            <p:stCondLst>
+                              <p:cond delay="0"/>
+                            </p:stCondLst>
+                            <p:childTnLst>
+                              <p:par>
+                                <p:cTn id="25" presetID="2" presetClass="entr" presetSubtype="4" fill="hold" grpId="0" nodeType="clickEffect">
+                                  <p:stCondLst>
+                                    <p:cond delay="0"/>
+                                  </p:stCondLst>
+                                  <p:childTnLst>
+                                    <p:set>
+                                      <p:cBhvr>
+                                        <p:cTn id="26" dur="1" fill="hold">
+                                          <p:stCondLst>
+                                            <p:cond delay="0"/>
+                                          </p:stCondLst>
+                                        </p:cTn>
+                                        <p:tgtEl>
+                                          <p:spTgt spid="10"/>
+                                        </p:tgtEl>
+                                        <p:attrNameLst>
+                                          <p:attrName>style.visibility</p:attrName>
+                                        </p:attrNameLst>
+                                      </p:cBhvr>
+                                      <p:to>
+                                        <p:strVal val="visible"/>
+                                      </p:to>
+                                    </p:set>
+                                    <p:anim calcmode="lin" valueType="num">
+                                      <p:cBhvr additive="base">
+                                        <p:cTn id="27" dur="500" fill="hold"/>
+                                        <p:tgtEl>
+                                          <p:spTgt spid="10"/>
+                                        </p:tgtEl>
+                                        <p:attrNameLst>
+                                          <p:attrName>ppt_x</p:attrName>
+                                        </p:attrNameLst>
+                                      </p:cBhvr>
+                                      <p:tavLst>
+                                        <p:tav tm="0">
+                                          <p:val>
+                                            <p:strVal val="#ppt_x"/>
+                                          </p:val>
+                                        </p:tav>
+                                        <p:tav tm="100000">
+                                          <p:val>
+                                            <p:strVal val="#ppt_x"/>
+                                          </p:val>
+                                        </p:tav>
+                                      </p:tavLst>
+                                    </p:anim>
+                                    <p:anim calcmode="lin" valueType="num">
+                                      <p:cBhvr additive="base">
+                                        <p:cTn id="28" dur="500" fill="hold"/>
+                                        <p:tgtEl>
+                                          <p:spTgt spid="10"/>
+                                        </p:tgtEl>
+                                        <p:attrNameLst>
+                                          <p:attrName>ppt_y</p:attrName>
+                                        </p:attrNameLst>
+                                      </p:cBhvr>
+                                      <p:tavLst>
+                                        <p:tav tm="0">
+                                          <p:val>
+                                            <p:strVal val="1+#ppt_h/2"/>
+                                          </p:val>
+                                        </p:tav>
+                                        <p:tav tm="100000">
+                                          <p:val>
+                                            <p:strVal val="#ppt_y"/>
+                                          </p:val>
+                                        </p:tav>
+                                      </p:tavLst>
+                                    </p:anim>
+                                  </p:childTnLst>
+                                </p:cTn>
+                              </p:par>
+                              <p:par>
+                                <p:cTn id="29" presetID="2" presetClass="entr" presetSubtype="4" fill="hold" grpId="0" nodeType="withEffect">
+                                  <p:stCondLst>
+                                    <p:cond delay="0"/>
+                                  </p:stCondLst>
+                                  <p:childTnLst>
+                                    <p:set>
+                                      <p:cBhvr>
+                                        <p:cTn id="30" dur="1" fill="hold">
+                                          <p:stCondLst>
+                                            <p:cond delay="0"/>
+                                          </p:stCondLst>
+                                        </p:cTn>
+                                        <p:tgtEl>
+                                          <p:spTgt spid="11"/>
+                                        </p:tgtEl>
+                                        <p:attrNameLst>
+                                          <p:attrName>style.visibility</p:attrName>
+                                        </p:attrNameLst>
+                                      </p:cBhvr>
+                                      <p:to>
+                                        <p:strVal val="visible"/>
+                                      </p:to>
+                                    </p:set>
+                                    <p:anim calcmode="lin" valueType="num">
+                                      <p:cBhvr additive="base">
+                                        <p:cTn id="31" dur="500" fill="hold"/>
+                                        <p:tgtEl>
+                                          <p:spTgt spid="11"/>
+                                        </p:tgtEl>
+                                        <p:attrNameLst>
+                                          <p:attrName>ppt_x</p:attrName>
+                                        </p:attrNameLst>
+                                      </p:cBhvr>
+                                      <p:tavLst>
+                                        <p:tav tm="0">
+                                          <p:val>
+                                            <p:strVal val="#ppt_x"/>
+                                          </p:val>
+                                        </p:tav>
+                                        <p:tav tm="100000">
+                                          <p:val>
+                                            <p:strVal val="#ppt_x"/>
+                                          </p:val>
+                                        </p:tav>
+                                      </p:tavLst>
+                                    </p:anim>
+                                    <p:anim calcmode="lin" valueType="num">
+                                      <p:cBhvr additive="base">
+                                        <p:cTn id="32" dur="500" fill="hold"/>
+                                        <p:tgtEl>
+                                          <p:spTgt spid="11"/>
+                                        </p:tgtEl>
+                                        <p:attrNameLst>
+                                          <p:attrName>ppt_y</p:attrName>
+                                        </p:attrNameLst>
+                                      </p:cBhvr>
+                                      <p:tavLst>
+                                        <p:tav tm="0">
+                                          <p:val>
+                                            <p:strVal val="1+#ppt_h/2"/>
+                                          </p:val>
+                                        </p:tav>
+                                        <p:tav tm="100000">
+                                          <p:val>
+                                            <p:strVal val="#ppt_y"/>
+                                          </p:val>
+                                        </p:tav>
+                                      </p:tavLst>
+                                    </p:anim>
+                                  </p:childTnLst>
+                                </p:cTn>
+                              </p:par>
+                            </p:childTnLst>
+                          </p:cTn>
+                        </p:par>
+                      </p:childTnLst>
+                    </p:cTn>
+                  </p:par>
+                </p:childTnLst>
+              </p:cTn>
+              <p:prevCondLst>
+                <p:cond evt="onPrev" delay="0">
+                  <p:tgtEl>
+                    <p:sldTgt/>
+                  </p:tgtEl>
+                </p:cond>
+              </p:prevCondLst>
+              <p:nextCondLst>
+                <p:cond evt="onNext" delay="0">
+                  <p:tgtEl>
+                    <p:sldTgt/>
+                  </p:tgtEl>
+                </p:cond>
+              </p:nextCondLst>
+            </p:seq>
+          </p:childTnLst>
+        </p:cTn>
+      </p:par>
+    </p:tnLst>
+    <p:bldLst>
+      <p:bldP spid="5" grpId="0" animBg="1"/>
+      <p:bldP spid="6" grpId="0"/>
+      <p:bldP spid="8" grpId="0" animBg="1"/>
+      <p:bldP spid="9" grpId="0"/>
+      <p:bldP spid="10" grpId="0" animBg="1"/>
+      <p:bldP spid="11" grpId="0"/>
+    </p:bldLst>
+  </p:timing>
+</p:sld>
+</file>
+
+<file path=ppt/slides/slide8.xml><?xml version="1.0" encoding="utf-8"?>
+<p:sld xmlns:a="http://schemas.openxmlformats.org/drawingml/2006/main" xmlns:r="http://schemas.openxmlformats.org/officeDocument/2006/relationships" xmlns:p="http://schemas.openxmlformats.org/presentationml/2006/main">
+  <p:cSld>
+    <p:spTree>
+      <p:nvGrpSpPr>
+        <p:cNvPr id="1" name=""/>
+        <p:cNvGrpSpPr/>
+        <p:nvPr/>
+      </p:nvGrpSpPr>
+      <p:grpSpPr>
+        <a:xfrm>
+          <a:off x="0" y="0"/>
+          <a:ext cx="0" cy="0"/>
+          <a:chOff x="0" y="0"/>
+          <a:chExt cx="0" cy="0"/>
+        </a:xfrm>
+      </p:grpSpPr>
+      <p:sp>
+        <p:nvSpPr>
+          <p:cNvPr id="2" name="Title 1"/>
+          <p:cNvSpPr>
+            <a:spLocks noGrp="1"/>
+          </p:cNvSpPr>
+          <p:nvPr>
+            <p:ph type="title"/>
+          </p:nvPr>
+        </p:nvSpPr>
+        <p:spPr/>
+        <p:txBody>
+          <a:bodyPr/>
+          <a:lstStyle/>
+          <a:p>
+            <a:r>
+              <a:rPr lang="en-US" dirty="0"/>
+              <a:t>Com­po­nent Unmount</a:t>
+            </a:r>
+          </a:p>
+        </p:txBody>
+      </p:sp>
+      <p:pic>
+        <p:nvPicPr>
+          <p:cNvPr id="5122" name="Picture 2" descr="reactjs component lifecycle on props change"/>
+          <p:cNvPicPr>
+            <a:picLocks noChangeAspect="1" noChangeArrowheads="1"/>
+          </p:cNvPicPr>
+          <p:nvPr/>
+        </p:nvPicPr>
+        <p:blipFill>
+          <a:blip r:embed="rId2">
+            <a:extLst>
+              <a:ext uri="{28A0092B-C50C-407E-A947-70E740481C1C}">
+                <a14:useLocalDpi xmlns:a14="http://schemas.microsoft.com/office/drawing/2010/main" val="0"/>
+              </a:ext>
+            </a:extLst>
+          </a:blip>
+          <a:srcRect/>
+          <a:stretch>
+            <a:fillRect/>
+          </a:stretch>
+        </p:blipFill>
+        <p:spPr bwMode="auto">
+          <a:xfrm>
+            <a:off x="4366845" y="2887150"/>
+            <a:ext cx="3162300" cy="1419225"/>
+          </a:xfrm>
+          <a:prstGeom prst="rect">
+            <a:avLst/>
+          </a:prstGeom>
+          <a:noFill/>
+          <a:extLst>
+            <a:ext uri="{909E8E84-426E-40DD-AFC4-6F175D3DCCD1}">
+              <a14:hiddenFill xmlns:a14="http://schemas.microsoft.com/office/drawing/2010/main">
+                <a:solidFill>
+                  <a:srgbClr val="FFFFFF"/>
+                </a:solidFill>
+              </a14:hiddenFill>
+            </a:ext>
+          </a:extLst>
+        </p:spPr>
+      </p:pic>
+      <p:sp>
+        <p:nvSpPr>
+          <p:cNvPr id="4" name="Rectangle 3"/>
+          <p:cNvSpPr/>
+          <p:nvPr/>
+        </p:nvSpPr>
+        <p:spPr>
+          <a:xfrm>
+            <a:off x="216876" y="6411377"/>
+            <a:ext cx="11811000" cy="261610"/>
+          </a:xfrm>
+          <a:prstGeom prst="rect">
+            <a:avLst/>
+          </a:prstGeom>
+        </p:spPr>
+        <p:txBody>
+          <a:bodyPr wrap="square">
+            <a:spAutoFit/>
+          </a:bodyPr>
+          <a:lstStyle/>
+          <a:p>
+            <a:r>
+              <a:rPr lang="en-US" sz="1050" dirty="0"/>
+              <a:t>http://javascript.tutorialhorizon.com/2014/09/13/execution-sequence-of-a-react-components-lifecycle-methods/</a:t>
+            </a:r>
+          </a:p>
+        </p:txBody>
+      </p:sp>
+    </p:spTree>
+    <p:extLst>
+      <p:ext uri="{BB962C8B-B14F-4D97-AF65-F5344CB8AC3E}">
+        <p14:creationId xmlns:p14="http://schemas.microsoft.com/office/powerpoint/2010/main" val="3861773011"/>
+      </p:ext>
+    </p:extLst>
+  </p:cSld>
+  <p:clrMapOvr>
+    <a:masterClrMapping/>
+  </p:clrMapOvr>
+</p:sld>
+</file>
+
+<file path=ppt/slides/slide9.xml><?xml version="1.0" encoding="utf-8"?>
+<p:sld xmlns:a="http://schemas.openxmlformats.org/drawingml/2006/main" xmlns:r="http://schemas.openxmlformats.org/officeDocument/2006/relationships" xmlns:p="http://schemas.openxmlformats.org/presentationml/2006/main">
+  <p:cSld>
+    <p:spTree>
+      <p:nvGrpSpPr>
+        <p:cNvPr id="1" name=""/>
+        <p:cNvGrpSpPr/>
+        <p:nvPr/>
+      </p:nvGrpSpPr>
+      <p:grpSpPr>
+        <a:xfrm>
+          <a:off x="0" y="0"/>
+          <a:ext cx="0" cy="0"/>
+          <a:chOff x="0" y="0"/>
+          <a:chExt cx="0" cy="0"/>
+        </a:xfrm>
+      </p:grpSpPr>
+      <p:pic>
+        <p:nvPicPr>
+          <p:cNvPr id="3" name="Picture 2">
+            <a:extLst>
+              <a:ext uri="{FF2B5EF4-FFF2-40B4-BE49-F238E27FC236}">
+                <a16:creationId xmlns:a16="http://schemas.microsoft.com/office/drawing/2014/main" id="{14ACE708-6C6B-4F45-922F-2B4D94D7B691}"/>
+              </a:ext>
+            </a:extLst>
+          </p:cNvPr>
+          <p:cNvPicPr>
+            <a:picLocks noChangeAspect="1"/>
+          </p:cNvPicPr>
+          <p:nvPr/>
+        </p:nvPicPr>
+        <p:blipFill>
+          <a:blip r:embed="rId2">
+            <a:extLst>
+              <a:ext uri="{28A0092B-C50C-407E-A947-70E740481C1C}">
+                <a14:useLocalDpi xmlns:a14="http://schemas.microsoft.com/office/drawing/2010/main" val="0"/>
+              </a:ext>
+            </a:extLst>
+          </a:blip>
+          <a:stretch>
+            <a:fillRect/>
+          </a:stretch>
+        </p:blipFill>
+        <p:spPr>
+          <a:xfrm>
+            <a:off x="481744" y="1296133"/>
+            <a:ext cx="2752725" cy="4476750"/>
+          </a:xfrm>
+          <a:prstGeom prst="rect">
+            <a:avLst/>
+          </a:prstGeom>
+        </p:spPr>
+      </p:pic>
+      <p:sp>
+        <p:nvSpPr>
+          <p:cNvPr id="4" name="Rectangle 3">
+            <a:extLst>
+              <a:ext uri="{FF2B5EF4-FFF2-40B4-BE49-F238E27FC236}">
+                <a16:creationId xmlns:a16="http://schemas.microsoft.com/office/drawing/2014/main" id="{A1429A22-5A56-4A53-8AD0-9B1FD114826F}"/>
+              </a:ext>
+            </a:extLst>
+          </p:cNvPr>
+          <p:cNvSpPr/>
+          <p:nvPr/>
+        </p:nvSpPr>
+        <p:spPr>
+          <a:xfrm>
+            <a:off x="856878" y="597850"/>
+            <a:ext cx="2160720" cy="369332"/>
+          </a:xfrm>
+          <a:prstGeom prst="rect">
+            <a:avLst/>
+          </a:prstGeom>
+        </p:spPr>
+        <p:txBody>
+          <a:bodyPr wrap="none">
+            <a:spAutoFit/>
+          </a:bodyPr>
+          <a:lstStyle/>
+          <a:p>
+            <a:r>
+              <a:rPr lang="en-IN" b="1" dirty="0"/>
+              <a:t>Component creation</a:t>
+            </a:r>
+            <a:endParaRPr lang="en-IN" dirty="0"/>
+          </a:p>
+        </p:txBody>
+      </p:sp>
+      <p:sp>
+        <p:nvSpPr>
+          <p:cNvPr id="5" name="Rectangle 4">
+            <a:extLst>
+              <a:ext uri="{FF2B5EF4-FFF2-40B4-BE49-F238E27FC236}">
+                <a16:creationId xmlns:a16="http://schemas.microsoft.com/office/drawing/2014/main" id="{F3F1C193-6487-4CF1-9169-5610F1DC3AE2}"/>
+              </a:ext>
+            </a:extLst>
+          </p:cNvPr>
+          <p:cNvSpPr/>
+          <p:nvPr/>
+        </p:nvSpPr>
+        <p:spPr>
+          <a:xfrm>
+            <a:off x="3302977" y="485326"/>
+            <a:ext cx="3238500" cy="921443"/>
+          </a:xfrm>
+          <a:prstGeom prst="rect">
+            <a:avLst/>
+          </a:prstGeom>
+        </p:spPr>
+        <p:txBody>
+          <a:bodyPr wrap="square">
+            <a:spAutoFit/>
+          </a:bodyPr>
+          <a:lstStyle/>
+          <a:p>
+            <a:r>
+              <a:rPr lang="en-US" b="1" dirty="0"/>
+              <a:t>Component re-rendering due to re-rendering of the parent component</a:t>
+            </a:r>
+            <a:endParaRPr lang="en-IN" dirty="0"/>
+          </a:p>
+        </p:txBody>
+      </p:sp>
+      <p:pic>
+        <p:nvPicPr>
+          <p:cNvPr id="7" name="Picture 6">
+            <a:extLst>
+              <a:ext uri="{FF2B5EF4-FFF2-40B4-BE49-F238E27FC236}">
+                <a16:creationId xmlns:a16="http://schemas.microsoft.com/office/drawing/2014/main" id="{2CB69DC6-EAE3-4DC8-900B-BD43287A62D0}"/>
+              </a:ext>
+            </a:extLst>
+          </p:cNvPr>
+          <p:cNvPicPr>
+            <a:picLocks noChangeAspect="1"/>
+          </p:cNvPicPr>
+          <p:nvPr/>
+        </p:nvPicPr>
+        <p:blipFill>
+          <a:blip r:embed="rId3">
+            <a:extLst>
+              <a:ext uri="{28A0092B-C50C-407E-A947-70E740481C1C}">
+                <a14:useLocalDpi xmlns:a14="http://schemas.microsoft.com/office/drawing/2010/main" val="0"/>
+              </a:ext>
+            </a:extLst>
+          </a:blip>
+          <a:stretch>
+            <a:fillRect/>
+          </a:stretch>
+        </p:blipFill>
+        <p:spPr>
+          <a:xfrm>
+            <a:off x="3659633" y="1524459"/>
+            <a:ext cx="3323941" cy="4848215"/>
+          </a:xfrm>
+          <a:prstGeom prst="rect">
+            <a:avLst/>
+          </a:prstGeom>
+        </p:spPr>
+      </p:pic>
+      <p:sp>
+        <p:nvSpPr>
+          <p:cNvPr id="8" name="Rectangle 1">
+            <a:extLst>
+              <a:ext uri="{FF2B5EF4-FFF2-40B4-BE49-F238E27FC236}">
+                <a16:creationId xmlns:a16="http://schemas.microsoft.com/office/drawing/2014/main" id="{1ACE0E3C-6579-429B-9E4F-EF16934C6235}"/>
+              </a:ext>
+            </a:extLst>
+          </p:cNvPr>
+          <p:cNvSpPr>
+            <a:spLocks noChangeArrowheads="1"/>
+          </p:cNvSpPr>
+          <p:nvPr/>
+        </p:nvSpPr>
+        <p:spPr bwMode="auto">
+          <a:xfrm>
+            <a:off x="7367954" y="382406"/>
+            <a:ext cx="4106008" cy="800219"/>
+          </a:xfrm>
+          <a:prstGeom prst="rect">
+            <a:avLst/>
+          </a:prstGeom>
+          <a:noFill/>
+          <a:ln>
+            <a:noFill/>
+          </a:ln>
+          <a:effectLst/>
+          <a:extLst>
+            <a:ext uri="{909E8E84-426E-40DD-AFC4-6F175D3DCCD1}">
+              <a14:hiddenFill xmlns:a14="http://schemas.microsoft.com/office/drawing/2010/main">
+                <a:solidFill>
+                  <a:schemeClr val="accent1"/>
+                </a:solidFill>
+              </a14:hiddenFill>
+            </a:ext>
+            <a:ext uri="{91240B29-F687-4F45-9708-019B960494DF}">
+              <a14:hiddenLine xmlns:a14="http://schemas.microsoft.com/office/drawing/2010/main" w="9525">
+                <a:solidFill>
+                  <a:schemeClr val="tx1"/>
+                </a:solidFill>
+                <a:miter lim="800000"/>
+                <a:headEnd/>
+                <a:tailEnd/>
+              </a14:hiddenLine>
+            </a:ext>
+            <a:ext uri="{AF507438-7753-43E0-B8FC-AC1667EBCBE1}">
+              <a14:hiddenEffects xmlns:a14="http://schemas.microsoft.com/office/drawing/2010/main">
+                <a:effectLst>
+                  <a:outerShdw dist="35921" dir="2700000" algn="ctr" rotWithShape="0">
+                    <a:schemeClr val="bg2"/>
+                  </a:outerShdw>
+                </a:effectLst>
+              </a14:hiddenEffects>
+            </a:ext>
+          </a:extLst>
+        </p:spPr>
+        <p:txBody>
+          <a:bodyPr vert="horz" wrap="square" lIns="91440" tIns="45720" rIns="91440" bIns="45720" numCol="1" anchor="ctr" anchorCtr="0" compatLnSpc="1">
+            <a:prstTxWarp prst="textNoShape">
+              <a:avLst/>
+            </a:prstTxWarp>
+            <a:spAutoFit/>
+          </a:bodyPr>
+          <a:lstStyle/>
+          <a:p>
+            <a:pPr marL="0" marR="0" lvl="0" indent="0" algn="l" defTabSz="914400" rtl="0" eaLnBrk="0" fontAlgn="base" latinLnBrk="0" hangingPunct="0">
+              <a:lnSpc>
+                <a:spcPct val="100000"/>
+              </a:lnSpc>
+              <a:spcBef>
+                <a:spcPct val="0"/>
+              </a:spcBef>
+              <a:spcAft>
+                <a:spcPct val="0"/>
+              </a:spcAft>
+              <a:buClrTx/>
+              <a:buSzTx/>
+              <a:buFontTx/>
+              <a:buNone/>
+              <a:tabLst/>
+            </a:pPr>
+            <a:r>
+              <a:rPr kumimoji="0" lang="en-US" altLang="en-US" sz="1800" b="1" i="0" u="none" strike="noStrike" cap="none" normalizeH="0" baseline="0">
+                <a:ln>
+                  <a:noFill/>
+                </a:ln>
+                <a:solidFill>
+                  <a:schemeClr val="tx1"/>
+                </a:solidFill>
+                <a:effectLst/>
+                <a:latin typeface="Arial" panose="020B0604020202020204" pitchFamily="34" charset="0"/>
+              </a:rPr>
+              <a:t>Component re-rendering due to internal change (e.g. a call to </a:t>
+            </a:r>
+            <a:r>
+              <a:rPr kumimoji="0" lang="en-US" altLang="en-US" sz="1000" b="1" i="0" u="none" strike="noStrike" cap="none" normalizeH="0" baseline="0">
+                <a:ln>
+                  <a:noFill/>
+                </a:ln>
+                <a:solidFill>
+                  <a:schemeClr val="tx1"/>
+                </a:solidFill>
+                <a:effectLst/>
+                <a:latin typeface="Arial Unicode MS"/>
+              </a:rPr>
+              <a:t>this.setState()</a:t>
+            </a:r>
+            <a:r>
+              <a:rPr kumimoji="0" lang="en-US" altLang="en-US" sz="800" b="1" i="0" u="none" strike="noStrike" cap="none" normalizeH="0" baseline="0">
+                <a:ln>
+                  <a:noFill/>
+                </a:ln>
+                <a:solidFill>
+                  <a:schemeClr val="tx1"/>
+                </a:solidFill>
+                <a:effectLst/>
+              </a:rPr>
+              <a:t>)</a:t>
+            </a:r>
+            <a:endParaRPr kumimoji="0" lang="en-US" altLang="en-US" sz="1800" b="0" i="0" u="none" strike="noStrike" cap="none" normalizeH="0" baseline="0">
+              <a:ln>
+                <a:noFill/>
+              </a:ln>
+              <a:solidFill>
+                <a:schemeClr val="tx1"/>
+              </a:solidFill>
+              <a:effectLst/>
+              <a:latin typeface="Arial" panose="020B0604020202020204" pitchFamily="34" charset="0"/>
+            </a:endParaRPr>
+          </a:p>
+        </p:txBody>
+      </p:sp>
+      <p:pic>
+        <p:nvPicPr>
+          <p:cNvPr id="10" name="Picture 9">
+            <a:extLst>
+              <a:ext uri="{FF2B5EF4-FFF2-40B4-BE49-F238E27FC236}">
+                <a16:creationId xmlns:a16="http://schemas.microsoft.com/office/drawing/2014/main" id="{01E3A45A-895D-42CD-983C-FA23FB48AFA3}"/>
+              </a:ext>
+            </a:extLst>
+          </p:cNvPr>
+          <p:cNvPicPr>
+            <a:picLocks noChangeAspect="1"/>
+          </p:cNvPicPr>
+          <p:nvPr/>
+        </p:nvPicPr>
+        <p:blipFill>
+          <a:blip r:embed="rId4">
+            <a:extLst>
+              <a:ext uri="{28A0092B-C50C-407E-A947-70E740481C1C}">
+                <a14:useLocalDpi xmlns:a14="http://schemas.microsoft.com/office/drawing/2010/main" val="0"/>
+              </a:ext>
+            </a:extLst>
+          </a:blip>
+          <a:stretch>
+            <a:fillRect/>
+          </a:stretch>
+        </p:blipFill>
+        <p:spPr>
+          <a:xfrm>
+            <a:off x="7525299" y="1549316"/>
+            <a:ext cx="3791317" cy="4823358"/>
+          </a:xfrm>
+          <a:prstGeom prst="rect">
+            <a:avLst/>
+          </a:prstGeom>
+        </p:spPr>
+      </p:pic>
+      <p:sp>
+        <p:nvSpPr>
+          <p:cNvPr id="11" name="Rectangle 10">
+            <a:extLst>
+              <a:ext uri="{FF2B5EF4-FFF2-40B4-BE49-F238E27FC236}">
+                <a16:creationId xmlns:a16="http://schemas.microsoft.com/office/drawing/2014/main" id="{0DF032DE-C325-456F-A907-54756AFC2403}"/>
+              </a:ext>
+            </a:extLst>
+          </p:cNvPr>
+          <p:cNvSpPr/>
+          <p:nvPr/>
+        </p:nvSpPr>
+        <p:spPr>
+          <a:xfrm>
+            <a:off x="340770" y="6372674"/>
+            <a:ext cx="9559367" cy="261610"/>
+          </a:xfrm>
+          <a:prstGeom prst="rect">
+            <a:avLst/>
+          </a:prstGeom>
+        </p:spPr>
+        <p:txBody>
+          <a:bodyPr wrap="square">
+            <a:spAutoFit/>
+          </a:bodyPr>
+          <a:lstStyle/>
+          <a:p>
+            <a:r>
+              <a:rPr lang="en-IN" sz="1050" dirty="0"/>
+              <a:t>https://medium.com/@baphemot/understanding-reactjs-component-life-cycle-823a640b3e8d</a:t>
+            </a:r>
+          </a:p>
+        </p:txBody>
+      </p:sp>
+    </p:spTree>
+    <p:extLst>
+      <p:ext uri="{BB962C8B-B14F-4D97-AF65-F5344CB8AC3E}">
+        <p14:creationId xmlns:p14="http://schemas.microsoft.com/office/powerpoint/2010/main" val="2746295562"/>
       </p:ext>
     </p:extLst>
   </p:cSld>

--- a/images_ppt.pptx
+++ b/images_ppt.pptx
@@ -17,6 +17,7 @@
     <p:sldId id="309" r:id="rId11"/>
     <p:sldId id="317" r:id="rId12"/>
     <p:sldId id="346" r:id="rId13"/>
+    <p:sldId id="347" r:id="rId14"/>
   </p:sldIdLst>
   <p:sldSz cx="12192000" cy="6858000"/>
   <p:notesSz cx="6858000" cy="9144000"/>
@@ -115,6 +116,11 @@
       </a:defRPr>
     </a:lvl9pPr>
   </p:defaultTextStyle>
+  <p:extLst>
+    <p:ext uri="{EFAFB233-063F-42B5-8137-9DF3F51BA10A}">
+      <p15:sldGuideLst xmlns:p15="http://schemas.microsoft.com/office/powerpoint/2012/main"/>
+    </p:ext>
+  </p:extLst>
 </p:presentation>
 </file>
 
@@ -267,7 +273,7 @@
           <a:p>
             <a:fld id="{6058DFF1-B7DB-C646-A9AE-E4922D836E39}" type="datetimeFigureOut">
               <a:rPr lang="en-US" smtClean="0"/>
-              <a:t>12/11/22</a:t>
+              <a:t>12/17/22</a:t>
             </a:fld>
             <a:endParaRPr lang="en-US"/>
           </a:p>
@@ -467,7 +473,7 @@
           <a:p>
             <a:fld id="{6058DFF1-B7DB-C646-A9AE-E4922D836E39}" type="datetimeFigureOut">
               <a:rPr lang="en-US" smtClean="0"/>
-              <a:t>12/11/22</a:t>
+              <a:t>12/17/22</a:t>
             </a:fld>
             <a:endParaRPr lang="en-US"/>
           </a:p>
@@ -677,7 +683,7 @@
           <a:p>
             <a:fld id="{6058DFF1-B7DB-C646-A9AE-E4922D836E39}" type="datetimeFigureOut">
               <a:rPr lang="en-US" smtClean="0"/>
-              <a:t>12/11/22</a:t>
+              <a:t>12/17/22</a:t>
             </a:fld>
             <a:endParaRPr lang="en-US"/>
           </a:p>
@@ -959,7 +965,7 @@
           <a:p>
             <a:fld id="{6058DFF1-B7DB-C646-A9AE-E4922D836E39}" type="datetimeFigureOut">
               <a:rPr lang="en-US" smtClean="0"/>
-              <a:t>12/11/22</a:t>
+              <a:t>12/17/22</a:t>
             </a:fld>
             <a:endParaRPr lang="en-US"/>
           </a:p>
@@ -1235,7 +1241,7 @@
           <a:p>
             <a:fld id="{6058DFF1-B7DB-C646-A9AE-E4922D836E39}" type="datetimeFigureOut">
               <a:rPr lang="en-US" smtClean="0"/>
-              <a:t>12/11/22</a:t>
+              <a:t>12/17/22</a:t>
             </a:fld>
             <a:endParaRPr lang="en-US"/>
           </a:p>
@@ -1503,7 +1509,7 @@
           <a:p>
             <a:fld id="{6058DFF1-B7DB-C646-A9AE-E4922D836E39}" type="datetimeFigureOut">
               <a:rPr lang="en-US" smtClean="0"/>
-              <a:t>12/11/22</a:t>
+              <a:t>12/17/22</a:t>
             </a:fld>
             <a:endParaRPr lang="en-US"/>
           </a:p>
@@ -1918,7 +1924,7 @@
           <a:p>
             <a:fld id="{6058DFF1-B7DB-C646-A9AE-E4922D836E39}" type="datetimeFigureOut">
               <a:rPr lang="en-US" smtClean="0"/>
-              <a:t>12/11/22</a:t>
+              <a:t>12/17/22</a:t>
             </a:fld>
             <a:endParaRPr lang="en-US"/>
           </a:p>
@@ -2060,7 +2066,7 @@
           <a:p>
             <a:fld id="{6058DFF1-B7DB-C646-A9AE-E4922D836E39}" type="datetimeFigureOut">
               <a:rPr lang="en-US" smtClean="0"/>
-              <a:t>12/11/22</a:t>
+              <a:t>12/17/22</a:t>
             </a:fld>
             <a:endParaRPr lang="en-US"/>
           </a:p>
@@ -2173,7 +2179,7 @@
           <a:p>
             <a:fld id="{6058DFF1-B7DB-C646-A9AE-E4922D836E39}" type="datetimeFigureOut">
               <a:rPr lang="en-US" smtClean="0"/>
-              <a:t>12/11/22</a:t>
+              <a:t>12/17/22</a:t>
             </a:fld>
             <a:endParaRPr lang="en-US"/>
           </a:p>
@@ -2486,7 +2492,7 @@
           <a:p>
             <a:fld id="{6058DFF1-B7DB-C646-A9AE-E4922D836E39}" type="datetimeFigureOut">
               <a:rPr lang="en-US" smtClean="0"/>
-              <a:t>12/11/22</a:t>
+              <a:t>12/17/22</a:t>
             </a:fld>
             <a:endParaRPr lang="en-US"/>
           </a:p>
@@ -2775,7 +2781,7 @@
           <a:p>
             <a:fld id="{6058DFF1-B7DB-C646-A9AE-E4922D836E39}" type="datetimeFigureOut">
               <a:rPr lang="en-US" smtClean="0"/>
-              <a:t>12/11/22</a:t>
+              <a:t>12/17/22</a:t>
             </a:fld>
             <a:endParaRPr lang="en-US"/>
           </a:p>
@@ -3018,7 +3024,7 @@
           <a:p>
             <a:fld id="{6058DFF1-B7DB-C646-A9AE-E4922D836E39}" type="datetimeFigureOut">
               <a:rPr lang="en-US" smtClean="0"/>
-              <a:t>12/11/22</a:t>
+              <a:t>12/17/22</a:t>
             </a:fld>
             <a:endParaRPr lang="en-US"/>
           </a:p>
@@ -4994,6 +5000,875 @@
     <a:masterClrMapping/>
   </p:clrMapOvr>
   <p:transition spd="med"/>
+</p:sld>
+</file>
+
+<file path=ppt/slides/slide13.xml><?xml version="1.0" encoding="utf-8"?>
+<p:sld xmlns:a="http://schemas.openxmlformats.org/drawingml/2006/main" xmlns:r="http://schemas.openxmlformats.org/officeDocument/2006/relationships" xmlns:p="http://schemas.openxmlformats.org/presentationml/2006/main">
+  <p:cSld>
+    <p:spTree>
+      <p:nvGrpSpPr>
+        <p:cNvPr id="1" name=""/>
+        <p:cNvGrpSpPr/>
+        <p:nvPr/>
+      </p:nvGrpSpPr>
+      <p:grpSpPr>
+        <a:xfrm>
+          <a:off x="0" y="0"/>
+          <a:ext cx="0" cy="0"/>
+          <a:chOff x="0" y="0"/>
+          <a:chExt cx="0" cy="0"/>
+        </a:xfrm>
+      </p:grpSpPr>
+      <p:sp>
+        <p:nvSpPr>
+          <p:cNvPr id="2" name="Rectangle 1">
+            <a:extLst>
+              <a:ext uri="{FF2B5EF4-FFF2-40B4-BE49-F238E27FC236}">
+                <a16:creationId xmlns:a16="http://schemas.microsoft.com/office/drawing/2014/main" id="{3B9FFB5B-F29C-B744-3605-41FB7DF7B89A}"/>
+              </a:ext>
+            </a:extLst>
+          </p:cNvPr>
+          <p:cNvSpPr/>
+          <p:nvPr/>
+        </p:nvSpPr>
+        <p:spPr>
+          <a:xfrm>
+            <a:off x="3048000" y="788276"/>
+            <a:ext cx="4866290" cy="5065986"/>
+          </a:xfrm>
+          <a:prstGeom prst="rect">
+            <a:avLst/>
+          </a:prstGeom>
+        </p:spPr>
+        <p:style>
+          <a:lnRef idx="2">
+            <a:schemeClr val="accent1">
+              <a:shade val="50000"/>
+            </a:schemeClr>
+          </a:lnRef>
+          <a:fillRef idx="1">
+            <a:schemeClr val="accent1"/>
+          </a:fillRef>
+          <a:effectRef idx="0">
+            <a:schemeClr val="accent1"/>
+          </a:effectRef>
+          <a:fontRef idx="minor">
+            <a:schemeClr val="lt1"/>
+          </a:fontRef>
+        </p:style>
+        <p:txBody>
+          <a:bodyPr rtlCol="0" anchor="ctr"/>
+          <a:lstStyle/>
+          <a:p>
+            <a:pPr algn="ctr"/>
+            <a:endParaRPr lang="en-US"/>
+          </a:p>
+        </p:txBody>
+      </p:sp>
+      <p:sp>
+        <p:nvSpPr>
+          <p:cNvPr id="3" name="TextBox 2">
+            <a:extLst>
+              <a:ext uri="{FF2B5EF4-FFF2-40B4-BE49-F238E27FC236}">
+                <a16:creationId xmlns:a16="http://schemas.microsoft.com/office/drawing/2014/main" id="{3FC40F0F-7F09-844A-37E7-2D3A8AC006D2}"/>
+              </a:ext>
+            </a:extLst>
+          </p:cNvPr>
+          <p:cNvSpPr txBox="1"/>
+          <p:nvPr/>
+        </p:nvSpPr>
+        <p:spPr>
+          <a:xfrm>
+            <a:off x="3237186" y="935421"/>
+            <a:ext cx="4319752" cy="646331"/>
+          </a:xfrm>
+          <a:prstGeom prst="rect">
+            <a:avLst/>
+          </a:prstGeom>
+          <a:noFill/>
+        </p:spPr>
+        <p:txBody>
+          <a:bodyPr wrap="square" rtlCol="0">
+            <a:spAutoFit/>
+          </a:bodyPr>
+          <a:lstStyle/>
+          <a:p>
+            <a:pPr algn="ctr"/>
+            <a:r>
+              <a:rPr lang="en-US" b="1" dirty="0"/>
+              <a:t>Landing Page aka Master Page aka Container Page</a:t>
+            </a:r>
+          </a:p>
+        </p:txBody>
+      </p:sp>
+      <p:sp>
+        <p:nvSpPr>
+          <p:cNvPr id="4" name="Multi-document 3">
+            <a:extLst>
+              <a:ext uri="{FF2B5EF4-FFF2-40B4-BE49-F238E27FC236}">
+                <a16:creationId xmlns:a16="http://schemas.microsoft.com/office/drawing/2014/main" id="{56978DA0-0400-DC96-2DE6-D7F3993F8BFA}"/>
+              </a:ext>
+            </a:extLst>
+          </p:cNvPr>
+          <p:cNvSpPr/>
+          <p:nvPr/>
+        </p:nvSpPr>
+        <p:spPr>
+          <a:xfrm>
+            <a:off x="8460828" y="2837793"/>
+            <a:ext cx="1608082" cy="1271752"/>
+          </a:xfrm>
+          <a:prstGeom prst="flowChartMultidocument">
+            <a:avLst/>
+          </a:prstGeom>
+        </p:spPr>
+        <p:style>
+          <a:lnRef idx="2">
+            <a:schemeClr val="accent1">
+              <a:shade val="50000"/>
+            </a:schemeClr>
+          </a:lnRef>
+          <a:fillRef idx="1">
+            <a:schemeClr val="accent1"/>
+          </a:fillRef>
+          <a:effectRef idx="0">
+            <a:schemeClr val="accent1"/>
+          </a:effectRef>
+          <a:fontRef idx="minor">
+            <a:schemeClr val="lt1"/>
+          </a:fontRef>
+        </p:style>
+        <p:txBody>
+          <a:bodyPr rtlCol="0" anchor="ctr"/>
+          <a:lstStyle/>
+          <a:p>
+            <a:pPr algn="ctr"/>
+            <a:endParaRPr lang="en-US"/>
+          </a:p>
+        </p:txBody>
+      </p:sp>
+      <p:sp>
+        <p:nvSpPr>
+          <p:cNvPr id="5" name="Multi-document 4">
+            <a:extLst>
+              <a:ext uri="{FF2B5EF4-FFF2-40B4-BE49-F238E27FC236}">
+                <a16:creationId xmlns:a16="http://schemas.microsoft.com/office/drawing/2014/main" id="{EF0298B4-A1C2-4658-9D10-1C802F91BD4C}"/>
+              </a:ext>
+            </a:extLst>
+          </p:cNvPr>
+          <p:cNvSpPr/>
+          <p:nvPr/>
+        </p:nvSpPr>
+        <p:spPr>
+          <a:xfrm>
+            <a:off x="8550166" y="3189889"/>
+            <a:ext cx="1608082" cy="1271752"/>
+          </a:xfrm>
+          <a:prstGeom prst="flowChartMultidocument">
+            <a:avLst/>
+          </a:prstGeom>
+        </p:spPr>
+        <p:style>
+          <a:lnRef idx="2">
+            <a:schemeClr val="accent1">
+              <a:shade val="50000"/>
+            </a:schemeClr>
+          </a:lnRef>
+          <a:fillRef idx="1">
+            <a:schemeClr val="accent1"/>
+          </a:fillRef>
+          <a:effectRef idx="0">
+            <a:schemeClr val="accent1"/>
+          </a:effectRef>
+          <a:fontRef idx="minor">
+            <a:schemeClr val="lt1"/>
+          </a:fontRef>
+        </p:style>
+        <p:txBody>
+          <a:bodyPr rtlCol="0" anchor="ctr"/>
+          <a:lstStyle/>
+          <a:p>
+            <a:pPr algn="ctr"/>
+            <a:endParaRPr lang="en-US"/>
+          </a:p>
+        </p:txBody>
+      </p:sp>
+      <p:sp>
+        <p:nvSpPr>
+          <p:cNvPr id="6" name="Multi-document 5">
+            <a:extLst>
+              <a:ext uri="{FF2B5EF4-FFF2-40B4-BE49-F238E27FC236}">
+                <a16:creationId xmlns:a16="http://schemas.microsoft.com/office/drawing/2014/main" id="{6819D2F9-7D86-89B6-3D4A-43134F5B76CE}"/>
+              </a:ext>
+            </a:extLst>
+          </p:cNvPr>
+          <p:cNvSpPr/>
+          <p:nvPr/>
+        </p:nvSpPr>
+        <p:spPr>
+          <a:xfrm>
+            <a:off x="8755117" y="3541985"/>
+            <a:ext cx="1608082" cy="1271752"/>
+          </a:xfrm>
+          <a:prstGeom prst="flowChartMultidocument">
+            <a:avLst/>
+          </a:prstGeom>
+        </p:spPr>
+        <p:style>
+          <a:lnRef idx="2">
+            <a:schemeClr val="accent1">
+              <a:shade val="50000"/>
+            </a:schemeClr>
+          </a:lnRef>
+          <a:fillRef idx="1">
+            <a:schemeClr val="accent1"/>
+          </a:fillRef>
+          <a:effectRef idx="0">
+            <a:schemeClr val="accent1"/>
+          </a:effectRef>
+          <a:fontRef idx="minor">
+            <a:schemeClr val="lt1"/>
+          </a:fontRef>
+        </p:style>
+        <p:txBody>
+          <a:bodyPr rtlCol="0" anchor="ctr"/>
+          <a:lstStyle/>
+          <a:p>
+            <a:pPr algn="ctr"/>
+            <a:r>
+              <a:rPr lang="en-US" dirty="0"/>
+              <a:t>Utility Pages</a:t>
+            </a:r>
+          </a:p>
+        </p:txBody>
+      </p:sp>
+      <p:sp>
+        <p:nvSpPr>
+          <p:cNvPr id="7" name="Rectangle 6">
+            <a:extLst>
+              <a:ext uri="{FF2B5EF4-FFF2-40B4-BE49-F238E27FC236}">
+                <a16:creationId xmlns:a16="http://schemas.microsoft.com/office/drawing/2014/main" id="{34C8871A-AE4B-E26B-388C-C90E42E5D0B7}"/>
+              </a:ext>
+            </a:extLst>
+          </p:cNvPr>
+          <p:cNvSpPr/>
+          <p:nvPr/>
+        </p:nvSpPr>
+        <p:spPr>
+          <a:xfrm>
+            <a:off x="3342291" y="1728897"/>
+            <a:ext cx="4214648" cy="3578827"/>
+          </a:xfrm>
+          <a:prstGeom prst="rect">
+            <a:avLst/>
+          </a:prstGeom>
+          <a:solidFill>
+            <a:schemeClr val="bg2">
+              <a:lumMod val="90000"/>
+            </a:schemeClr>
+          </a:solidFill>
+        </p:spPr>
+        <p:style>
+          <a:lnRef idx="2">
+            <a:schemeClr val="accent1">
+              <a:shade val="50000"/>
+            </a:schemeClr>
+          </a:lnRef>
+          <a:fillRef idx="1">
+            <a:schemeClr val="accent1"/>
+          </a:fillRef>
+          <a:effectRef idx="0">
+            <a:schemeClr val="accent1"/>
+          </a:effectRef>
+          <a:fontRef idx="minor">
+            <a:schemeClr val="lt1"/>
+          </a:fontRef>
+        </p:style>
+        <p:txBody>
+          <a:bodyPr rtlCol="0" anchor="ctr"/>
+          <a:lstStyle/>
+          <a:p>
+            <a:pPr algn="ctr"/>
+            <a:endParaRPr lang="en-US"/>
+          </a:p>
+        </p:txBody>
+      </p:sp>
+      <p:sp>
+        <p:nvSpPr>
+          <p:cNvPr id="8" name="TextBox 7">
+            <a:extLst>
+              <a:ext uri="{FF2B5EF4-FFF2-40B4-BE49-F238E27FC236}">
+                <a16:creationId xmlns:a16="http://schemas.microsoft.com/office/drawing/2014/main" id="{CD411F0F-B0DA-6E71-1C75-3FDA3BBEFB8E}"/>
+              </a:ext>
+            </a:extLst>
+          </p:cNvPr>
+          <p:cNvSpPr txBox="1"/>
+          <p:nvPr/>
+        </p:nvSpPr>
+        <p:spPr>
+          <a:xfrm>
+            <a:off x="3415862" y="1839310"/>
+            <a:ext cx="3962400" cy="369332"/>
+          </a:xfrm>
+          <a:prstGeom prst="rect">
+            <a:avLst/>
+          </a:prstGeom>
+          <a:noFill/>
+        </p:spPr>
+        <p:txBody>
+          <a:bodyPr wrap="square" rtlCol="0">
+            <a:spAutoFit/>
+          </a:bodyPr>
+          <a:lstStyle/>
+          <a:p>
+            <a:pPr algn="ctr"/>
+            <a:r>
+              <a:rPr lang="en-US" b="1" dirty="0"/>
+              <a:t>View Container</a:t>
+            </a:r>
+          </a:p>
+        </p:txBody>
+      </p:sp>
+      <p:graphicFrame>
+        <p:nvGraphicFramePr>
+          <p:cNvPr id="9" name="Table 9">
+            <a:extLst>
+              <a:ext uri="{FF2B5EF4-FFF2-40B4-BE49-F238E27FC236}">
+                <a16:creationId xmlns:a16="http://schemas.microsoft.com/office/drawing/2014/main" id="{0C809110-ED66-0CCF-AE29-EE5152E96803}"/>
+              </a:ext>
+            </a:extLst>
+          </p:cNvPr>
+          <p:cNvGraphicFramePr>
+            <a:graphicFrameLocks noGrp="1"/>
+          </p:cNvGraphicFramePr>
+          <p:nvPr>
+            <p:extLst>
+              <p:ext uri="{D42A27DB-BD31-4B8C-83A1-F6EECF244321}">
+                <p14:modId xmlns:p14="http://schemas.microsoft.com/office/powerpoint/2010/main" val="1267716390"/>
+              </p:ext>
+            </p:extLst>
+          </p:nvPr>
+        </p:nvGraphicFramePr>
+        <p:xfrm>
+          <a:off x="8415282" y="466552"/>
+          <a:ext cx="3307256" cy="1752600"/>
+        </p:xfrm>
+        <a:graphic>
+          <a:graphicData uri="http://schemas.openxmlformats.org/drawingml/2006/table">
+            <a:tbl>
+              <a:tblPr firstRow="1" bandRow="1">
+                <a:tableStyleId>{F5AB1C69-6EDB-4FF4-983F-18BD219EF322}</a:tableStyleId>
+              </a:tblPr>
+              <a:tblGrid>
+                <a:gridCol w="1653628">
+                  <a:extLst>
+                    <a:ext uri="{9D8B030D-6E8A-4147-A177-3AD203B41FA5}">
+                      <a16:colId xmlns:a16="http://schemas.microsoft.com/office/drawing/2014/main" val="2994932566"/>
+                    </a:ext>
+                  </a:extLst>
+                </a:gridCol>
+                <a:gridCol w="1653628">
+                  <a:extLst>
+                    <a:ext uri="{9D8B030D-6E8A-4147-A177-3AD203B41FA5}">
+                      <a16:colId xmlns:a16="http://schemas.microsoft.com/office/drawing/2014/main" val="3344180665"/>
+                    </a:ext>
+                  </a:extLst>
+                </a:gridCol>
+              </a:tblGrid>
+              <a:tr h="370840">
+                <a:tc>
+                  <a:txBody>
+                    <a:bodyPr/>
+                    <a:lstStyle/>
+                    <a:p>
+                      <a:r>
+                        <a:rPr lang="en-US" dirty="0" err="1"/>
+                        <a:t>Url</a:t>
+                      </a:r>
+                      <a:endParaRPr lang="en-US" dirty="0"/>
+                    </a:p>
+                  </a:txBody>
+                  <a:tcPr/>
+                </a:tc>
+                <a:tc>
+                  <a:txBody>
+                    <a:bodyPr/>
+                    <a:lstStyle/>
+                    <a:p>
+                      <a:r>
+                        <a:rPr lang="en-US" dirty="0"/>
+                        <a:t>Resource / Page</a:t>
+                      </a:r>
+                    </a:p>
+                  </a:txBody>
+                  <a:tcPr/>
+                </a:tc>
+                <a:extLst>
+                  <a:ext uri="{0D108BD9-81ED-4DB2-BD59-A6C34878D82A}">
+                    <a16:rowId xmlns:a16="http://schemas.microsoft.com/office/drawing/2014/main" val="565213724"/>
+                  </a:ext>
+                </a:extLst>
+              </a:tr>
+              <a:tr h="370840">
+                <a:tc>
+                  <a:txBody>
+                    <a:bodyPr/>
+                    <a:lstStyle/>
+                    <a:p>
+                      <a:r>
+                        <a:rPr lang="en-US" dirty="0"/>
+                        <a:t>/</a:t>
+                      </a:r>
+                    </a:p>
+                  </a:txBody>
+                  <a:tcPr/>
+                </a:tc>
+                <a:tc>
+                  <a:txBody>
+                    <a:bodyPr/>
+                    <a:lstStyle/>
+                    <a:p>
+                      <a:r>
+                        <a:rPr lang="en-US" dirty="0"/>
+                        <a:t>Home</a:t>
+                      </a:r>
+                    </a:p>
+                  </a:txBody>
+                  <a:tcPr/>
+                </a:tc>
+                <a:extLst>
+                  <a:ext uri="{0D108BD9-81ED-4DB2-BD59-A6C34878D82A}">
+                    <a16:rowId xmlns:a16="http://schemas.microsoft.com/office/drawing/2014/main" val="1240079859"/>
+                  </a:ext>
+                </a:extLst>
+              </a:tr>
+              <a:tr h="370840">
+                <a:tc>
+                  <a:txBody>
+                    <a:bodyPr/>
+                    <a:lstStyle/>
+                    <a:p>
+                      <a:r>
+                        <a:rPr lang="en-US" dirty="0"/>
+                        <a:t>/index</a:t>
+                      </a:r>
+                    </a:p>
+                  </a:txBody>
+                  <a:tcPr/>
+                </a:tc>
+                <a:tc>
+                  <a:txBody>
+                    <a:bodyPr/>
+                    <a:lstStyle/>
+                    <a:p>
+                      <a:r>
+                        <a:rPr lang="en-US" dirty="0"/>
+                        <a:t>Index</a:t>
+                      </a:r>
+                    </a:p>
+                  </a:txBody>
+                  <a:tcPr/>
+                </a:tc>
+                <a:extLst>
+                  <a:ext uri="{0D108BD9-81ED-4DB2-BD59-A6C34878D82A}">
+                    <a16:rowId xmlns:a16="http://schemas.microsoft.com/office/drawing/2014/main" val="1908602009"/>
+                  </a:ext>
+                </a:extLst>
+              </a:tr>
+              <a:tr h="370840">
+                <a:tc>
+                  <a:txBody>
+                    <a:bodyPr/>
+                    <a:lstStyle/>
+                    <a:p>
+                      <a:r>
+                        <a:rPr lang="en-US" dirty="0"/>
+                        <a:t>/about</a:t>
+                      </a:r>
+                    </a:p>
+                  </a:txBody>
+                  <a:tcPr/>
+                </a:tc>
+                <a:tc>
+                  <a:txBody>
+                    <a:bodyPr/>
+                    <a:lstStyle/>
+                    <a:p>
+                      <a:r>
+                        <a:rPr lang="en-US" dirty="0"/>
+                        <a:t>About</a:t>
+                      </a:r>
+                    </a:p>
+                  </a:txBody>
+                  <a:tcPr/>
+                </a:tc>
+                <a:extLst>
+                  <a:ext uri="{0D108BD9-81ED-4DB2-BD59-A6C34878D82A}">
+                    <a16:rowId xmlns:a16="http://schemas.microsoft.com/office/drawing/2014/main" val="30551896"/>
+                  </a:ext>
+                </a:extLst>
+              </a:tr>
+            </a:tbl>
+          </a:graphicData>
+        </a:graphic>
+      </p:graphicFrame>
+      <p:cxnSp>
+        <p:nvCxnSpPr>
+          <p:cNvPr id="11" name="Elbow Connector 10">
+            <a:extLst>
+              <a:ext uri="{FF2B5EF4-FFF2-40B4-BE49-F238E27FC236}">
+                <a16:creationId xmlns:a16="http://schemas.microsoft.com/office/drawing/2014/main" id="{633A7FE3-E67F-C033-EAA1-96900DAF739F}"/>
+              </a:ext>
+            </a:extLst>
+          </p:cNvPr>
+          <p:cNvCxnSpPr>
+            <a:endCxn id="9" idx="1"/>
+          </p:cNvCxnSpPr>
+          <p:nvPr/>
+        </p:nvCxnSpPr>
+        <p:spPr>
+          <a:xfrm flipV="1">
+            <a:off x="6398173" y="1342852"/>
+            <a:ext cx="2017109" cy="1042996"/>
+          </a:xfrm>
+          <a:prstGeom prst="bentConnector3">
+            <a:avLst/>
+          </a:prstGeom>
+          <a:ln w="76200">
+            <a:solidFill>
+              <a:srgbClr val="C00000"/>
+            </a:solidFill>
+            <a:tailEnd type="triangle"/>
+          </a:ln>
+        </p:spPr>
+        <p:style>
+          <a:lnRef idx="1">
+            <a:schemeClr val="accent1"/>
+          </a:lnRef>
+          <a:fillRef idx="0">
+            <a:schemeClr val="accent1"/>
+          </a:fillRef>
+          <a:effectRef idx="0">
+            <a:schemeClr val="accent1"/>
+          </a:effectRef>
+          <a:fontRef idx="minor">
+            <a:schemeClr val="tx1"/>
+          </a:fontRef>
+        </p:style>
+      </p:cxnSp>
+      <p:sp>
+        <p:nvSpPr>
+          <p:cNvPr id="12" name="TextBox 11">
+            <a:extLst>
+              <a:ext uri="{FF2B5EF4-FFF2-40B4-BE49-F238E27FC236}">
+                <a16:creationId xmlns:a16="http://schemas.microsoft.com/office/drawing/2014/main" id="{CD292A8F-EEA8-7483-82E6-72A4DED8A383}"/>
+              </a:ext>
+            </a:extLst>
+          </p:cNvPr>
+          <p:cNvSpPr txBox="1"/>
+          <p:nvPr/>
+        </p:nvSpPr>
+        <p:spPr>
+          <a:xfrm>
+            <a:off x="8313683" y="73572"/>
+            <a:ext cx="3408855" cy="369332"/>
+          </a:xfrm>
+          <a:prstGeom prst="rect">
+            <a:avLst/>
+          </a:prstGeom>
+          <a:noFill/>
+        </p:spPr>
+        <p:txBody>
+          <a:bodyPr wrap="square" rtlCol="0">
+            <a:spAutoFit/>
+          </a:bodyPr>
+          <a:lstStyle/>
+          <a:p>
+            <a:pPr algn="ctr"/>
+            <a:r>
+              <a:rPr lang="en-US" dirty="0"/>
+              <a:t>Route Table</a:t>
+            </a:r>
+          </a:p>
+        </p:txBody>
+      </p:sp>
+      <p:sp>
+        <p:nvSpPr>
+          <p:cNvPr id="13" name="TextBox 12">
+            <a:extLst>
+              <a:ext uri="{FF2B5EF4-FFF2-40B4-BE49-F238E27FC236}">
+                <a16:creationId xmlns:a16="http://schemas.microsoft.com/office/drawing/2014/main" id="{3EF447AC-46F8-2F63-FAEE-F53B9C41B9FD}"/>
+              </a:ext>
+            </a:extLst>
+          </p:cNvPr>
+          <p:cNvSpPr txBox="1"/>
+          <p:nvPr/>
+        </p:nvSpPr>
+        <p:spPr>
+          <a:xfrm>
+            <a:off x="6001407" y="2571248"/>
+            <a:ext cx="1405320" cy="369332"/>
+          </a:xfrm>
+          <a:prstGeom prst="rect">
+            <a:avLst/>
+          </a:prstGeom>
+          <a:noFill/>
+        </p:spPr>
+        <p:txBody>
+          <a:bodyPr wrap="square" rtlCol="0">
+            <a:spAutoFit/>
+          </a:bodyPr>
+          <a:lstStyle/>
+          <a:p>
+            <a:r>
+              <a:rPr lang="en-US" dirty="0"/>
+              <a:t>Query</a:t>
+            </a:r>
+          </a:p>
+        </p:txBody>
+      </p:sp>
+      <p:sp>
+        <p:nvSpPr>
+          <p:cNvPr id="14" name="Right Brace 13">
+            <a:extLst>
+              <a:ext uri="{FF2B5EF4-FFF2-40B4-BE49-F238E27FC236}">
+                <a16:creationId xmlns:a16="http://schemas.microsoft.com/office/drawing/2014/main" id="{4BFF3DA0-74BB-1B97-2651-5DCA1E6EFF54}"/>
+              </a:ext>
+            </a:extLst>
+          </p:cNvPr>
+          <p:cNvSpPr/>
+          <p:nvPr/>
+        </p:nvSpPr>
+        <p:spPr>
+          <a:xfrm>
+            <a:off x="10436772" y="2755914"/>
+            <a:ext cx="641131" cy="1931700"/>
+          </a:xfrm>
+          <a:prstGeom prst="rightBrace">
+            <a:avLst/>
+          </a:prstGeom>
+          <a:ln w="28575">
+            <a:solidFill>
+              <a:srgbClr val="C00000"/>
+            </a:solidFill>
+          </a:ln>
+        </p:spPr>
+        <p:style>
+          <a:lnRef idx="1">
+            <a:schemeClr val="accent1"/>
+          </a:lnRef>
+          <a:fillRef idx="0">
+            <a:schemeClr val="accent1"/>
+          </a:fillRef>
+          <a:effectRef idx="0">
+            <a:schemeClr val="accent1"/>
+          </a:effectRef>
+          <a:fontRef idx="minor">
+            <a:schemeClr val="tx1"/>
+          </a:fontRef>
+        </p:style>
+        <p:txBody>
+          <a:bodyPr rtlCol="0" anchor="ctr"/>
+          <a:lstStyle/>
+          <a:p>
+            <a:pPr algn="ctr"/>
+            <a:endParaRPr lang="en-US"/>
+          </a:p>
+        </p:txBody>
+      </p:sp>
+      <p:cxnSp>
+        <p:nvCxnSpPr>
+          <p:cNvPr id="16" name="Elbow Connector 15">
+            <a:extLst>
+              <a:ext uri="{FF2B5EF4-FFF2-40B4-BE49-F238E27FC236}">
+                <a16:creationId xmlns:a16="http://schemas.microsoft.com/office/drawing/2014/main" id="{B6DA85C9-F20C-1129-F352-FC758ED59986}"/>
+              </a:ext>
+            </a:extLst>
+          </p:cNvPr>
+          <p:cNvCxnSpPr>
+            <a:endCxn id="9" idx="2"/>
+          </p:cNvCxnSpPr>
+          <p:nvPr/>
+        </p:nvCxnSpPr>
+        <p:spPr>
+          <a:xfrm rot="16200000" flipV="1">
+            <a:off x="9843673" y="2444389"/>
+            <a:ext cx="1501510" cy="1051035"/>
+          </a:xfrm>
+          <a:prstGeom prst="bentConnector3">
+            <a:avLst>
+              <a:gd name="adj1" fmla="val 77299"/>
+            </a:avLst>
+          </a:prstGeom>
+          <a:ln w="57150">
+            <a:solidFill>
+              <a:srgbClr val="C00000"/>
+            </a:solidFill>
+            <a:tailEnd type="triangle"/>
+          </a:ln>
+        </p:spPr>
+        <p:style>
+          <a:lnRef idx="1">
+            <a:schemeClr val="accent1"/>
+          </a:lnRef>
+          <a:fillRef idx="0">
+            <a:schemeClr val="accent1"/>
+          </a:fillRef>
+          <a:effectRef idx="0">
+            <a:schemeClr val="accent1"/>
+          </a:effectRef>
+          <a:fontRef idx="minor">
+            <a:schemeClr val="tx1"/>
+          </a:fontRef>
+        </p:style>
+      </p:cxnSp>
+      <p:sp>
+        <p:nvSpPr>
+          <p:cNvPr id="18" name="TextBox 17">
+            <a:extLst>
+              <a:ext uri="{FF2B5EF4-FFF2-40B4-BE49-F238E27FC236}">
+                <a16:creationId xmlns:a16="http://schemas.microsoft.com/office/drawing/2014/main" id="{4235D988-B2B4-34DD-8767-BDFECECD575C}"/>
+              </a:ext>
+            </a:extLst>
+          </p:cNvPr>
+          <p:cNvSpPr txBox="1"/>
+          <p:nvPr/>
+        </p:nvSpPr>
+        <p:spPr>
+          <a:xfrm>
+            <a:off x="8620233" y="4998403"/>
+            <a:ext cx="2956036" cy="923330"/>
+          </a:xfrm>
+          <a:prstGeom prst="rect">
+            <a:avLst/>
+          </a:prstGeom>
+          <a:noFill/>
+        </p:spPr>
+        <p:txBody>
+          <a:bodyPr wrap="square" rtlCol="0">
+            <a:spAutoFit/>
+          </a:bodyPr>
+          <a:lstStyle/>
+          <a:p>
+            <a:r>
+              <a:rPr lang="en-US" dirty="0"/>
+              <a:t>All Utility Pages with their paths and parameters are registered in the Route Table</a:t>
+            </a:r>
+          </a:p>
+        </p:txBody>
+      </p:sp>
+      <p:cxnSp>
+        <p:nvCxnSpPr>
+          <p:cNvPr id="20" name="Elbow Connector 19">
+            <a:extLst>
+              <a:ext uri="{FF2B5EF4-FFF2-40B4-BE49-F238E27FC236}">
+                <a16:creationId xmlns:a16="http://schemas.microsoft.com/office/drawing/2014/main" id="{55480FCD-8E94-B1F9-3FF6-C7DD236A5BB6}"/>
+              </a:ext>
+            </a:extLst>
+          </p:cNvPr>
+          <p:cNvCxnSpPr>
+            <a:cxnSpLocks/>
+            <a:stCxn id="4" idx="1"/>
+            <a:endCxn id="21" idx="3"/>
+          </p:cNvCxnSpPr>
+          <p:nvPr/>
+        </p:nvCxnSpPr>
+        <p:spPr>
+          <a:xfrm rot="10800000" flipV="1">
+            <a:off x="6697718" y="3473669"/>
+            <a:ext cx="1763110" cy="641932"/>
+          </a:xfrm>
+          <a:prstGeom prst="bentConnector3">
+            <a:avLst/>
+          </a:prstGeom>
+          <a:ln w="19050">
+            <a:solidFill>
+              <a:srgbClr val="C00000"/>
+            </a:solidFill>
+            <a:tailEnd type="triangle"/>
+          </a:ln>
+        </p:spPr>
+        <p:style>
+          <a:lnRef idx="1">
+            <a:schemeClr val="accent1"/>
+          </a:lnRef>
+          <a:fillRef idx="0">
+            <a:schemeClr val="accent1"/>
+          </a:fillRef>
+          <a:effectRef idx="0">
+            <a:schemeClr val="accent1"/>
+          </a:effectRef>
+          <a:fontRef idx="minor">
+            <a:schemeClr val="tx1"/>
+          </a:fontRef>
+        </p:style>
+      </p:cxnSp>
+      <p:sp>
+        <p:nvSpPr>
+          <p:cNvPr id="21" name="Rounded Rectangle 20">
+            <a:extLst>
+              <a:ext uri="{FF2B5EF4-FFF2-40B4-BE49-F238E27FC236}">
+                <a16:creationId xmlns:a16="http://schemas.microsoft.com/office/drawing/2014/main" id="{4257988D-ECF2-397D-FF96-C4906C3A0B8C}"/>
+              </a:ext>
+            </a:extLst>
+          </p:cNvPr>
+          <p:cNvSpPr/>
+          <p:nvPr/>
+        </p:nvSpPr>
+        <p:spPr>
+          <a:xfrm>
+            <a:off x="3641835" y="3503016"/>
+            <a:ext cx="3055883" cy="1225170"/>
+          </a:xfrm>
+          <a:prstGeom prst="roundRect">
+            <a:avLst/>
+          </a:prstGeom>
+          <a:solidFill>
+            <a:schemeClr val="accent2">
+              <a:lumMod val="60000"/>
+              <a:lumOff val="40000"/>
+            </a:schemeClr>
+          </a:solidFill>
+        </p:spPr>
+        <p:style>
+          <a:lnRef idx="2">
+            <a:schemeClr val="accent1">
+              <a:shade val="50000"/>
+            </a:schemeClr>
+          </a:lnRef>
+          <a:fillRef idx="1">
+            <a:schemeClr val="accent1"/>
+          </a:fillRef>
+          <a:effectRef idx="0">
+            <a:schemeClr val="accent1"/>
+          </a:effectRef>
+          <a:fontRef idx="minor">
+            <a:schemeClr val="lt1"/>
+          </a:fontRef>
+        </p:style>
+        <p:txBody>
+          <a:bodyPr rtlCol="0" anchor="ctr"/>
+          <a:lstStyle/>
+          <a:p>
+            <a:pPr algn="ctr"/>
+            <a:r>
+              <a:rPr lang="en-US" b="1"/>
+              <a:t>UI Of the Utility Page</a:t>
+            </a:r>
+          </a:p>
+        </p:txBody>
+      </p:sp>
+    </p:spTree>
+    <p:extLst>
+      <p:ext uri="{BB962C8B-B14F-4D97-AF65-F5344CB8AC3E}">
+        <p14:creationId xmlns:p14="http://schemas.microsoft.com/office/powerpoint/2010/main" val="2149734536"/>
+      </p:ext>
+    </p:extLst>
+  </p:cSld>
+  <p:clrMapOvr>
+    <a:masterClrMapping/>
+  </p:clrMapOvr>
 </p:sld>
 </file>
 

--- a/images_ppt.pptx
+++ b/images_ppt.pptx
@@ -18,6 +18,7 @@
     <p:sldId id="317" r:id="rId12"/>
     <p:sldId id="346" r:id="rId13"/>
     <p:sldId id="347" r:id="rId14"/>
+    <p:sldId id="348" r:id="rId15"/>
   </p:sldIdLst>
   <p:sldSz cx="12192000" cy="6858000"/>
   <p:notesSz cx="6858000" cy="9144000"/>
@@ -5345,14 +5346,14 @@
           <p:nvPr>
             <p:extLst>
               <p:ext uri="{D42A27DB-BD31-4B8C-83A1-F6EECF244321}">
-                <p14:modId xmlns:p14="http://schemas.microsoft.com/office/powerpoint/2010/main" val="1267716390"/>
+                <p14:modId xmlns:p14="http://schemas.microsoft.com/office/powerpoint/2010/main" val="1847772770"/>
               </p:ext>
             </p:extLst>
           </p:nvPr>
         </p:nvGraphicFramePr>
         <p:xfrm>
           <a:off x="8415282" y="466552"/>
-          <a:ext cx="3307256" cy="1752600"/>
+          <a:ext cx="3307256" cy="2026920"/>
         </p:xfrm>
         <a:graphic>
           <a:graphicData uri="http://schemas.openxmlformats.org/drawingml/2006/table">
@@ -5398,7 +5399,7 @@
                     <a:p>
                       <a:r>
                         <a:rPr lang="en-US" dirty="0"/>
-                        <a:t>Resource / Page</a:t>
+                        <a:t>Resource / Page /Components</a:t>
                       </a:r>
                     </a:p>
                   </a:txBody>
@@ -5529,8 +5530,8 @@
         </p:nvCxnSpPr>
         <p:spPr>
           <a:xfrm flipV="1">
-            <a:off x="6398173" y="1342852"/>
-            <a:ext cx="2017109" cy="1042996"/>
+            <a:off x="6398173" y="1480012"/>
+            <a:ext cx="2017109" cy="905836"/>
           </a:xfrm>
           <a:prstGeom prst="bentConnector3">
             <a:avLst/>
@@ -5687,18 +5688,19 @@
             </a:extLst>
           </p:cNvPr>
           <p:cNvCxnSpPr>
+            <a:cxnSpLocks/>
             <a:endCxn id="9" idx="2"/>
           </p:cNvCxnSpPr>
           <p:nvPr/>
         </p:nvCxnSpPr>
         <p:spPr>
           <a:xfrm rot="16200000" flipV="1">
-            <a:off x="9843673" y="2444389"/>
-            <a:ext cx="1501510" cy="1051035"/>
+            <a:off x="9957949" y="2604434"/>
+            <a:ext cx="1228291" cy="1006368"/>
           </a:xfrm>
           <a:prstGeom prst="bentConnector3">
             <a:avLst>
-              <a:gd name="adj1" fmla="val 77299"/>
+              <a:gd name="adj1" fmla="val 50000"/>
             </a:avLst>
           </a:prstGeom>
           <a:ln w="57150">
@@ -5853,8 +5855,43 @@
           <a:p>
             <a:pPr algn="ctr"/>
             <a:r>
-              <a:rPr lang="en-US" b="1"/>
+              <a:rPr lang="en-US" b="1" dirty="0"/>
               <a:t>UI Of the Utility Page</a:t>
+            </a:r>
+          </a:p>
+        </p:txBody>
+      </p:sp>
+      <p:sp>
+        <p:nvSpPr>
+          <p:cNvPr id="23" name="TextBox 22">
+            <a:extLst>
+              <a:ext uri="{FF2B5EF4-FFF2-40B4-BE49-F238E27FC236}">
+                <a16:creationId xmlns:a16="http://schemas.microsoft.com/office/drawing/2014/main" id="{D7CC5C6D-2835-51A2-A15C-C0DCC4E2F6BB}"/>
+              </a:ext>
+            </a:extLst>
+          </p:cNvPr>
+          <p:cNvSpPr txBox="1"/>
+          <p:nvPr/>
+        </p:nvSpPr>
+        <p:spPr>
+          <a:xfrm>
+            <a:off x="199697" y="73572"/>
+            <a:ext cx="2543503" cy="646331"/>
+          </a:xfrm>
+          <a:prstGeom prst="rect">
+            <a:avLst/>
+          </a:prstGeom>
+          <a:noFill/>
+        </p:spPr>
+        <p:txBody>
+          <a:bodyPr wrap="square" rtlCol="0">
+            <a:spAutoFit/>
+          </a:bodyPr>
+          <a:lstStyle/>
+          <a:p>
+            <a:r>
+              <a:rPr lang="en-US" dirty="0"/>
+              <a:t>Single Page Applications SPA</a:t>
             </a:r>
           </a:p>
         </p:txBody>
@@ -5863,6 +5900,935 @@
     <p:extLst>
       <p:ext uri="{BB962C8B-B14F-4D97-AF65-F5344CB8AC3E}">
         <p14:creationId xmlns:p14="http://schemas.microsoft.com/office/powerpoint/2010/main" val="2149734536"/>
+      </p:ext>
+    </p:extLst>
+  </p:cSld>
+  <p:clrMapOvr>
+    <a:masterClrMapping/>
+  </p:clrMapOvr>
+</p:sld>
+</file>
+
+<file path=ppt/slides/slide14.xml><?xml version="1.0" encoding="utf-8"?>
+<p:sld xmlns:a="http://schemas.openxmlformats.org/drawingml/2006/main" xmlns:r="http://schemas.openxmlformats.org/officeDocument/2006/relationships" xmlns:p="http://schemas.openxmlformats.org/presentationml/2006/main">
+  <p:cSld>
+    <p:spTree>
+      <p:nvGrpSpPr>
+        <p:cNvPr id="1" name=""/>
+        <p:cNvGrpSpPr/>
+        <p:nvPr/>
+      </p:nvGrpSpPr>
+      <p:grpSpPr>
+        <a:xfrm>
+          <a:off x="0" y="0"/>
+          <a:ext cx="0" cy="0"/>
+          <a:chOff x="0" y="0"/>
+          <a:chExt cx="0" cy="0"/>
+        </a:xfrm>
+      </p:grpSpPr>
+      <p:sp>
+        <p:nvSpPr>
+          <p:cNvPr id="2" name="Rounded Rectangle 1">
+            <a:extLst>
+              <a:ext uri="{FF2B5EF4-FFF2-40B4-BE49-F238E27FC236}">
+                <a16:creationId xmlns:a16="http://schemas.microsoft.com/office/drawing/2014/main" id="{6AB82F0D-95B0-9767-17ED-004E2452D3B7}"/>
+              </a:ext>
+            </a:extLst>
+          </p:cNvPr>
+          <p:cNvSpPr/>
+          <p:nvPr/>
+        </p:nvSpPr>
+        <p:spPr>
+          <a:xfrm>
+            <a:off x="493986" y="357352"/>
+            <a:ext cx="11204027" cy="6337738"/>
+          </a:xfrm>
+          <a:prstGeom prst="roundRect">
+            <a:avLst>
+              <a:gd name="adj" fmla="val 0"/>
+            </a:avLst>
+          </a:prstGeom>
+          <a:solidFill>
+            <a:schemeClr val="accent2">
+              <a:lumMod val="60000"/>
+              <a:lumOff val="40000"/>
+            </a:schemeClr>
+          </a:solidFill>
+        </p:spPr>
+        <p:style>
+          <a:lnRef idx="2">
+            <a:schemeClr val="accent1">
+              <a:shade val="50000"/>
+            </a:schemeClr>
+          </a:lnRef>
+          <a:fillRef idx="1">
+            <a:schemeClr val="accent1"/>
+          </a:fillRef>
+          <a:effectRef idx="0">
+            <a:schemeClr val="accent1"/>
+          </a:effectRef>
+          <a:fontRef idx="minor">
+            <a:schemeClr val="lt1"/>
+          </a:fontRef>
+        </p:style>
+        <p:txBody>
+          <a:bodyPr rtlCol="0" anchor="ctr"/>
+          <a:lstStyle/>
+          <a:p>
+            <a:pPr algn="ctr"/>
+            <a:endParaRPr lang="en-US"/>
+          </a:p>
+        </p:txBody>
+      </p:sp>
+      <p:sp>
+        <p:nvSpPr>
+          <p:cNvPr id="3" name="Rounded Rectangle 2">
+            <a:extLst>
+              <a:ext uri="{FF2B5EF4-FFF2-40B4-BE49-F238E27FC236}">
+                <a16:creationId xmlns:a16="http://schemas.microsoft.com/office/drawing/2014/main" id="{06725BFF-204A-83E4-8E4F-980C5D1824AE}"/>
+              </a:ext>
+            </a:extLst>
+          </p:cNvPr>
+          <p:cNvSpPr/>
+          <p:nvPr/>
+        </p:nvSpPr>
+        <p:spPr>
+          <a:xfrm>
+            <a:off x="872359" y="683172"/>
+            <a:ext cx="1692165" cy="1471449"/>
+          </a:xfrm>
+          <a:prstGeom prst="roundRect">
+            <a:avLst/>
+          </a:prstGeom>
+        </p:spPr>
+        <p:style>
+          <a:lnRef idx="2">
+            <a:schemeClr val="accent1">
+              <a:shade val="50000"/>
+            </a:schemeClr>
+          </a:lnRef>
+          <a:fillRef idx="1">
+            <a:schemeClr val="accent1"/>
+          </a:fillRef>
+          <a:effectRef idx="0">
+            <a:schemeClr val="accent1"/>
+          </a:effectRef>
+          <a:fontRef idx="minor">
+            <a:schemeClr val="lt1"/>
+          </a:fontRef>
+        </p:style>
+        <p:txBody>
+          <a:bodyPr rtlCol="0" anchor="ctr"/>
+          <a:lstStyle/>
+          <a:p>
+            <a:pPr algn="ctr"/>
+            <a:r>
+              <a:rPr lang="en-US" dirty="0"/>
+              <a:t>C1</a:t>
+            </a:r>
+          </a:p>
+        </p:txBody>
+      </p:sp>
+      <p:sp>
+        <p:nvSpPr>
+          <p:cNvPr id="4" name="Rounded Rectangle 3">
+            <a:extLst>
+              <a:ext uri="{FF2B5EF4-FFF2-40B4-BE49-F238E27FC236}">
+                <a16:creationId xmlns:a16="http://schemas.microsoft.com/office/drawing/2014/main" id="{E48059C4-3CC4-011D-C6DE-E1D1219943BD}"/>
+              </a:ext>
+            </a:extLst>
+          </p:cNvPr>
+          <p:cNvSpPr/>
+          <p:nvPr/>
+        </p:nvSpPr>
+        <p:spPr>
+          <a:xfrm>
+            <a:off x="872359" y="2522483"/>
+            <a:ext cx="1692165" cy="1471449"/>
+          </a:xfrm>
+          <a:prstGeom prst="roundRect">
+            <a:avLst/>
+          </a:prstGeom>
+        </p:spPr>
+        <p:style>
+          <a:lnRef idx="2">
+            <a:schemeClr val="accent1">
+              <a:shade val="50000"/>
+            </a:schemeClr>
+          </a:lnRef>
+          <a:fillRef idx="1">
+            <a:schemeClr val="accent1"/>
+          </a:fillRef>
+          <a:effectRef idx="0">
+            <a:schemeClr val="accent1"/>
+          </a:effectRef>
+          <a:fontRef idx="minor">
+            <a:schemeClr val="lt1"/>
+          </a:fontRef>
+        </p:style>
+        <p:txBody>
+          <a:bodyPr rtlCol="0" anchor="ctr"/>
+          <a:lstStyle/>
+          <a:p>
+            <a:pPr algn="ctr"/>
+            <a:endParaRPr lang="en-US"/>
+          </a:p>
+        </p:txBody>
+      </p:sp>
+      <p:sp>
+        <p:nvSpPr>
+          <p:cNvPr id="5" name="Rounded Rectangle 4">
+            <a:extLst>
+              <a:ext uri="{FF2B5EF4-FFF2-40B4-BE49-F238E27FC236}">
+                <a16:creationId xmlns:a16="http://schemas.microsoft.com/office/drawing/2014/main" id="{BFCAF113-A3F0-3353-56F4-11AA42672409}"/>
+              </a:ext>
+            </a:extLst>
+          </p:cNvPr>
+          <p:cNvSpPr/>
+          <p:nvPr/>
+        </p:nvSpPr>
+        <p:spPr>
+          <a:xfrm>
+            <a:off x="872358" y="4361794"/>
+            <a:ext cx="1692165" cy="1471449"/>
+          </a:xfrm>
+          <a:prstGeom prst="roundRect">
+            <a:avLst/>
+          </a:prstGeom>
+        </p:spPr>
+        <p:style>
+          <a:lnRef idx="2">
+            <a:schemeClr val="accent1">
+              <a:shade val="50000"/>
+            </a:schemeClr>
+          </a:lnRef>
+          <a:fillRef idx="1">
+            <a:schemeClr val="accent1"/>
+          </a:fillRef>
+          <a:effectRef idx="0">
+            <a:schemeClr val="accent1"/>
+          </a:effectRef>
+          <a:fontRef idx="minor">
+            <a:schemeClr val="lt1"/>
+          </a:fontRef>
+        </p:style>
+        <p:txBody>
+          <a:bodyPr rtlCol="0" anchor="ctr"/>
+          <a:lstStyle/>
+          <a:p>
+            <a:pPr algn="ctr"/>
+            <a:endParaRPr lang="en-US"/>
+          </a:p>
+        </p:txBody>
+      </p:sp>
+      <p:sp>
+        <p:nvSpPr>
+          <p:cNvPr id="6" name="Rounded Rectangle 5">
+            <a:extLst>
+              <a:ext uri="{FF2B5EF4-FFF2-40B4-BE49-F238E27FC236}">
+                <a16:creationId xmlns:a16="http://schemas.microsoft.com/office/drawing/2014/main" id="{18FC940A-2BAB-1DB6-0778-167CD8504EDA}"/>
+              </a:ext>
+            </a:extLst>
+          </p:cNvPr>
+          <p:cNvSpPr/>
+          <p:nvPr/>
+        </p:nvSpPr>
+        <p:spPr>
+          <a:xfrm>
+            <a:off x="2900853" y="683172"/>
+            <a:ext cx="1692165" cy="1471449"/>
+          </a:xfrm>
+          <a:prstGeom prst="roundRect">
+            <a:avLst/>
+          </a:prstGeom>
+        </p:spPr>
+        <p:style>
+          <a:lnRef idx="2">
+            <a:schemeClr val="accent1">
+              <a:shade val="50000"/>
+            </a:schemeClr>
+          </a:lnRef>
+          <a:fillRef idx="1">
+            <a:schemeClr val="accent1"/>
+          </a:fillRef>
+          <a:effectRef idx="0">
+            <a:schemeClr val="accent1"/>
+          </a:effectRef>
+          <a:fontRef idx="minor">
+            <a:schemeClr val="lt1"/>
+          </a:fontRef>
+        </p:style>
+        <p:txBody>
+          <a:bodyPr rtlCol="0" anchor="ctr"/>
+          <a:lstStyle/>
+          <a:p>
+            <a:pPr algn="ctr"/>
+            <a:endParaRPr lang="en-US"/>
+          </a:p>
+        </p:txBody>
+      </p:sp>
+      <p:sp>
+        <p:nvSpPr>
+          <p:cNvPr id="7" name="Rounded Rectangle 6">
+            <a:extLst>
+              <a:ext uri="{FF2B5EF4-FFF2-40B4-BE49-F238E27FC236}">
+                <a16:creationId xmlns:a16="http://schemas.microsoft.com/office/drawing/2014/main" id="{120445F2-0A53-3302-01DD-794E6ED1887F}"/>
+              </a:ext>
+            </a:extLst>
+          </p:cNvPr>
+          <p:cNvSpPr/>
+          <p:nvPr/>
+        </p:nvSpPr>
+        <p:spPr>
+          <a:xfrm>
+            <a:off x="2900853" y="2522483"/>
+            <a:ext cx="1692165" cy="1471449"/>
+          </a:xfrm>
+          <a:prstGeom prst="roundRect">
+            <a:avLst/>
+          </a:prstGeom>
+        </p:spPr>
+        <p:style>
+          <a:lnRef idx="2">
+            <a:schemeClr val="accent1">
+              <a:shade val="50000"/>
+            </a:schemeClr>
+          </a:lnRef>
+          <a:fillRef idx="1">
+            <a:schemeClr val="accent1"/>
+          </a:fillRef>
+          <a:effectRef idx="0">
+            <a:schemeClr val="accent1"/>
+          </a:effectRef>
+          <a:fontRef idx="minor">
+            <a:schemeClr val="lt1"/>
+          </a:fontRef>
+        </p:style>
+        <p:txBody>
+          <a:bodyPr rtlCol="0" anchor="ctr"/>
+          <a:lstStyle/>
+          <a:p>
+            <a:pPr algn="ctr"/>
+            <a:endParaRPr lang="en-US"/>
+          </a:p>
+        </p:txBody>
+      </p:sp>
+      <p:sp>
+        <p:nvSpPr>
+          <p:cNvPr id="8" name="Rounded Rectangle 7">
+            <a:extLst>
+              <a:ext uri="{FF2B5EF4-FFF2-40B4-BE49-F238E27FC236}">
+                <a16:creationId xmlns:a16="http://schemas.microsoft.com/office/drawing/2014/main" id="{5D9BE5B6-BA96-54CE-5432-631D96D09064}"/>
+              </a:ext>
+            </a:extLst>
+          </p:cNvPr>
+          <p:cNvSpPr/>
+          <p:nvPr/>
+        </p:nvSpPr>
+        <p:spPr>
+          <a:xfrm>
+            <a:off x="2900852" y="4361794"/>
+            <a:ext cx="1692165" cy="1471449"/>
+          </a:xfrm>
+          <a:prstGeom prst="roundRect">
+            <a:avLst/>
+          </a:prstGeom>
+        </p:spPr>
+        <p:style>
+          <a:lnRef idx="2">
+            <a:schemeClr val="accent1">
+              <a:shade val="50000"/>
+            </a:schemeClr>
+          </a:lnRef>
+          <a:fillRef idx="1">
+            <a:schemeClr val="accent1"/>
+          </a:fillRef>
+          <a:effectRef idx="0">
+            <a:schemeClr val="accent1"/>
+          </a:effectRef>
+          <a:fontRef idx="minor">
+            <a:schemeClr val="lt1"/>
+          </a:fontRef>
+        </p:style>
+        <p:txBody>
+          <a:bodyPr rtlCol="0" anchor="ctr"/>
+          <a:lstStyle/>
+          <a:p>
+            <a:pPr algn="ctr"/>
+            <a:r>
+              <a:rPr lang="en-US" dirty="0"/>
+              <a:t>C5</a:t>
+            </a:r>
+          </a:p>
+          <a:p>
+            <a:pPr algn="ctr"/>
+            <a:r>
+              <a:rPr lang="en-US" dirty="0"/>
+              <a:t>AJAX</a:t>
+            </a:r>
+          </a:p>
+        </p:txBody>
+      </p:sp>
+      <p:sp>
+        <p:nvSpPr>
+          <p:cNvPr id="9" name="Rounded Rectangle 8">
+            <a:extLst>
+              <a:ext uri="{FF2B5EF4-FFF2-40B4-BE49-F238E27FC236}">
+                <a16:creationId xmlns:a16="http://schemas.microsoft.com/office/drawing/2014/main" id="{E2A8AD2A-6938-140E-C72F-498993BA4A34}"/>
+              </a:ext>
+            </a:extLst>
+          </p:cNvPr>
+          <p:cNvSpPr/>
+          <p:nvPr/>
+        </p:nvSpPr>
+        <p:spPr>
+          <a:xfrm>
+            <a:off x="5202621" y="683172"/>
+            <a:ext cx="1692165" cy="1471449"/>
+          </a:xfrm>
+          <a:prstGeom prst="roundRect">
+            <a:avLst/>
+          </a:prstGeom>
+        </p:spPr>
+        <p:style>
+          <a:lnRef idx="2">
+            <a:schemeClr val="accent1">
+              <a:shade val="50000"/>
+            </a:schemeClr>
+          </a:lnRef>
+          <a:fillRef idx="1">
+            <a:schemeClr val="accent1"/>
+          </a:fillRef>
+          <a:effectRef idx="0">
+            <a:schemeClr val="accent1"/>
+          </a:effectRef>
+          <a:fontRef idx="minor">
+            <a:schemeClr val="lt1"/>
+          </a:fontRef>
+        </p:style>
+        <p:txBody>
+          <a:bodyPr rtlCol="0" anchor="ctr"/>
+          <a:lstStyle/>
+          <a:p>
+            <a:pPr algn="ctr"/>
+            <a:endParaRPr lang="en-US"/>
+          </a:p>
+        </p:txBody>
+      </p:sp>
+      <p:sp>
+        <p:nvSpPr>
+          <p:cNvPr id="10" name="Rounded Rectangle 9">
+            <a:extLst>
+              <a:ext uri="{FF2B5EF4-FFF2-40B4-BE49-F238E27FC236}">
+                <a16:creationId xmlns:a16="http://schemas.microsoft.com/office/drawing/2014/main" id="{8B3EC27B-97B9-8E1C-871B-5714FCF15075}"/>
+              </a:ext>
+            </a:extLst>
+          </p:cNvPr>
+          <p:cNvSpPr/>
+          <p:nvPr/>
+        </p:nvSpPr>
+        <p:spPr>
+          <a:xfrm>
+            <a:off x="5202621" y="2522483"/>
+            <a:ext cx="1692165" cy="1471449"/>
+          </a:xfrm>
+          <a:prstGeom prst="roundRect">
+            <a:avLst/>
+          </a:prstGeom>
+        </p:spPr>
+        <p:style>
+          <a:lnRef idx="2">
+            <a:schemeClr val="accent1">
+              <a:shade val="50000"/>
+            </a:schemeClr>
+          </a:lnRef>
+          <a:fillRef idx="1">
+            <a:schemeClr val="accent1"/>
+          </a:fillRef>
+          <a:effectRef idx="0">
+            <a:schemeClr val="accent1"/>
+          </a:effectRef>
+          <a:fontRef idx="minor">
+            <a:schemeClr val="lt1"/>
+          </a:fontRef>
+        </p:style>
+        <p:txBody>
+          <a:bodyPr rtlCol="0" anchor="ctr"/>
+          <a:lstStyle/>
+          <a:p>
+            <a:pPr algn="ctr"/>
+            <a:endParaRPr lang="en-US"/>
+          </a:p>
+        </p:txBody>
+      </p:sp>
+      <p:sp>
+        <p:nvSpPr>
+          <p:cNvPr id="11" name="Rounded Rectangle 10">
+            <a:extLst>
+              <a:ext uri="{FF2B5EF4-FFF2-40B4-BE49-F238E27FC236}">
+                <a16:creationId xmlns:a16="http://schemas.microsoft.com/office/drawing/2014/main" id="{2A1F4062-37C4-B49E-7B22-549E7F680262}"/>
+              </a:ext>
+            </a:extLst>
+          </p:cNvPr>
+          <p:cNvSpPr/>
+          <p:nvPr/>
+        </p:nvSpPr>
+        <p:spPr>
+          <a:xfrm>
+            <a:off x="5202620" y="4361794"/>
+            <a:ext cx="1692165" cy="1471449"/>
+          </a:xfrm>
+          <a:prstGeom prst="roundRect">
+            <a:avLst/>
+          </a:prstGeom>
+        </p:spPr>
+        <p:style>
+          <a:lnRef idx="2">
+            <a:schemeClr val="accent1">
+              <a:shade val="50000"/>
+            </a:schemeClr>
+          </a:lnRef>
+          <a:fillRef idx="1">
+            <a:schemeClr val="accent1"/>
+          </a:fillRef>
+          <a:effectRef idx="0">
+            <a:schemeClr val="accent1"/>
+          </a:effectRef>
+          <a:fontRef idx="minor">
+            <a:schemeClr val="lt1"/>
+          </a:fontRef>
+        </p:style>
+        <p:txBody>
+          <a:bodyPr rtlCol="0" anchor="ctr"/>
+          <a:lstStyle/>
+          <a:p>
+            <a:pPr algn="ctr"/>
+            <a:endParaRPr lang="en-US"/>
+          </a:p>
+        </p:txBody>
+      </p:sp>
+      <p:sp>
+        <p:nvSpPr>
+          <p:cNvPr id="12" name="Rounded Rectangle 11">
+            <a:extLst>
+              <a:ext uri="{FF2B5EF4-FFF2-40B4-BE49-F238E27FC236}">
+                <a16:creationId xmlns:a16="http://schemas.microsoft.com/office/drawing/2014/main" id="{A3EDC7EF-C994-418F-2107-353643326883}"/>
+              </a:ext>
+            </a:extLst>
+          </p:cNvPr>
+          <p:cNvSpPr/>
+          <p:nvPr/>
+        </p:nvSpPr>
+        <p:spPr>
+          <a:xfrm>
+            <a:off x="7320456" y="683172"/>
+            <a:ext cx="1692165" cy="1471449"/>
+          </a:xfrm>
+          <a:prstGeom prst="roundRect">
+            <a:avLst/>
+          </a:prstGeom>
+        </p:spPr>
+        <p:style>
+          <a:lnRef idx="2">
+            <a:schemeClr val="accent1">
+              <a:shade val="50000"/>
+            </a:schemeClr>
+          </a:lnRef>
+          <a:fillRef idx="1">
+            <a:schemeClr val="accent1"/>
+          </a:fillRef>
+          <a:effectRef idx="0">
+            <a:schemeClr val="accent1"/>
+          </a:effectRef>
+          <a:fontRef idx="minor">
+            <a:schemeClr val="lt1"/>
+          </a:fontRef>
+        </p:style>
+        <p:txBody>
+          <a:bodyPr rtlCol="0" anchor="ctr"/>
+          <a:lstStyle/>
+          <a:p>
+            <a:pPr algn="ctr"/>
+            <a:endParaRPr lang="en-US"/>
+          </a:p>
+        </p:txBody>
+      </p:sp>
+      <p:sp>
+        <p:nvSpPr>
+          <p:cNvPr id="13" name="Rounded Rectangle 12">
+            <a:extLst>
+              <a:ext uri="{FF2B5EF4-FFF2-40B4-BE49-F238E27FC236}">
+                <a16:creationId xmlns:a16="http://schemas.microsoft.com/office/drawing/2014/main" id="{9ED219A4-E2C6-93B2-10E8-8A4E8746330C}"/>
+              </a:ext>
+            </a:extLst>
+          </p:cNvPr>
+          <p:cNvSpPr/>
+          <p:nvPr/>
+        </p:nvSpPr>
+        <p:spPr>
+          <a:xfrm>
+            <a:off x="7320456" y="2522483"/>
+            <a:ext cx="1692165" cy="1471449"/>
+          </a:xfrm>
+          <a:prstGeom prst="roundRect">
+            <a:avLst/>
+          </a:prstGeom>
+        </p:spPr>
+        <p:style>
+          <a:lnRef idx="2">
+            <a:schemeClr val="accent1">
+              <a:shade val="50000"/>
+            </a:schemeClr>
+          </a:lnRef>
+          <a:fillRef idx="1">
+            <a:schemeClr val="accent1"/>
+          </a:fillRef>
+          <a:effectRef idx="0">
+            <a:schemeClr val="accent1"/>
+          </a:effectRef>
+          <a:fontRef idx="minor">
+            <a:schemeClr val="lt1"/>
+          </a:fontRef>
+        </p:style>
+        <p:txBody>
+          <a:bodyPr rtlCol="0" anchor="ctr"/>
+          <a:lstStyle/>
+          <a:p>
+            <a:pPr algn="ctr"/>
+            <a:endParaRPr lang="en-US"/>
+          </a:p>
+        </p:txBody>
+      </p:sp>
+      <p:sp>
+        <p:nvSpPr>
+          <p:cNvPr id="14" name="Rounded Rectangle 13">
+            <a:extLst>
+              <a:ext uri="{FF2B5EF4-FFF2-40B4-BE49-F238E27FC236}">
+                <a16:creationId xmlns:a16="http://schemas.microsoft.com/office/drawing/2014/main" id="{590A3155-7254-6998-7177-B92DD224A8F1}"/>
+              </a:ext>
+            </a:extLst>
+          </p:cNvPr>
+          <p:cNvSpPr/>
+          <p:nvPr/>
+        </p:nvSpPr>
+        <p:spPr>
+          <a:xfrm>
+            <a:off x="7320455" y="4361794"/>
+            <a:ext cx="1692165" cy="1471449"/>
+          </a:xfrm>
+          <a:prstGeom prst="roundRect">
+            <a:avLst/>
+          </a:prstGeom>
+        </p:spPr>
+        <p:style>
+          <a:lnRef idx="2">
+            <a:schemeClr val="accent1">
+              <a:shade val="50000"/>
+            </a:schemeClr>
+          </a:lnRef>
+          <a:fillRef idx="1">
+            <a:schemeClr val="accent1"/>
+          </a:fillRef>
+          <a:effectRef idx="0">
+            <a:schemeClr val="accent1"/>
+          </a:effectRef>
+          <a:fontRef idx="minor">
+            <a:schemeClr val="lt1"/>
+          </a:fontRef>
+        </p:style>
+        <p:txBody>
+          <a:bodyPr rtlCol="0" anchor="ctr"/>
+          <a:lstStyle/>
+          <a:p>
+            <a:pPr algn="ctr"/>
+            <a:endParaRPr lang="en-US"/>
+          </a:p>
+        </p:txBody>
+      </p:sp>
+      <p:sp>
+        <p:nvSpPr>
+          <p:cNvPr id="15" name="Rounded Rectangle 14">
+            <a:extLst>
+              <a:ext uri="{FF2B5EF4-FFF2-40B4-BE49-F238E27FC236}">
+                <a16:creationId xmlns:a16="http://schemas.microsoft.com/office/drawing/2014/main" id="{A04FC2D7-370B-8DB5-3F53-764988DA555A}"/>
+              </a:ext>
+            </a:extLst>
+          </p:cNvPr>
+          <p:cNvSpPr/>
+          <p:nvPr/>
+        </p:nvSpPr>
+        <p:spPr>
+          <a:xfrm>
+            <a:off x="9530254" y="683172"/>
+            <a:ext cx="1692165" cy="1471449"/>
+          </a:xfrm>
+          <a:prstGeom prst="roundRect">
+            <a:avLst/>
+          </a:prstGeom>
+        </p:spPr>
+        <p:style>
+          <a:lnRef idx="2">
+            <a:schemeClr val="accent1">
+              <a:shade val="50000"/>
+            </a:schemeClr>
+          </a:lnRef>
+          <a:fillRef idx="1">
+            <a:schemeClr val="accent1"/>
+          </a:fillRef>
+          <a:effectRef idx="0">
+            <a:schemeClr val="accent1"/>
+          </a:effectRef>
+          <a:fontRef idx="minor">
+            <a:schemeClr val="lt1"/>
+          </a:fontRef>
+        </p:style>
+        <p:txBody>
+          <a:bodyPr rtlCol="0" anchor="ctr"/>
+          <a:lstStyle/>
+          <a:p>
+            <a:pPr algn="ctr"/>
+            <a:endParaRPr lang="en-US"/>
+          </a:p>
+        </p:txBody>
+      </p:sp>
+      <p:sp>
+        <p:nvSpPr>
+          <p:cNvPr id="16" name="Rounded Rectangle 15">
+            <a:extLst>
+              <a:ext uri="{FF2B5EF4-FFF2-40B4-BE49-F238E27FC236}">
+                <a16:creationId xmlns:a16="http://schemas.microsoft.com/office/drawing/2014/main" id="{1B3913B1-5B29-3551-3EDF-CFF179B5B6FE}"/>
+              </a:ext>
+            </a:extLst>
+          </p:cNvPr>
+          <p:cNvSpPr/>
+          <p:nvPr/>
+        </p:nvSpPr>
+        <p:spPr>
+          <a:xfrm>
+            <a:off x="9530254" y="2522483"/>
+            <a:ext cx="1692165" cy="1471449"/>
+          </a:xfrm>
+          <a:prstGeom prst="roundRect">
+            <a:avLst/>
+          </a:prstGeom>
+        </p:spPr>
+        <p:style>
+          <a:lnRef idx="2">
+            <a:schemeClr val="accent1">
+              <a:shade val="50000"/>
+            </a:schemeClr>
+          </a:lnRef>
+          <a:fillRef idx="1">
+            <a:schemeClr val="accent1"/>
+          </a:fillRef>
+          <a:effectRef idx="0">
+            <a:schemeClr val="accent1"/>
+          </a:effectRef>
+          <a:fontRef idx="minor">
+            <a:schemeClr val="lt1"/>
+          </a:fontRef>
+        </p:style>
+        <p:txBody>
+          <a:bodyPr rtlCol="0" anchor="ctr"/>
+          <a:lstStyle/>
+          <a:p>
+            <a:pPr algn="ctr"/>
+            <a:endParaRPr lang="en-US"/>
+          </a:p>
+        </p:txBody>
+      </p:sp>
+      <p:sp>
+        <p:nvSpPr>
+          <p:cNvPr id="17" name="Rounded Rectangle 16">
+            <a:extLst>
+              <a:ext uri="{FF2B5EF4-FFF2-40B4-BE49-F238E27FC236}">
+                <a16:creationId xmlns:a16="http://schemas.microsoft.com/office/drawing/2014/main" id="{5A6194E8-5A16-0311-4CA4-1FAC85A9C521}"/>
+              </a:ext>
+            </a:extLst>
+          </p:cNvPr>
+          <p:cNvSpPr/>
+          <p:nvPr/>
+        </p:nvSpPr>
+        <p:spPr>
+          <a:xfrm>
+            <a:off x="9530253" y="4361794"/>
+            <a:ext cx="1692165" cy="1471449"/>
+          </a:xfrm>
+          <a:prstGeom prst="roundRect">
+            <a:avLst/>
+          </a:prstGeom>
+        </p:spPr>
+        <p:style>
+          <a:lnRef idx="2">
+            <a:schemeClr val="accent1">
+              <a:shade val="50000"/>
+            </a:schemeClr>
+          </a:lnRef>
+          <a:fillRef idx="1">
+            <a:schemeClr val="accent1"/>
+          </a:fillRef>
+          <a:effectRef idx="0">
+            <a:schemeClr val="accent1"/>
+          </a:effectRef>
+          <a:fontRef idx="minor">
+            <a:schemeClr val="lt1"/>
+          </a:fontRef>
+        </p:style>
+        <p:txBody>
+          <a:bodyPr rtlCol="0" anchor="ctr"/>
+          <a:lstStyle/>
+          <a:p>
+            <a:pPr algn="ctr"/>
+            <a:endParaRPr lang="en-US"/>
+          </a:p>
+        </p:txBody>
+      </p:sp>
+      <p:cxnSp>
+        <p:nvCxnSpPr>
+          <p:cNvPr id="19" name="Elbow Connector 18">
+            <a:extLst>
+              <a:ext uri="{FF2B5EF4-FFF2-40B4-BE49-F238E27FC236}">
+                <a16:creationId xmlns:a16="http://schemas.microsoft.com/office/drawing/2014/main" id="{B2DBF640-8E22-512A-928A-A52B82158571}"/>
+              </a:ext>
+            </a:extLst>
+          </p:cNvPr>
+          <p:cNvCxnSpPr>
+            <a:stCxn id="8" idx="1"/>
+            <a:endCxn id="3" idx="3"/>
+          </p:cNvCxnSpPr>
+          <p:nvPr/>
+        </p:nvCxnSpPr>
+        <p:spPr>
+          <a:xfrm rot="10800000">
+            <a:off x="2564524" y="1418897"/>
+            <a:ext cx="336328" cy="3678622"/>
+          </a:xfrm>
+          <a:prstGeom prst="bentConnector3">
+            <a:avLst/>
+          </a:prstGeom>
+          <a:ln w="57150">
+            <a:solidFill>
+              <a:srgbClr val="002060"/>
+            </a:solidFill>
+            <a:tailEnd type="triangle"/>
+          </a:ln>
+        </p:spPr>
+        <p:style>
+          <a:lnRef idx="1">
+            <a:schemeClr val="accent1"/>
+          </a:lnRef>
+          <a:fillRef idx="0">
+            <a:schemeClr val="accent1"/>
+          </a:fillRef>
+          <a:effectRef idx="0">
+            <a:schemeClr val="accent1"/>
+          </a:effectRef>
+          <a:fontRef idx="minor">
+            <a:schemeClr val="tx1"/>
+          </a:fontRef>
+        </p:style>
+      </p:cxnSp>
+      <p:cxnSp>
+        <p:nvCxnSpPr>
+          <p:cNvPr id="21" name="Elbow Connector 20">
+            <a:extLst>
+              <a:ext uri="{FF2B5EF4-FFF2-40B4-BE49-F238E27FC236}">
+                <a16:creationId xmlns:a16="http://schemas.microsoft.com/office/drawing/2014/main" id="{CFA33544-9577-63A2-F2AD-0618305E8C69}"/>
+              </a:ext>
+            </a:extLst>
+          </p:cNvPr>
+          <p:cNvCxnSpPr>
+            <a:cxnSpLocks/>
+            <a:stCxn id="11" idx="3"/>
+            <a:endCxn id="15" idx="0"/>
+          </p:cNvCxnSpPr>
+          <p:nvPr/>
+        </p:nvCxnSpPr>
+        <p:spPr>
+          <a:xfrm flipV="1">
+            <a:off x="6894785" y="683172"/>
+            <a:ext cx="3481552" cy="4414347"/>
+          </a:xfrm>
+          <a:prstGeom prst="bentConnector4">
+            <a:avLst>
+              <a:gd name="adj1" fmla="val 6755"/>
+              <a:gd name="adj2" fmla="val 105179"/>
+            </a:avLst>
+          </a:prstGeom>
+          <a:ln w="57150">
+            <a:solidFill>
+              <a:srgbClr val="002060"/>
+            </a:solidFill>
+            <a:tailEnd type="triangle"/>
+          </a:ln>
+        </p:spPr>
+        <p:style>
+          <a:lnRef idx="1">
+            <a:schemeClr val="accent1"/>
+          </a:lnRef>
+          <a:fillRef idx="0">
+            <a:schemeClr val="accent1"/>
+          </a:fillRef>
+          <a:effectRef idx="0">
+            <a:schemeClr val="accent1"/>
+          </a:effectRef>
+          <a:fontRef idx="minor">
+            <a:schemeClr val="tx1"/>
+          </a:fontRef>
+        </p:style>
+      </p:cxnSp>
+      <p:cxnSp>
+        <p:nvCxnSpPr>
+          <p:cNvPr id="27" name="Elbow Connector 26">
+            <a:extLst>
+              <a:ext uri="{FF2B5EF4-FFF2-40B4-BE49-F238E27FC236}">
+                <a16:creationId xmlns:a16="http://schemas.microsoft.com/office/drawing/2014/main" id="{096479CC-DF70-3B5A-BB40-DCCAB3F91B5C}"/>
+              </a:ext>
+            </a:extLst>
+          </p:cNvPr>
+          <p:cNvCxnSpPr>
+            <a:endCxn id="17" idx="3"/>
+          </p:cNvCxnSpPr>
+          <p:nvPr/>
+        </p:nvCxnSpPr>
+        <p:spPr>
+          <a:xfrm flipV="1">
+            <a:off x="3731172" y="5097519"/>
+            <a:ext cx="7491246" cy="735724"/>
+          </a:xfrm>
+          <a:prstGeom prst="bentConnector5">
+            <a:avLst>
+              <a:gd name="adj1" fmla="val -438"/>
+              <a:gd name="adj2" fmla="val -31071"/>
+              <a:gd name="adj3" fmla="val 103052"/>
+            </a:avLst>
+          </a:prstGeom>
+          <a:ln w="57150">
+            <a:solidFill>
+              <a:srgbClr val="002060"/>
+            </a:solidFill>
+            <a:tailEnd type="triangle"/>
+          </a:ln>
+        </p:spPr>
+        <p:style>
+          <a:lnRef idx="1">
+            <a:schemeClr val="accent1"/>
+          </a:lnRef>
+          <a:fillRef idx="0">
+            <a:schemeClr val="accent1"/>
+          </a:fillRef>
+          <a:effectRef idx="0">
+            <a:schemeClr val="accent1"/>
+          </a:effectRef>
+          <a:fontRef idx="minor">
+            <a:schemeClr val="tx1"/>
+          </a:fontRef>
+        </p:style>
+      </p:cxnSp>
+    </p:spTree>
+    <p:extLst>
+      <p:ext uri="{BB962C8B-B14F-4D97-AF65-F5344CB8AC3E}">
+        <p14:creationId xmlns:p14="http://schemas.microsoft.com/office/powerpoint/2010/main" val="252816855"/>
       </p:ext>
     </p:extLst>
   </p:cSld>

--- a/images_ppt.pptx
+++ b/images_ppt.pptx
@@ -19,6 +19,8 @@
     <p:sldId id="346" r:id="rId13"/>
     <p:sldId id="347" r:id="rId14"/>
     <p:sldId id="348" r:id="rId15"/>
+    <p:sldId id="349" r:id="rId16"/>
+    <p:sldId id="350" r:id="rId17"/>
   </p:sldIdLst>
   <p:sldSz cx="12192000" cy="6858000"/>
   <p:notesSz cx="6858000" cy="9144000"/>
@@ -274,7 +276,7 @@
           <a:p>
             <a:fld id="{6058DFF1-B7DB-C646-A9AE-E4922D836E39}" type="datetimeFigureOut">
               <a:rPr lang="en-US" smtClean="0"/>
-              <a:t>12/17/22</a:t>
+              <a:t>12/18/22</a:t>
             </a:fld>
             <a:endParaRPr lang="en-US"/>
           </a:p>
@@ -474,7 +476,7 @@
           <a:p>
             <a:fld id="{6058DFF1-B7DB-C646-A9AE-E4922D836E39}" type="datetimeFigureOut">
               <a:rPr lang="en-US" smtClean="0"/>
-              <a:t>12/17/22</a:t>
+              <a:t>12/18/22</a:t>
             </a:fld>
             <a:endParaRPr lang="en-US"/>
           </a:p>
@@ -684,7 +686,7 @@
           <a:p>
             <a:fld id="{6058DFF1-B7DB-C646-A9AE-E4922D836E39}" type="datetimeFigureOut">
               <a:rPr lang="en-US" smtClean="0"/>
-              <a:t>12/17/22</a:t>
+              <a:t>12/18/22</a:t>
             </a:fld>
             <a:endParaRPr lang="en-US"/>
           </a:p>
@@ -966,7 +968,7 @@
           <a:p>
             <a:fld id="{6058DFF1-B7DB-C646-A9AE-E4922D836E39}" type="datetimeFigureOut">
               <a:rPr lang="en-US" smtClean="0"/>
-              <a:t>12/17/22</a:t>
+              <a:t>12/18/22</a:t>
             </a:fld>
             <a:endParaRPr lang="en-US"/>
           </a:p>
@@ -1242,7 +1244,7 @@
           <a:p>
             <a:fld id="{6058DFF1-B7DB-C646-A9AE-E4922D836E39}" type="datetimeFigureOut">
               <a:rPr lang="en-US" smtClean="0"/>
-              <a:t>12/17/22</a:t>
+              <a:t>12/18/22</a:t>
             </a:fld>
             <a:endParaRPr lang="en-US"/>
           </a:p>
@@ -1510,7 +1512,7 @@
           <a:p>
             <a:fld id="{6058DFF1-B7DB-C646-A9AE-E4922D836E39}" type="datetimeFigureOut">
               <a:rPr lang="en-US" smtClean="0"/>
-              <a:t>12/17/22</a:t>
+              <a:t>12/18/22</a:t>
             </a:fld>
             <a:endParaRPr lang="en-US"/>
           </a:p>
@@ -1925,7 +1927,7 @@
           <a:p>
             <a:fld id="{6058DFF1-B7DB-C646-A9AE-E4922D836E39}" type="datetimeFigureOut">
               <a:rPr lang="en-US" smtClean="0"/>
-              <a:t>12/17/22</a:t>
+              <a:t>12/18/22</a:t>
             </a:fld>
             <a:endParaRPr lang="en-US"/>
           </a:p>
@@ -2067,7 +2069,7 @@
           <a:p>
             <a:fld id="{6058DFF1-B7DB-C646-A9AE-E4922D836E39}" type="datetimeFigureOut">
               <a:rPr lang="en-US" smtClean="0"/>
-              <a:t>12/17/22</a:t>
+              <a:t>12/18/22</a:t>
             </a:fld>
             <a:endParaRPr lang="en-US"/>
           </a:p>
@@ -2180,7 +2182,7 @@
           <a:p>
             <a:fld id="{6058DFF1-B7DB-C646-A9AE-E4922D836E39}" type="datetimeFigureOut">
               <a:rPr lang="en-US" smtClean="0"/>
-              <a:t>12/17/22</a:t>
+              <a:t>12/18/22</a:t>
             </a:fld>
             <a:endParaRPr lang="en-US"/>
           </a:p>
@@ -2493,7 +2495,7 @@
           <a:p>
             <a:fld id="{6058DFF1-B7DB-C646-A9AE-E4922D836E39}" type="datetimeFigureOut">
               <a:rPr lang="en-US" smtClean="0"/>
-              <a:t>12/17/22</a:t>
+              <a:t>12/18/22</a:t>
             </a:fld>
             <a:endParaRPr lang="en-US"/>
           </a:p>
@@ -2782,7 +2784,7 @@
           <a:p>
             <a:fld id="{6058DFF1-B7DB-C646-A9AE-E4922D836E39}" type="datetimeFigureOut">
               <a:rPr lang="en-US" smtClean="0"/>
-              <a:t>12/17/22</a:t>
+              <a:t>12/18/22</a:t>
             </a:fld>
             <a:endParaRPr lang="en-US"/>
           </a:p>
@@ -3025,7 +3027,7 @@
           <a:p>
             <a:fld id="{6058DFF1-B7DB-C646-A9AE-E4922D836E39}" type="datetimeFigureOut">
               <a:rPr lang="en-US" smtClean="0"/>
-              <a:t>12/17/22</a:t>
+              <a:t>12/18/22</a:t>
             </a:fld>
             <a:endParaRPr lang="en-US"/>
           </a:p>
@@ -6829,6 +6831,981 @@
     <p:extLst>
       <p:ext uri="{BB962C8B-B14F-4D97-AF65-F5344CB8AC3E}">
         <p14:creationId xmlns:p14="http://schemas.microsoft.com/office/powerpoint/2010/main" val="252816855"/>
+      </p:ext>
+    </p:extLst>
+  </p:cSld>
+  <p:clrMapOvr>
+    <a:masterClrMapping/>
+  </p:clrMapOvr>
+</p:sld>
+</file>
+
+<file path=ppt/slides/slide15.xml><?xml version="1.0" encoding="utf-8"?>
+<p:sld xmlns:a="http://schemas.openxmlformats.org/drawingml/2006/main" xmlns:r="http://schemas.openxmlformats.org/officeDocument/2006/relationships" xmlns:p="http://schemas.openxmlformats.org/presentationml/2006/main">
+  <p:cSld>
+    <p:spTree>
+      <p:nvGrpSpPr>
+        <p:cNvPr id="1" name=""/>
+        <p:cNvGrpSpPr/>
+        <p:nvPr/>
+      </p:nvGrpSpPr>
+      <p:grpSpPr>
+        <a:xfrm>
+          <a:off x="0" y="0"/>
+          <a:ext cx="0" cy="0"/>
+          <a:chOff x="0" y="0"/>
+          <a:chExt cx="0" cy="0"/>
+        </a:xfrm>
+      </p:grpSpPr>
+      <p:sp>
+        <p:nvSpPr>
+          <p:cNvPr id="2" name="Rectangle 1">
+            <a:extLst>
+              <a:ext uri="{FF2B5EF4-FFF2-40B4-BE49-F238E27FC236}">
+                <a16:creationId xmlns:a16="http://schemas.microsoft.com/office/drawing/2014/main" id="{FFA07416-EE7F-459B-6652-0B1874A9A98F}"/>
+              </a:ext>
+            </a:extLst>
+          </p:cNvPr>
+          <p:cNvSpPr/>
+          <p:nvPr/>
+        </p:nvSpPr>
+        <p:spPr>
+          <a:xfrm>
+            <a:off x="268014" y="315310"/>
+            <a:ext cx="11655972" cy="6495393"/>
+          </a:xfrm>
+          <a:prstGeom prst="rect">
+            <a:avLst/>
+          </a:prstGeom>
+        </p:spPr>
+        <p:style>
+          <a:lnRef idx="1">
+            <a:schemeClr val="accent4"/>
+          </a:lnRef>
+          <a:fillRef idx="2">
+            <a:schemeClr val="accent4"/>
+          </a:fillRef>
+          <a:effectRef idx="1">
+            <a:schemeClr val="accent4"/>
+          </a:effectRef>
+          <a:fontRef idx="minor">
+            <a:schemeClr val="dk1"/>
+          </a:fontRef>
+        </p:style>
+        <p:txBody>
+          <a:bodyPr rtlCol="0" anchor="ctr"/>
+          <a:lstStyle/>
+          <a:p>
+            <a:pPr algn="ctr"/>
+            <a:endParaRPr lang="en-US"/>
+          </a:p>
+        </p:txBody>
+      </p:sp>
+      <p:sp>
+        <p:nvSpPr>
+          <p:cNvPr id="3" name="Rectangle 2">
+            <a:extLst>
+              <a:ext uri="{FF2B5EF4-FFF2-40B4-BE49-F238E27FC236}">
+                <a16:creationId xmlns:a16="http://schemas.microsoft.com/office/drawing/2014/main" id="{EA8CE78D-3224-8512-7C95-1A3A9D663B92}"/>
+              </a:ext>
+            </a:extLst>
+          </p:cNvPr>
+          <p:cNvSpPr/>
+          <p:nvPr/>
+        </p:nvSpPr>
+        <p:spPr>
+          <a:xfrm>
+            <a:off x="525517" y="388883"/>
+            <a:ext cx="1650124" cy="3405351"/>
+          </a:xfrm>
+          <a:prstGeom prst="rect">
+            <a:avLst/>
+          </a:prstGeom>
+        </p:spPr>
+        <p:style>
+          <a:lnRef idx="2">
+            <a:schemeClr val="accent1">
+              <a:shade val="50000"/>
+            </a:schemeClr>
+          </a:lnRef>
+          <a:fillRef idx="1">
+            <a:schemeClr val="accent1"/>
+          </a:fillRef>
+          <a:effectRef idx="0">
+            <a:schemeClr val="accent1"/>
+          </a:effectRef>
+          <a:fontRef idx="minor">
+            <a:schemeClr val="lt1"/>
+          </a:fontRef>
+        </p:style>
+        <p:txBody>
+          <a:bodyPr rtlCol="0" anchor="ctr"/>
+          <a:lstStyle/>
+          <a:p>
+            <a:pPr algn="ctr"/>
+            <a:r>
+              <a:rPr lang="en-US" dirty="0"/>
+              <a:t>UI Component 1</a:t>
+            </a:r>
+          </a:p>
+        </p:txBody>
+      </p:sp>
+      <p:sp>
+        <p:nvSpPr>
+          <p:cNvPr id="4" name="Rectangle 3">
+            <a:extLst>
+              <a:ext uri="{FF2B5EF4-FFF2-40B4-BE49-F238E27FC236}">
+                <a16:creationId xmlns:a16="http://schemas.microsoft.com/office/drawing/2014/main" id="{126153AC-F1B0-88E8-B952-68486ACF3849}"/>
+              </a:ext>
+            </a:extLst>
+          </p:cNvPr>
+          <p:cNvSpPr/>
+          <p:nvPr/>
+        </p:nvSpPr>
+        <p:spPr>
+          <a:xfrm>
+            <a:off x="3026979" y="1156138"/>
+            <a:ext cx="1650124" cy="2638095"/>
+          </a:xfrm>
+          <a:prstGeom prst="rect">
+            <a:avLst/>
+          </a:prstGeom>
+        </p:spPr>
+        <p:style>
+          <a:lnRef idx="2">
+            <a:schemeClr val="accent1">
+              <a:shade val="50000"/>
+            </a:schemeClr>
+          </a:lnRef>
+          <a:fillRef idx="1">
+            <a:schemeClr val="accent1"/>
+          </a:fillRef>
+          <a:effectRef idx="0">
+            <a:schemeClr val="accent1"/>
+          </a:effectRef>
+          <a:fontRef idx="minor">
+            <a:schemeClr val="lt1"/>
+          </a:fontRef>
+        </p:style>
+        <p:txBody>
+          <a:bodyPr rtlCol="0" anchor="ctr"/>
+          <a:lstStyle/>
+          <a:p>
+            <a:pPr algn="ctr"/>
+            <a:r>
+              <a:rPr lang="en-US" dirty="0"/>
+              <a:t>UI Component 2</a:t>
+            </a:r>
+          </a:p>
+        </p:txBody>
+      </p:sp>
+      <p:sp>
+        <p:nvSpPr>
+          <p:cNvPr id="5" name="Rectangle 4">
+            <a:extLst>
+              <a:ext uri="{FF2B5EF4-FFF2-40B4-BE49-F238E27FC236}">
+                <a16:creationId xmlns:a16="http://schemas.microsoft.com/office/drawing/2014/main" id="{76880A2B-6074-0F20-7C2A-25DB4E33A221}"/>
+              </a:ext>
+            </a:extLst>
+          </p:cNvPr>
+          <p:cNvSpPr/>
+          <p:nvPr/>
+        </p:nvSpPr>
+        <p:spPr>
+          <a:xfrm>
+            <a:off x="5444358" y="872359"/>
+            <a:ext cx="1650124" cy="2921874"/>
+          </a:xfrm>
+          <a:prstGeom prst="rect">
+            <a:avLst/>
+          </a:prstGeom>
+        </p:spPr>
+        <p:style>
+          <a:lnRef idx="2">
+            <a:schemeClr val="accent1">
+              <a:shade val="50000"/>
+            </a:schemeClr>
+          </a:lnRef>
+          <a:fillRef idx="1">
+            <a:schemeClr val="accent1"/>
+          </a:fillRef>
+          <a:effectRef idx="0">
+            <a:schemeClr val="accent1"/>
+          </a:effectRef>
+          <a:fontRef idx="minor">
+            <a:schemeClr val="lt1"/>
+          </a:fontRef>
+        </p:style>
+        <p:txBody>
+          <a:bodyPr rtlCol="0" anchor="ctr"/>
+          <a:lstStyle/>
+          <a:p>
+            <a:pPr algn="ctr"/>
+            <a:r>
+              <a:rPr lang="en-US" dirty="0"/>
+              <a:t>UI Component 3</a:t>
+            </a:r>
+          </a:p>
+        </p:txBody>
+      </p:sp>
+      <p:sp>
+        <p:nvSpPr>
+          <p:cNvPr id="6" name="Rectangle 5">
+            <a:extLst>
+              <a:ext uri="{FF2B5EF4-FFF2-40B4-BE49-F238E27FC236}">
+                <a16:creationId xmlns:a16="http://schemas.microsoft.com/office/drawing/2014/main" id="{BB6741E8-A11E-7396-1E6B-3AD355C79FAC}"/>
+              </a:ext>
+            </a:extLst>
+          </p:cNvPr>
+          <p:cNvSpPr/>
+          <p:nvPr/>
+        </p:nvSpPr>
+        <p:spPr>
+          <a:xfrm>
+            <a:off x="7761890" y="536028"/>
+            <a:ext cx="1650124" cy="3258204"/>
+          </a:xfrm>
+          <a:prstGeom prst="rect">
+            <a:avLst/>
+          </a:prstGeom>
+        </p:spPr>
+        <p:style>
+          <a:lnRef idx="2">
+            <a:schemeClr val="accent1">
+              <a:shade val="50000"/>
+            </a:schemeClr>
+          </a:lnRef>
+          <a:fillRef idx="1">
+            <a:schemeClr val="accent1"/>
+          </a:fillRef>
+          <a:effectRef idx="0">
+            <a:schemeClr val="accent1"/>
+          </a:effectRef>
+          <a:fontRef idx="minor">
+            <a:schemeClr val="lt1"/>
+          </a:fontRef>
+        </p:style>
+        <p:txBody>
+          <a:bodyPr rtlCol="0" anchor="ctr"/>
+          <a:lstStyle/>
+          <a:p>
+            <a:pPr algn="ctr"/>
+            <a:r>
+              <a:rPr lang="en-US" dirty="0"/>
+              <a:t>UI Component 4</a:t>
+            </a:r>
+          </a:p>
+        </p:txBody>
+      </p:sp>
+      <p:sp>
+        <p:nvSpPr>
+          <p:cNvPr id="7" name="Rectangle 6">
+            <a:extLst>
+              <a:ext uri="{FF2B5EF4-FFF2-40B4-BE49-F238E27FC236}">
+                <a16:creationId xmlns:a16="http://schemas.microsoft.com/office/drawing/2014/main" id="{1C0C1A45-0C13-A30B-94F8-C57A46DDE180}"/>
+              </a:ext>
+            </a:extLst>
+          </p:cNvPr>
+          <p:cNvSpPr/>
+          <p:nvPr/>
+        </p:nvSpPr>
+        <p:spPr>
+          <a:xfrm>
+            <a:off x="525517" y="4025462"/>
+            <a:ext cx="8886497" cy="578069"/>
+          </a:xfrm>
+          <a:prstGeom prst="rect">
+            <a:avLst/>
+          </a:prstGeom>
+        </p:spPr>
+        <p:style>
+          <a:lnRef idx="2">
+            <a:schemeClr val="accent1">
+              <a:shade val="50000"/>
+            </a:schemeClr>
+          </a:lnRef>
+          <a:fillRef idx="1">
+            <a:schemeClr val="accent1"/>
+          </a:fillRef>
+          <a:effectRef idx="0">
+            <a:schemeClr val="accent1"/>
+          </a:effectRef>
+          <a:fontRef idx="minor">
+            <a:schemeClr val="lt1"/>
+          </a:fontRef>
+        </p:style>
+        <p:txBody>
+          <a:bodyPr rtlCol="0" anchor="ctr"/>
+          <a:lstStyle/>
+          <a:p>
+            <a:pPr algn="ctr"/>
+            <a:r>
+              <a:rPr lang="en-US" dirty="0"/>
+              <a:t>Search Component</a:t>
+            </a:r>
+          </a:p>
+        </p:txBody>
+      </p:sp>
+      <p:sp>
+        <p:nvSpPr>
+          <p:cNvPr id="8" name="Up Arrow 7">
+            <a:extLst>
+              <a:ext uri="{FF2B5EF4-FFF2-40B4-BE49-F238E27FC236}">
+                <a16:creationId xmlns:a16="http://schemas.microsoft.com/office/drawing/2014/main" id="{4319B3AA-EF79-2981-C5BD-8E6E57AE8277}"/>
+              </a:ext>
+            </a:extLst>
+          </p:cNvPr>
+          <p:cNvSpPr/>
+          <p:nvPr/>
+        </p:nvSpPr>
+        <p:spPr>
+          <a:xfrm>
+            <a:off x="1156138" y="3563007"/>
+            <a:ext cx="336331" cy="609600"/>
+          </a:xfrm>
+          <a:prstGeom prst="upArrow">
+            <a:avLst/>
+          </a:prstGeom>
+          <a:solidFill>
+            <a:schemeClr val="accent2"/>
+          </a:solidFill>
+        </p:spPr>
+        <p:style>
+          <a:lnRef idx="2">
+            <a:schemeClr val="accent1">
+              <a:shade val="50000"/>
+            </a:schemeClr>
+          </a:lnRef>
+          <a:fillRef idx="1">
+            <a:schemeClr val="accent1"/>
+          </a:fillRef>
+          <a:effectRef idx="0">
+            <a:schemeClr val="accent1"/>
+          </a:effectRef>
+          <a:fontRef idx="minor">
+            <a:schemeClr val="lt1"/>
+          </a:fontRef>
+        </p:style>
+        <p:txBody>
+          <a:bodyPr rtlCol="0" anchor="ctr"/>
+          <a:lstStyle/>
+          <a:p>
+            <a:pPr algn="ctr"/>
+            <a:endParaRPr lang="en-US"/>
+          </a:p>
+        </p:txBody>
+      </p:sp>
+      <p:sp>
+        <p:nvSpPr>
+          <p:cNvPr id="9" name="Up Arrow 8">
+            <a:extLst>
+              <a:ext uri="{FF2B5EF4-FFF2-40B4-BE49-F238E27FC236}">
+                <a16:creationId xmlns:a16="http://schemas.microsoft.com/office/drawing/2014/main" id="{04BE70F0-E5C1-41C7-18E3-1B365761A9E8}"/>
+              </a:ext>
+            </a:extLst>
+          </p:cNvPr>
+          <p:cNvSpPr/>
+          <p:nvPr/>
+        </p:nvSpPr>
+        <p:spPr>
+          <a:xfrm>
+            <a:off x="3641834" y="3563007"/>
+            <a:ext cx="336331" cy="609600"/>
+          </a:xfrm>
+          <a:prstGeom prst="upArrow">
+            <a:avLst/>
+          </a:prstGeom>
+          <a:solidFill>
+            <a:schemeClr val="accent2"/>
+          </a:solidFill>
+        </p:spPr>
+        <p:style>
+          <a:lnRef idx="2">
+            <a:schemeClr val="accent1">
+              <a:shade val="50000"/>
+            </a:schemeClr>
+          </a:lnRef>
+          <a:fillRef idx="1">
+            <a:schemeClr val="accent1"/>
+          </a:fillRef>
+          <a:effectRef idx="0">
+            <a:schemeClr val="accent1"/>
+          </a:effectRef>
+          <a:fontRef idx="minor">
+            <a:schemeClr val="lt1"/>
+          </a:fontRef>
+        </p:style>
+        <p:txBody>
+          <a:bodyPr rtlCol="0" anchor="ctr"/>
+          <a:lstStyle/>
+          <a:p>
+            <a:pPr algn="ctr"/>
+            <a:endParaRPr lang="en-US"/>
+          </a:p>
+        </p:txBody>
+      </p:sp>
+      <p:sp>
+        <p:nvSpPr>
+          <p:cNvPr id="10" name="Up Arrow 9">
+            <a:extLst>
+              <a:ext uri="{FF2B5EF4-FFF2-40B4-BE49-F238E27FC236}">
+                <a16:creationId xmlns:a16="http://schemas.microsoft.com/office/drawing/2014/main" id="{2880FCBE-B6A5-3F70-7F1A-8290CFF088C0}"/>
+              </a:ext>
+            </a:extLst>
+          </p:cNvPr>
+          <p:cNvSpPr/>
+          <p:nvPr/>
+        </p:nvSpPr>
+        <p:spPr>
+          <a:xfrm>
+            <a:off x="6064469" y="3489432"/>
+            <a:ext cx="336331" cy="609600"/>
+          </a:xfrm>
+          <a:prstGeom prst="upArrow">
+            <a:avLst/>
+          </a:prstGeom>
+          <a:solidFill>
+            <a:schemeClr val="accent2"/>
+          </a:solidFill>
+        </p:spPr>
+        <p:style>
+          <a:lnRef idx="2">
+            <a:schemeClr val="accent1">
+              <a:shade val="50000"/>
+            </a:schemeClr>
+          </a:lnRef>
+          <a:fillRef idx="1">
+            <a:schemeClr val="accent1"/>
+          </a:fillRef>
+          <a:effectRef idx="0">
+            <a:schemeClr val="accent1"/>
+          </a:effectRef>
+          <a:fontRef idx="minor">
+            <a:schemeClr val="lt1"/>
+          </a:fontRef>
+        </p:style>
+        <p:txBody>
+          <a:bodyPr rtlCol="0" anchor="ctr"/>
+          <a:lstStyle/>
+          <a:p>
+            <a:pPr algn="ctr"/>
+            <a:endParaRPr lang="en-US"/>
+          </a:p>
+        </p:txBody>
+      </p:sp>
+      <p:sp>
+        <p:nvSpPr>
+          <p:cNvPr id="11" name="Up Arrow 10">
+            <a:extLst>
+              <a:ext uri="{FF2B5EF4-FFF2-40B4-BE49-F238E27FC236}">
+                <a16:creationId xmlns:a16="http://schemas.microsoft.com/office/drawing/2014/main" id="{3BB7B67A-2930-4E28-12F9-55AE2E02EF59}"/>
+              </a:ext>
+            </a:extLst>
+          </p:cNvPr>
+          <p:cNvSpPr/>
+          <p:nvPr/>
+        </p:nvSpPr>
+        <p:spPr>
+          <a:xfrm>
+            <a:off x="8455571" y="3489432"/>
+            <a:ext cx="336331" cy="609600"/>
+          </a:xfrm>
+          <a:prstGeom prst="upArrow">
+            <a:avLst/>
+          </a:prstGeom>
+          <a:solidFill>
+            <a:schemeClr val="accent2"/>
+          </a:solidFill>
+        </p:spPr>
+        <p:style>
+          <a:lnRef idx="2">
+            <a:schemeClr val="accent1">
+              <a:shade val="50000"/>
+            </a:schemeClr>
+          </a:lnRef>
+          <a:fillRef idx="1">
+            <a:schemeClr val="accent1"/>
+          </a:fillRef>
+          <a:effectRef idx="0">
+            <a:schemeClr val="accent1"/>
+          </a:effectRef>
+          <a:fontRef idx="minor">
+            <a:schemeClr val="lt1"/>
+          </a:fontRef>
+        </p:style>
+        <p:txBody>
+          <a:bodyPr rtlCol="0" anchor="ctr"/>
+          <a:lstStyle/>
+          <a:p>
+            <a:pPr algn="ctr"/>
+            <a:endParaRPr lang="en-US"/>
+          </a:p>
+        </p:txBody>
+      </p:sp>
+      <p:cxnSp>
+        <p:nvCxnSpPr>
+          <p:cNvPr id="13" name="Elbow Connector 12">
+            <a:extLst>
+              <a:ext uri="{FF2B5EF4-FFF2-40B4-BE49-F238E27FC236}">
+                <a16:creationId xmlns:a16="http://schemas.microsoft.com/office/drawing/2014/main" id="{8C2C3C90-CFE4-2E02-AE39-B3B4C9E25BE1}"/>
+              </a:ext>
+            </a:extLst>
+          </p:cNvPr>
+          <p:cNvCxnSpPr>
+            <a:stCxn id="3" idx="0"/>
+            <a:endCxn id="6" idx="0"/>
+          </p:cNvCxnSpPr>
+          <p:nvPr/>
+        </p:nvCxnSpPr>
+        <p:spPr>
+          <a:xfrm rot="16200000" flipH="1">
+            <a:off x="4895192" y="-3155731"/>
+            <a:ext cx="147145" cy="7236373"/>
+          </a:xfrm>
+          <a:prstGeom prst="bentConnector3">
+            <a:avLst>
+              <a:gd name="adj1" fmla="val 8929"/>
+            </a:avLst>
+          </a:prstGeom>
+          <a:ln w="76200">
+            <a:solidFill>
+              <a:srgbClr val="002060"/>
+            </a:solidFill>
+            <a:tailEnd type="triangle"/>
+          </a:ln>
+        </p:spPr>
+        <p:style>
+          <a:lnRef idx="1">
+            <a:schemeClr val="accent1"/>
+          </a:lnRef>
+          <a:fillRef idx="0">
+            <a:schemeClr val="accent1"/>
+          </a:fillRef>
+          <a:effectRef idx="0">
+            <a:schemeClr val="accent1"/>
+          </a:effectRef>
+          <a:fontRef idx="minor">
+            <a:schemeClr val="tx1"/>
+          </a:fontRef>
+        </p:style>
+      </p:cxnSp>
+      <p:sp>
+        <p:nvSpPr>
+          <p:cNvPr id="15" name="TextBox 14">
+            <a:extLst>
+              <a:ext uri="{FF2B5EF4-FFF2-40B4-BE49-F238E27FC236}">
+                <a16:creationId xmlns:a16="http://schemas.microsoft.com/office/drawing/2014/main" id="{4D45D893-1E40-E088-09DD-E8D57F381809}"/>
+              </a:ext>
+            </a:extLst>
+          </p:cNvPr>
+          <p:cNvSpPr txBox="1"/>
+          <p:nvPr/>
+        </p:nvSpPr>
+        <p:spPr>
+          <a:xfrm>
+            <a:off x="457200" y="6243145"/>
+            <a:ext cx="3610303" cy="369332"/>
+          </a:xfrm>
+          <a:prstGeom prst="rect">
+            <a:avLst/>
+          </a:prstGeom>
+          <a:noFill/>
+        </p:spPr>
+        <p:txBody>
+          <a:bodyPr wrap="square" rtlCol="0">
+            <a:spAutoFit/>
+          </a:bodyPr>
+          <a:lstStyle/>
+          <a:p>
+            <a:pPr algn="ctr"/>
+            <a:r>
+              <a:rPr lang="en-US" b="1" dirty="0"/>
+              <a:t>Parent Component</a:t>
+            </a:r>
+          </a:p>
+        </p:txBody>
+      </p:sp>
+    </p:spTree>
+    <p:extLst>
+      <p:ext uri="{BB962C8B-B14F-4D97-AF65-F5344CB8AC3E}">
+        <p14:creationId xmlns:p14="http://schemas.microsoft.com/office/powerpoint/2010/main" val="3385065310"/>
+      </p:ext>
+    </p:extLst>
+  </p:cSld>
+  <p:clrMapOvr>
+    <a:masterClrMapping/>
+  </p:clrMapOvr>
+</p:sld>
+</file>
+
+<file path=ppt/slides/slide16.xml><?xml version="1.0" encoding="utf-8"?>
+<p:sld xmlns:a="http://schemas.openxmlformats.org/drawingml/2006/main" xmlns:r="http://schemas.openxmlformats.org/officeDocument/2006/relationships" xmlns:p="http://schemas.openxmlformats.org/presentationml/2006/main">
+  <p:cSld>
+    <p:spTree>
+      <p:nvGrpSpPr>
+        <p:cNvPr id="1" name=""/>
+        <p:cNvGrpSpPr/>
+        <p:nvPr/>
+      </p:nvGrpSpPr>
+      <p:grpSpPr>
+        <a:xfrm>
+          <a:off x="0" y="0"/>
+          <a:ext cx="0" cy="0"/>
+          <a:chOff x="0" y="0"/>
+          <a:chExt cx="0" cy="0"/>
+        </a:xfrm>
+      </p:grpSpPr>
+      <p:sp>
+        <p:nvSpPr>
+          <p:cNvPr id="2" name="Rectangle 1">
+            <a:extLst>
+              <a:ext uri="{FF2B5EF4-FFF2-40B4-BE49-F238E27FC236}">
+                <a16:creationId xmlns:a16="http://schemas.microsoft.com/office/drawing/2014/main" id="{E90330E5-4DD4-C615-FEE6-77E4869691C9}"/>
+              </a:ext>
+            </a:extLst>
+          </p:cNvPr>
+          <p:cNvSpPr/>
+          <p:nvPr/>
+        </p:nvSpPr>
+        <p:spPr>
+          <a:xfrm>
+            <a:off x="8607972" y="872359"/>
+            <a:ext cx="3352800" cy="5465379"/>
+          </a:xfrm>
+          <a:prstGeom prst="rect">
+            <a:avLst/>
+          </a:prstGeom>
+        </p:spPr>
+        <p:style>
+          <a:lnRef idx="2">
+            <a:schemeClr val="accent1">
+              <a:shade val="50000"/>
+            </a:schemeClr>
+          </a:lnRef>
+          <a:fillRef idx="1">
+            <a:schemeClr val="accent1"/>
+          </a:fillRef>
+          <a:effectRef idx="0">
+            <a:schemeClr val="accent1"/>
+          </a:effectRef>
+          <a:fontRef idx="minor">
+            <a:schemeClr val="lt1"/>
+          </a:fontRef>
+        </p:style>
+        <p:txBody>
+          <a:bodyPr rtlCol="0" anchor="ctr"/>
+          <a:lstStyle/>
+          <a:p>
+            <a:pPr algn="ctr"/>
+            <a:r>
+              <a:rPr lang="en-US" dirty="0"/>
+              <a:t>Server-Side with API</a:t>
+            </a:r>
+          </a:p>
+          <a:p>
+            <a:pPr algn="ctr"/>
+            <a:r>
+              <a:rPr lang="en-US" dirty="0"/>
+              <a:t>https://</a:t>
+            </a:r>
+            <a:r>
+              <a:rPr lang="en-US" dirty="0" err="1"/>
+              <a:t>www.myserapp.com</a:t>
+            </a:r>
+            <a:endParaRPr lang="en-US" dirty="0"/>
+          </a:p>
+        </p:txBody>
+      </p:sp>
+      <p:sp>
+        <p:nvSpPr>
+          <p:cNvPr id="3" name="Rectangle 2">
+            <a:extLst>
+              <a:ext uri="{FF2B5EF4-FFF2-40B4-BE49-F238E27FC236}">
+                <a16:creationId xmlns:a16="http://schemas.microsoft.com/office/drawing/2014/main" id="{2514BD99-5B6D-2539-50F4-D04E72AA5BF7}"/>
+              </a:ext>
+            </a:extLst>
+          </p:cNvPr>
+          <p:cNvSpPr/>
+          <p:nvPr/>
+        </p:nvSpPr>
+        <p:spPr>
+          <a:xfrm>
+            <a:off x="4614041" y="199697"/>
+            <a:ext cx="2690649" cy="1954924"/>
+          </a:xfrm>
+          <a:prstGeom prst="rect">
+            <a:avLst/>
+          </a:prstGeom>
+        </p:spPr>
+        <p:style>
+          <a:lnRef idx="2">
+            <a:schemeClr val="accent1">
+              <a:shade val="50000"/>
+            </a:schemeClr>
+          </a:lnRef>
+          <a:fillRef idx="1">
+            <a:schemeClr val="accent1"/>
+          </a:fillRef>
+          <a:effectRef idx="0">
+            <a:schemeClr val="accent1"/>
+          </a:effectRef>
+          <a:fontRef idx="minor">
+            <a:schemeClr val="lt1"/>
+          </a:fontRef>
+        </p:style>
+        <p:txBody>
+          <a:bodyPr rtlCol="0" anchor="ctr"/>
+          <a:lstStyle/>
+          <a:p>
+            <a:pPr algn="ctr"/>
+            <a:r>
+              <a:rPr lang="en-US" dirty="0"/>
+              <a:t>Front-End App</a:t>
+            </a:r>
+          </a:p>
+          <a:p>
+            <a:pPr algn="ctr"/>
+            <a:r>
+              <a:rPr lang="en-US" dirty="0"/>
+              <a:t>https://</a:t>
+            </a:r>
+            <a:r>
+              <a:rPr lang="en-US" dirty="0" err="1"/>
+              <a:t>www.myui.com</a:t>
+            </a:r>
+            <a:endParaRPr lang="en-US" dirty="0"/>
+          </a:p>
+        </p:txBody>
+      </p:sp>
+      <p:sp>
+        <p:nvSpPr>
+          <p:cNvPr id="4" name="Parallelogram 3">
+            <a:extLst>
+              <a:ext uri="{FF2B5EF4-FFF2-40B4-BE49-F238E27FC236}">
+                <a16:creationId xmlns:a16="http://schemas.microsoft.com/office/drawing/2014/main" id="{29ED6484-1C57-8103-42FD-9987F3C3F6E7}"/>
+              </a:ext>
+            </a:extLst>
+          </p:cNvPr>
+          <p:cNvSpPr/>
+          <p:nvPr/>
+        </p:nvSpPr>
+        <p:spPr>
+          <a:xfrm>
+            <a:off x="315310" y="1881352"/>
+            <a:ext cx="2354318" cy="3405351"/>
+          </a:xfrm>
+          <a:prstGeom prst="parallelogram">
+            <a:avLst>
+              <a:gd name="adj" fmla="val 8929"/>
+            </a:avLst>
+          </a:prstGeom>
+        </p:spPr>
+        <p:style>
+          <a:lnRef idx="2">
+            <a:schemeClr val="accent1">
+              <a:shade val="50000"/>
+            </a:schemeClr>
+          </a:lnRef>
+          <a:fillRef idx="1">
+            <a:schemeClr val="accent1"/>
+          </a:fillRef>
+          <a:effectRef idx="0">
+            <a:schemeClr val="accent1"/>
+          </a:effectRef>
+          <a:fontRef idx="minor">
+            <a:schemeClr val="lt1"/>
+          </a:fontRef>
+        </p:style>
+        <p:txBody>
+          <a:bodyPr rtlCol="0" anchor="ctr"/>
+          <a:lstStyle/>
+          <a:p>
+            <a:pPr algn="ctr"/>
+            <a:r>
+              <a:rPr lang="en-US" dirty="0"/>
+              <a:t>HTML Page for front-end app</a:t>
+            </a:r>
+          </a:p>
+        </p:txBody>
+      </p:sp>
+      <p:cxnSp>
+        <p:nvCxnSpPr>
+          <p:cNvPr id="6" name="Elbow Connector 5">
+            <a:extLst>
+              <a:ext uri="{FF2B5EF4-FFF2-40B4-BE49-F238E27FC236}">
+                <a16:creationId xmlns:a16="http://schemas.microsoft.com/office/drawing/2014/main" id="{DFCE47FA-9863-4B8B-FF35-B7E6778C1470}"/>
+              </a:ext>
+            </a:extLst>
+          </p:cNvPr>
+          <p:cNvCxnSpPr>
+            <a:stCxn id="4" idx="0"/>
+            <a:endCxn id="3" idx="1"/>
+          </p:cNvCxnSpPr>
+          <p:nvPr/>
+        </p:nvCxnSpPr>
+        <p:spPr>
+          <a:xfrm rot="5400000" flipH="1" flipV="1">
+            <a:off x="2701159" y="-31530"/>
+            <a:ext cx="704193" cy="3121572"/>
+          </a:xfrm>
+          <a:prstGeom prst="bentConnector2">
+            <a:avLst/>
+          </a:prstGeom>
+          <a:ln>
+            <a:tailEnd type="triangle"/>
+          </a:ln>
+        </p:spPr>
+        <p:style>
+          <a:lnRef idx="1">
+            <a:schemeClr val="accent1"/>
+          </a:lnRef>
+          <a:fillRef idx="0">
+            <a:schemeClr val="accent1"/>
+          </a:fillRef>
+          <a:effectRef idx="0">
+            <a:schemeClr val="accent1"/>
+          </a:effectRef>
+          <a:fontRef idx="minor">
+            <a:schemeClr val="tx1"/>
+          </a:fontRef>
+        </p:style>
+      </p:cxnSp>
+      <p:cxnSp>
+        <p:nvCxnSpPr>
+          <p:cNvPr id="8" name="Elbow Connector 7">
+            <a:extLst>
+              <a:ext uri="{FF2B5EF4-FFF2-40B4-BE49-F238E27FC236}">
+                <a16:creationId xmlns:a16="http://schemas.microsoft.com/office/drawing/2014/main" id="{5BF07CFA-AB1F-688D-4023-2652E6E3C472}"/>
+              </a:ext>
+            </a:extLst>
+          </p:cNvPr>
+          <p:cNvCxnSpPr>
+            <a:stCxn id="3" idx="2"/>
+            <a:endCxn id="4" idx="2"/>
+          </p:cNvCxnSpPr>
+          <p:nvPr/>
+        </p:nvCxnSpPr>
+        <p:spPr>
+          <a:xfrm rot="5400000">
+            <a:off x="3547240" y="1171901"/>
+            <a:ext cx="1429407" cy="3394847"/>
+          </a:xfrm>
+          <a:prstGeom prst="bentConnector2">
+            <a:avLst/>
+          </a:prstGeom>
+          <a:ln>
+            <a:tailEnd type="triangle"/>
+          </a:ln>
+        </p:spPr>
+        <p:style>
+          <a:lnRef idx="1">
+            <a:schemeClr val="accent1"/>
+          </a:lnRef>
+          <a:fillRef idx="0">
+            <a:schemeClr val="accent1"/>
+          </a:fillRef>
+          <a:effectRef idx="0">
+            <a:schemeClr val="accent1"/>
+          </a:effectRef>
+          <a:fontRef idx="minor">
+            <a:schemeClr val="tx1"/>
+          </a:fontRef>
+        </p:style>
+      </p:cxnSp>
+      <p:cxnSp>
+        <p:nvCxnSpPr>
+          <p:cNvPr id="10" name="Elbow Connector 9">
+            <a:extLst>
+              <a:ext uri="{FF2B5EF4-FFF2-40B4-BE49-F238E27FC236}">
+                <a16:creationId xmlns:a16="http://schemas.microsoft.com/office/drawing/2014/main" id="{2FB5C59D-99DE-A1B8-E425-DA8063D70EBF}"/>
+              </a:ext>
+            </a:extLst>
+          </p:cNvPr>
+          <p:cNvCxnSpPr>
+            <a:stCxn id="4" idx="3"/>
+            <a:endCxn id="2" idx="1"/>
+          </p:cNvCxnSpPr>
+          <p:nvPr/>
+        </p:nvCxnSpPr>
+        <p:spPr>
+          <a:xfrm rot="5400000" flipH="1" flipV="1">
+            <a:off x="4156839" y="835570"/>
+            <a:ext cx="1681654" cy="7220612"/>
+          </a:xfrm>
+          <a:prstGeom prst="bentConnector4">
+            <a:avLst>
+              <a:gd name="adj1" fmla="val -13594"/>
+              <a:gd name="adj2" fmla="val 58879"/>
+            </a:avLst>
+          </a:prstGeom>
+          <a:ln>
+            <a:tailEnd type="triangle"/>
+          </a:ln>
+        </p:spPr>
+        <p:style>
+          <a:lnRef idx="1">
+            <a:schemeClr val="accent1"/>
+          </a:lnRef>
+          <a:fillRef idx="0">
+            <a:schemeClr val="accent1"/>
+          </a:fillRef>
+          <a:effectRef idx="0">
+            <a:schemeClr val="accent1"/>
+          </a:effectRef>
+          <a:fontRef idx="minor">
+            <a:schemeClr val="tx1"/>
+          </a:fontRef>
+        </p:style>
+      </p:cxnSp>
+      <p:cxnSp>
+        <p:nvCxnSpPr>
+          <p:cNvPr id="12" name="Elbow Connector 11">
+            <a:extLst>
+              <a:ext uri="{FF2B5EF4-FFF2-40B4-BE49-F238E27FC236}">
+                <a16:creationId xmlns:a16="http://schemas.microsoft.com/office/drawing/2014/main" id="{A1D2B0D6-3C4B-BB60-4FA4-8E4405D9A80D}"/>
+              </a:ext>
+            </a:extLst>
+          </p:cNvPr>
+          <p:cNvCxnSpPr>
+            <a:stCxn id="2" idx="2"/>
+            <a:endCxn id="4" idx="2"/>
+          </p:cNvCxnSpPr>
+          <p:nvPr/>
+        </p:nvCxnSpPr>
+        <p:spPr>
+          <a:xfrm rot="5400000" flipH="1">
+            <a:off x="5047591" y="1100957"/>
+            <a:ext cx="2753710" cy="7719853"/>
+          </a:xfrm>
+          <a:prstGeom prst="bentConnector4">
+            <a:avLst>
+              <a:gd name="adj1" fmla="val -8302"/>
+              <a:gd name="adj2" fmla="val 60177"/>
+            </a:avLst>
+          </a:prstGeom>
+          <a:ln>
+            <a:tailEnd type="triangle"/>
+          </a:ln>
+        </p:spPr>
+        <p:style>
+          <a:lnRef idx="1">
+            <a:schemeClr val="accent1"/>
+          </a:lnRef>
+          <a:fillRef idx="0">
+            <a:schemeClr val="accent1"/>
+          </a:fillRef>
+          <a:effectRef idx="0">
+            <a:schemeClr val="accent1"/>
+          </a:effectRef>
+          <a:fontRef idx="minor">
+            <a:schemeClr val="tx1"/>
+          </a:fontRef>
+        </p:style>
+      </p:cxnSp>
+    </p:spTree>
+    <p:extLst>
+      <p:ext uri="{BB962C8B-B14F-4D97-AF65-F5344CB8AC3E}">
+        <p14:creationId xmlns:p14="http://schemas.microsoft.com/office/powerpoint/2010/main" val="564263331"/>
       </p:ext>
     </p:extLst>
   </p:cSld>
